--- a/13_TANGIBLEVR_2018_19_PITCH.pptx
+++ b/13_TANGIBLEVR_2018_19_PITCH.pptx
@@ -165,7 +165,7 @@
           <a:noFill/>
           <a:extLst>
             <a:ext uri="{909E8E84-426E-40dd-AFC4-6F175D3DCCD1}">
-              <a14:hiddenFill xmlns="" xmlns:a14="http://schemas.microsoft.com/office/drawing/2010/main">
+              <a14:hiddenFill xmlns:a14="http://schemas.microsoft.com/office/drawing/2010/main" xmlns="">
                 <a:solidFill>
                   <a:srgbClr val="FFFFFF"/>
                 </a:solidFill>
@@ -225,7 +225,7 @@
             </a:ln>
             <a:extLst>
               <a:ext uri="{91240B29-F687-4f45-9708-019B960494DF}">
-                <a14:hiddenLine xmlns="" xmlns:a14="http://schemas.microsoft.com/office/drawing/2010/main" w="9525">
+                <a14:hiddenLine xmlns:a14="http://schemas.microsoft.com/office/drawing/2010/main" xmlns="" w="9525">
                   <a:solidFill>
                     <a:srgbClr val="000000"/>
                   </a:solidFill>
@@ -315,7 +315,7 @@
             </a:ln>
             <a:extLst>
               <a:ext uri="{91240B29-F687-4f45-9708-019B960494DF}">
-                <a14:hiddenLine xmlns="" xmlns:a14="http://schemas.microsoft.com/office/drawing/2010/main" w="9525">
+                <a14:hiddenLine xmlns:a14="http://schemas.microsoft.com/office/drawing/2010/main" xmlns="" w="9525">
                   <a:solidFill>
                     <a:srgbClr val="000000"/>
                   </a:solidFill>
@@ -405,7 +405,7 @@
             </a:ln>
             <a:extLst>
               <a:ext uri="{91240B29-F687-4f45-9708-019B960494DF}">
-                <a14:hiddenLine xmlns="" xmlns:a14="http://schemas.microsoft.com/office/drawing/2010/main" w="9525">
+                <a14:hiddenLine xmlns:a14="http://schemas.microsoft.com/office/drawing/2010/main" xmlns="" w="9525">
                   <a:solidFill>
                     <a:srgbClr val="000000"/>
                   </a:solidFill>
@@ -439,7 +439,7 @@
             </a:ln>
             <a:extLst>
               <a:ext uri="{91240B29-F687-4f45-9708-019B960494DF}">
-                <a14:hiddenLine xmlns="" xmlns:a14="http://schemas.microsoft.com/office/drawing/2010/main" w="9525">
+                <a14:hiddenLine xmlns:a14="http://schemas.microsoft.com/office/drawing/2010/main" xmlns="" w="9525">
                   <a:solidFill>
                     <a:srgbClr val="000000"/>
                   </a:solidFill>
@@ -529,7 +529,7 @@
             </a:ln>
             <a:extLst>
               <a:ext uri="{91240B29-F687-4f45-9708-019B960494DF}">
-                <a14:hiddenLine xmlns="" xmlns:a14="http://schemas.microsoft.com/office/drawing/2010/main" w="9525">
+                <a14:hiddenLine xmlns:a14="http://schemas.microsoft.com/office/drawing/2010/main" xmlns="" w="9525">
                   <a:solidFill>
                     <a:srgbClr val="000000"/>
                   </a:solidFill>
@@ -591,7 +591,7 @@
             </a:ln>
             <a:extLst>
               <a:ext uri="{91240B29-F687-4f45-9708-019B960494DF}">
-                <a14:hiddenLine xmlns="" xmlns:a14="http://schemas.microsoft.com/office/drawing/2010/main" w="9525">
+                <a14:hiddenLine xmlns:a14="http://schemas.microsoft.com/office/drawing/2010/main" xmlns="" w="9525">
                   <a:solidFill>
                     <a:srgbClr val="000000"/>
                   </a:solidFill>
@@ -653,7 +653,7 @@
             </a:ln>
             <a:extLst>
               <a:ext uri="{91240B29-F687-4f45-9708-019B960494DF}">
-                <a14:hiddenLine xmlns="" xmlns:a14="http://schemas.microsoft.com/office/drawing/2010/main" w="9525">
+                <a14:hiddenLine xmlns:a14="http://schemas.microsoft.com/office/drawing/2010/main" xmlns="" w="9525">
                   <a:solidFill>
                     <a:srgbClr val="000000"/>
                   </a:solidFill>
@@ -743,7 +743,7 @@
             </a:ln>
             <a:extLst>
               <a:ext uri="{91240B29-F687-4f45-9708-019B960494DF}">
-                <a14:hiddenLine xmlns="" xmlns:a14="http://schemas.microsoft.com/office/drawing/2010/main" w="9525">
+                <a14:hiddenLine xmlns:a14="http://schemas.microsoft.com/office/drawing/2010/main" xmlns="" w="9525">
                   <a:solidFill>
                     <a:srgbClr val="000000"/>
                   </a:solidFill>
@@ -805,7 +805,7 @@
             </a:ln>
             <a:extLst>
               <a:ext uri="{91240B29-F687-4f45-9708-019B960494DF}">
-                <a14:hiddenLine xmlns="" xmlns:a14="http://schemas.microsoft.com/office/drawing/2010/main" w="9525">
+                <a14:hiddenLine xmlns:a14="http://schemas.microsoft.com/office/drawing/2010/main" xmlns="" w="9525">
                   <a:solidFill>
                     <a:srgbClr val="000000"/>
                   </a:solidFill>
@@ -867,7 +867,7 @@
             </a:ln>
             <a:extLst>
               <a:ext uri="{91240B29-F687-4f45-9708-019B960494DF}">
-                <a14:hiddenLine xmlns="" xmlns:a14="http://schemas.microsoft.com/office/drawing/2010/main" w="9525">
+                <a14:hiddenLine xmlns:a14="http://schemas.microsoft.com/office/drawing/2010/main" xmlns="" w="9525">
                   <a:solidFill>
                     <a:srgbClr val="000000"/>
                   </a:solidFill>
@@ -957,7 +957,7 @@
             </a:ln>
             <a:extLst>
               <a:ext uri="{91240B29-F687-4f45-9708-019B960494DF}">
-                <a14:hiddenLine xmlns="" xmlns:a14="http://schemas.microsoft.com/office/drawing/2010/main" w="9525">
+                <a14:hiddenLine xmlns:a14="http://schemas.microsoft.com/office/drawing/2010/main" xmlns="" w="9525">
                   <a:solidFill>
                     <a:srgbClr val="000000"/>
                   </a:solidFill>
@@ -1047,7 +1047,7 @@
             </a:ln>
             <a:extLst>
               <a:ext uri="{91240B29-F687-4f45-9708-019B960494DF}">
-                <a14:hiddenLine xmlns="" xmlns:a14="http://schemas.microsoft.com/office/drawing/2010/main" w="9525">
+                <a14:hiddenLine xmlns:a14="http://schemas.microsoft.com/office/drawing/2010/main" xmlns="" w="9525">
                   <a:solidFill>
                     <a:srgbClr val="000000"/>
                   </a:solidFill>
@@ -1109,7 +1109,7 @@
             </a:ln>
             <a:extLst>
               <a:ext uri="{91240B29-F687-4f45-9708-019B960494DF}">
-                <a14:hiddenLine xmlns="" xmlns:a14="http://schemas.microsoft.com/office/drawing/2010/main" w="9525">
+                <a14:hiddenLine xmlns:a14="http://schemas.microsoft.com/office/drawing/2010/main" xmlns="" w="9525">
                   <a:solidFill>
                     <a:srgbClr val="000000"/>
                   </a:solidFill>
@@ -1219,7 +1219,7 @@
             </a:ln>
             <a:extLst>
               <a:ext uri="{91240B29-F687-4f45-9708-019B960494DF}">
-                <a14:hiddenLine xmlns="" xmlns:a14="http://schemas.microsoft.com/office/drawing/2010/main" w="9525">
+                <a14:hiddenLine xmlns:a14="http://schemas.microsoft.com/office/drawing/2010/main" xmlns="" w="9525">
                   <a:solidFill>
                     <a:srgbClr val="000000"/>
                   </a:solidFill>
@@ -1281,7 +1281,7 @@
             </a:ln>
             <a:extLst>
               <a:ext uri="{91240B29-F687-4f45-9708-019B960494DF}">
-                <a14:hiddenLine xmlns="" xmlns:a14="http://schemas.microsoft.com/office/drawing/2010/main" w="9525">
+                <a14:hiddenLine xmlns:a14="http://schemas.microsoft.com/office/drawing/2010/main" xmlns="" w="9525">
                   <a:solidFill>
                     <a:srgbClr val="000000"/>
                   </a:solidFill>
@@ -1371,7 +1371,7 @@
             </a:ln>
             <a:extLst>
               <a:ext uri="{91240B29-F687-4f45-9708-019B960494DF}">
-                <a14:hiddenLine xmlns="" xmlns:a14="http://schemas.microsoft.com/office/drawing/2010/main" w="9525">
+                <a14:hiddenLine xmlns:a14="http://schemas.microsoft.com/office/drawing/2010/main" xmlns="" w="9525">
                   <a:solidFill>
                     <a:srgbClr val="000000"/>
                   </a:solidFill>
@@ -1461,7 +1461,7 @@
             </a:ln>
             <a:extLst>
               <a:ext uri="{91240B29-F687-4f45-9708-019B960494DF}">
-                <a14:hiddenLine xmlns="" xmlns:a14="http://schemas.microsoft.com/office/drawing/2010/main" w="9525">
+                <a14:hiddenLine xmlns:a14="http://schemas.microsoft.com/office/drawing/2010/main" xmlns="" w="9525">
                   <a:solidFill>
                     <a:srgbClr val="000000"/>
                   </a:solidFill>
@@ -1523,7 +1523,7 @@
             </a:ln>
             <a:extLst>
               <a:ext uri="{91240B29-F687-4f45-9708-019B960494DF}">
-                <a14:hiddenLine xmlns="" xmlns:a14="http://schemas.microsoft.com/office/drawing/2010/main" w="9525">
+                <a14:hiddenLine xmlns:a14="http://schemas.microsoft.com/office/drawing/2010/main" xmlns="" w="9525">
                   <a:solidFill>
                     <a:srgbClr val="000000"/>
                   </a:solidFill>
@@ -1613,7 +1613,7 @@
             </a:ln>
             <a:extLst>
               <a:ext uri="{91240B29-F687-4f45-9708-019B960494DF}">
-                <a14:hiddenLine xmlns="" xmlns:a14="http://schemas.microsoft.com/office/drawing/2010/main" w="9525">
+                <a14:hiddenLine xmlns:a14="http://schemas.microsoft.com/office/drawing/2010/main" xmlns="" w="9525">
                   <a:solidFill>
                     <a:srgbClr val="000000"/>
                   </a:solidFill>
@@ -1703,7 +1703,7 @@
             </a:ln>
             <a:extLst>
               <a:ext uri="{91240B29-F687-4f45-9708-019B960494DF}">
-                <a14:hiddenLine xmlns="" xmlns:a14="http://schemas.microsoft.com/office/drawing/2010/main" w="9525">
+                <a14:hiddenLine xmlns:a14="http://schemas.microsoft.com/office/drawing/2010/main" xmlns="" w="9525">
                   <a:solidFill>
                     <a:srgbClr val="000000"/>
                   </a:solidFill>
@@ -1759,7 +1759,7 @@
             </a:ln>
             <a:extLst>
               <a:ext uri="{91240B29-F687-4f45-9708-019B960494DF}">
-                <a14:hiddenLine xmlns="" xmlns:a14="http://schemas.microsoft.com/office/drawing/2010/main" w="9525">
+                <a14:hiddenLine xmlns:a14="http://schemas.microsoft.com/office/drawing/2010/main" xmlns="" w="9525">
                   <a:solidFill>
                     <a:srgbClr val="000000"/>
                   </a:solidFill>
@@ -1849,7 +1849,7 @@
             </a:ln>
             <a:extLst>
               <a:ext uri="{91240B29-F687-4f45-9708-019B960494DF}">
-                <a14:hiddenLine xmlns="" xmlns:a14="http://schemas.microsoft.com/office/drawing/2010/main" w="9525">
+                <a14:hiddenLine xmlns:a14="http://schemas.microsoft.com/office/drawing/2010/main" xmlns="" w="9525">
                   <a:solidFill>
                     <a:srgbClr val="000000"/>
                   </a:solidFill>
@@ -1905,7 +1905,7 @@
             </a:ln>
             <a:extLst>
               <a:ext uri="{91240B29-F687-4f45-9708-019B960494DF}">
-                <a14:hiddenLine xmlns="" xmlns:a14="http://schemas.microsoft.com/office/drawing/2010/main" w="9525">
+                <a14:hiddenLine xmlns:a14="http://schemas.microsoft.com/office/drawing/2010/main" xmlns="" w="9525">
                   <a:solidFill>
                     <a:srgbClr val="000000"/>
                   </a:solidFill>
@@ -1995,7 +1995,7 @@
             </a:ln>
             <a:extLst>
               <a:ext uri="{91240B29-F687-4f45-9708-019B960494DF}">
-                <a14:hiddenLine xmlns="" xmlns:a14="http://schemas.microsoft.com/office/drawing/2010/main" w="9525">
+                <a14:hiddenLine xmlns:a14="http://schemas.microsoft.com/office/drawing/2010/main" xmlns="" w="9525">
                   <a:solidFill>
                     <a:srgbClr val="000000"/>
                   </a:solidFill>
@@ -2063,7 +2063,7 @@
             </a:ln>
             <a:extLst>
               <a:ext uri="{91240B29-F687-4f45-9708-019B960494DF}">
-                <a14:hiddenLine xmlns="" xmlns:a14="http://schemas.microsoft.com/office/drawing/2010/main" w="9525">
+                <a14:hiddenLine xmlns:a14="http://schemas.microsoft.com/office/drawing/2010/main" xmlns="" w="9525">
                   <a:solidFill>
                     <a:srgbClr val="000000"/>
                   </a:solidFill>
@@ -2153,7 +2153,7 @@
             </a:ln>
             <a:extLst>
               <a:ext uri="{91240B29-F687-4f45-9708-019B960494DF}">
-                <a14:hiddenLine xmlns="" xmlns:a14="http://schemas.microsoft.com/office/drawing/2010/main" w="9525">
+                <a14:hiddenLine xmlns:a14="http://schemas.microsoft.com/office/drawing/2010/main" xmlns="" w="9525">
                   <a:solidFill>
                     <a:srgbClr val="000000"/>
                   </a:solidFill>
@@ -2221,7 +2221,7 @@
             </a:ln>
             <a:extLst>
               <a:ext uri="{91240B29-F687-4f45-9708-019B960494DF}">
-                <a14:hiddenLine xmlns="" xmlns:a14="http://schemas.microsoft.com/office/drawing/2010/main" w="9525">
+                <a14:hiddenLine xmlns:a14="http://schemas.microsoft.com/office/drawing/2010/main" xmlns="" w="9525">
                   <a:solidFill>
                     <a:srgbClr val="000000"/>
                   </a:solidFill>
@@ -2311,7 +2311,7 @@
             </a:ln>
             <a:extLst>
               <a:ext uri="{91240B29-F687-4f45-9708-019B960494DF}">
-                <a14:hiddenLine xmlns="" xmlns:a14="http://schemas.microsoft.com/office/drawing/2010/main" w="9525">
+                <a14:hiddenLine xmlns:a14="http://schemas.microsoft.com/office/drawing/2010/main" xmlns="" w="9525">
                   <a:solidFill>
                     <a:srgbClr val="000000"/>
                   </a:solidFill>
@@ -2345,7 +2345,7 @@
             </a:ln>
             <a:extLst>
               <a:ext uri="{91240B29-F687-4f45-9708-019B960494DF}">
-                <a14:hiddenLine xmlns="" xmlns:a14="http://schemas.microsoft.com/office/drawing/2010/main" w="9525">
+                <a14:hiddenLine xmlns:a14="http://schemas.microsoft.com/office/drawing/2010/main" xmlns="" w="9525">
                   <a:solidFill>
                     <a:srgbClr val="000000"/>
                   </a:solidFill>
@@ -2435,7 +2435,7 @@
             </a:ln>
             <a:extLst>
               <a:ext uri="{91240B29-F687-4f45-9708-019B960494DF}">
-                <a14:hiddenLine xmlns="" xmlns:a14="http://schemas.microsoft.com/office/drawing/2010/main" w="9525">
+                <a14:hiddenLine xmlns:a14="http://schemas.microsoft.com/office/drawing/2010/main" xmlns="" w="9525">
                   <a:solidFill>
                     <a:srgbClr val="000000"/>
                   </a:solidFill>
@@ -2497,7 +2497,7 @@
             </a:ln>
             <a:extLst>
               <a:ext uri="{91240B29-F687-4f45-9708-019B960494DF}">
-                <a14:hiddenLine xmlns="" xmlns:a14="http://schemas.microsoft.com/office/drawing/2010/main" w="9525">
+                <a14:hiddenLine xmlns:a14="http://schemas.microsoft.com/office/drawing/2010/main" xmlns="" w="9525">
                   <a:solidFill>
                     <a:srgbClr val="000000"/>
                   </a:solidFill>
@@ -2559,7 +2559,7 @@
             </a:ln>
             <a:extLst>
               <a:ext uri="{91240B29-F687-4f45-9708-019B960494DF}">
-                <a14:hiddenLine xmlns="" xmlns:a14="http://schemas.microsoft.com/office/drawing/2010/main" w="9525">
+                <a14:hiddenLine xmlns:a14="http://schemas.microsoft.com/office/drawing/2010/main" xmlns="" w="9525">
                   <a:solidFill>
                     <a:srgbClr val="000000"/>
                   </a:solidFill>
@@ -2649,7 +2649,7 @@
             </a:ln>
             <a:extLst>
               <a:ext uri="{91240B29-F687-4f45-9708-019B960494DF}">
-                <a14:hiddenLine xmlns="" xmlns:a14="http://schemas.microsoft.com/office/drawing/2010/main" w="9525">
+                <a14:hiddenLine xmlns:a14="http://schemas.microsoft.com/office/drawing/2010/main" xmlns="" w="9525">
                   <a:solidFill>
                     <a:srgbClr val="000000"/>
                   </a:solidFill>
@@ -2717,7 +2717,7 @@
             </a:ln>
             <a:extLst>
               <a:ext uri="{91240B29-F687-4f45-9708-019B960494DF}">
-                <a14:hiddenLine xmlns="" xmlns:a14="http://schemas.microsoft.com/office/drawing/2010/main" w="9525">
+                <a14:hiddenLine xmlns:a14="http://schemas.microsoft.com/office/drawing/2010/main" xmlns="" w="9525">
                   <a:solidFill>
                     <a:srgbClr val="000000"/>
                   </a:solidFill>
@@ -2779,7 +2779,7 @@
             </a:ln>
             <a:extLst>
               <a:ext uri="{91240B29-F687-4f45-9708-019B960494DF}">
-                <a14:hiddenLine xmlns="" xmlns:a14="http://schemas.microsoft.com/office/drawing/2010/main" w="9525">
+                <a14:hiddenLine xmlns:a14="http://schemas.microsoft.com/office/drawing/2010/main" xmlns="" w="9525">
                   <a:solidFill>
                     <a:srgbClr val="000000"/>
                   </a:solidFill>
@@ -2869,7 +2869,7 @@
             </a:ln>
             <a:extLst>
               <a:ext uri="{91240B29-F687-4f45-9708-019B960494DF}">
-                <a14:hiddenLine xmlns="" xmlns:a14="http://schemas.microsoft.com/office/drawing/2010/main" w="9525">
+                <a14:hiddenLine xmlns:a14="http://schemas.microsoft.com/office/drawing/2010/main" xmlns="" w="9525">
                   <a:solidFill>
                     <a:srgbClr val="000000"/>
                   </a:solidFill>
@@ -2931,7 +2931,7 @@
             </a:ln>
             <a:extLst>
               <a:ext uri="{91240B29-F687-4f45-9708-019B960494DF}">
-                <a14:hiddenLine xmlns="" xmlns:a14="http://schemas.microsoft.com/office/drawing/2010/main" w="9525">
+                <a14:hiddenLine xmlns:a14="http://schemas.microsoft.com/office/drawing/2010/main" xmlns="" w="9525">
                   <a:solidFill>
                     <a:srgbClr val="000000"/>
                   </a:solidFill>
@@ -3021,7 +3021,7 @@
             </a:ln>
             <a:extLst>
               <a:ext uri="{91240B29-F687-4f45-9708-019B960494DF}">
-                <a14:hiddenLine xmlns="" xmlns:a14="http://schemas.microsoft.com/office/drawing/2010/main" w="9525">
+                <a14:hiddenLine xmlns:a14="http://schemas.microsoft.com/office/drawing/2010/main" xmlns="" w="9525">
                   <a:solidFill>
                     <a:srgbClr val="000000"/>
                   </a:solidFill>
@@ -3083,7 +3083,7 @@
             </a:ln>
             <a:extLst>
               <a:ext uri="{91240B29-F687-4f45-9708-019B960494DF}">
-                <a14:hiddenLine xmlns="" xmlns:a14="http://schemas.microsoft.com/office/drawing/2010/main" w="9525">
+                <a14:hiddenLine xmlns:a14="http://schemas.microsoft.com/office/drawing/2010/main" xmlns="" w="9525">
                   <a:solidFill>
                     <a:srgbClr val="000000"/>
                   </a:solidFill>
@@ -3173,7 +3173,7 @@
             </a:ln>
             <a:extLst>
               <a:ext uri="{91240B29-F687-4f45-9708-019B960494DF}">
-                <a14:hiddenLine xmlns="" xmlns:a14="http://schemas.microsoft.com/office/drawing/2010/main" w="9525">
+                <a14:hiddenLine xmlns:a14="http://schemas.microsoft.com/office/drawing/2010/main" xmlns="" w="9525">
                   <a:solidFill>
                     <a:srgbClr val="000000"/>
                   </a:solidFill>
@@ -3207,7 +3207,7 @@
             </a:ln>
             <a:extLst>
               <a:ext uri="{91240B29-F687-4f45-9708-019B960494DF}">
-                <a14:hiddenLine xmlns="" xmlns:a14="http://schemas.microsoft.com/office/drawing/2010/main" w="9525">
+                <a14:hiddenLine xmlns:a14="http://schemas.microsoft.com/office/drawing/2010/main" xmlns="" w="9525">
                   <a:solidFill>
                     <a:srgbClr val="000000"/>
                   </a:solidFill>
@@ -3272,7 +3272,7 @@
             </a:ln>
             <a:extLst>
               <a:ext uri="{91240B29-F687-4f45-9708-019B960494DF}">
-                <a14:hiddenLine xmlns="" xmlns:a14="http://schemas.microsoft.com/office/drawing/2010/main" w="9525">
+                <a14:hiddenLine xmlns:a14="http://schemas.microsoft.com/office/drawing/2010/main" xmlns="" w="9525">
                   <a:solidFill>
                     <a:srgbClr val="000000"/>
                   </a:solidFill>
@@ -3362,7 +3362,7 @@
             </a:ln>
             <a:extLst>
               <a:ext uri="{91240B29-F687-4f45-9708-019B960494DF}">
-                <a14:hiddenLine xmlns="" xmlns:a14="http://schemas.microsoft.com/office/drawing/2010/main" w="9525">
+                <a14:hiddenLine xmlns:a14="http://schemas.microsoft.com/office/drawing/2010/main" xmlns="" w="9525">
                   <a:solidFill>
                     <a:srgbClr val="000000"/>
                   </a:solidFill>
@@ -3424,7 +3424,7 @@
             </a:ln>
             <a:extLst>
               <a:ext uri="{91240B29-F687-4f45-9708-019B960494DF}">
-                <a14:hiddenLine xmlns="" xmlns:a14="http://schemas.microsoft.com/office/drawing/2010/main" w="9525">
+                <a14:hiddenLine xmlns:a14="http://schemas.microsoft.com/office/drawing/2010/main" xmlns="" w="9525">
                   <a:solidFill>
                     <a:srgbClr val="000000"/>
                   </a:solidFill>
@@ -3514,7 +3514,7 @@
             </a:ln>
             <a:extLst>
               <a:ext uri="{91240B29-F687-4f45-9708-019B960494DF}">
-                <a14:hiddenLine xmlns="" xmlns:a14="http://schemas.microsoft.com/office/drawing/2010/main" w="9525">
+                <a14:hiddenLine xmlns:a14="http://schemas.microsoft.com/office/drawing/2010/main" xmlns="" w="9525">
                   <a:solidFill>
                     <a:srgbClr val="000000"/>
                   </a:solidFill>
@@ -3604,7 +3604,7 @@
             </a:ln>
             <a:extLst>
               <a:ext uri="{91240B29-F687-4f45-9708-019B960494DF}">
-                <a14:hiddenLine xmlns="" xmlns:a14="http://schemas.microsoft.com/office/drawing/2010/main" w="9525">
+                <a14:hiddenLine xmlns:a14="http://schemas.microsoft.com/office/drawing/2010/main" xmlns="" w="9525">
                   <a:solidFill>
                     <a:srgbClr val="000000"/>
                   </a:solidFill>
@@ -3669,7 +3669,7 @@
             </a:ln>
             <a:extLst>
               <a:ext uri="{91240B29-F687-4f45-9708-019B960494DF}">
-                <a14:hiddenLine xmlns="" xmlns:a14="http://schemas.microsoft.com/office/drawing/2010/main" w="9525">
+                <a14:hiddenLine xmlns:a14="http://schemas.microsoft.com/office/drawing/2010/main" xmlns="" w="9525">
                   <a:solidFill>
                     <a:srgbClr val="000000"/>
                   </a:solidFill>
@@ -3731,7 +3731,7 @@
             </a:ln>
             <a:extLst>
               <a:ext uri="{91240B29-F687-4f45-9708-019B960494DF}">
-                <a14:hiddenLine xmlns="" xmlns:a14="http://schemas.microsoft.com/office/drawing/2010/main" w="9525">
+                <a14:hiddenLine xmlns:a14="http://schemas.microsoft.com/office/drawing/2010/main" xmlns="" w="9525">
                   <a:solidFill>
                     <a:srgbClr val="000000"/>
                   </a:solidFill>
@@ -3821,7 +3821,7 @@
             </a:ln>
             <a:extLst>
               <a:ext uri="{91240B29-F687-4f45-9708-019B960494DF}">
-                <a14:hiddenLine xmlns="" xmlns:a14="http://schemas.microsoft.com/office/drawing/2010/main" w="9525">
+                <a14:hiddenLine xmlns:a14="http://schemas.microsoft.com/office/drawing/2010/main" xmlns="" w="9525">
                   <a:solidFill>
                     <a:srgbClr val="000000"/>
                   </a:solidFill>
@@ -3911,7 +3911,7 @@
             </a:ln>
             <a:extLst>
               <a:ext uri="{91240B29-F687-4f45-9708-019B960494DF}">
-                <a14:hiddenLine xmlns="" xmlns:a14="http://schemas.microsoft.com/office/drawing/2010/main" w="9525">
+                <a14:hiddenLine xmlns:a14="http://schemas.microsoft.com/office/drawing/2010/main" xmlns="" w="9525">
                   <a:solidFill>
                     <a:srgbClr val="000000"/>
                   </a:solidFill>
@@ -3973,7 +3973,7 @@
             </a:ln>
             <a:extLst>
               <a:ext uri="{91240B29-F687-4f45-9708-019B960494DF}">
-                <a14:hiddenLine xmlns="" xmlns:a14="http://schemas.microsoft.com/office/drawing/2010/main" w="9525">
+                <a14:hiddenLine xmlns:a14="http://schemas.microsoft.com/office/drawing/2010/main" xmlns="" w="9525">
                   <a:solidFill>
                     <a:srgbClr val="000000"/>
                   </a:solidFill>
@@ -4093,7 +4093,7 @@
             </a:ln>
             <a:extLst>
               <a:ext uri="{91240B29-F687-4f45-9708-019B960494DF}">
-                <a14:hiddenLine xmlns="" xmlns:a14="http://schemas.microsoft.com/office/drawing/2010/main" w="9525">
+                <a14:hiddenLine xmlns:a14="http://schemas.microsoft.com/office/drawing/2010/main" xmlns="" w="9525">
                   <a:solidFill>
                     <a:srgbClr val="000000"/>
                   </a:solidFill>
@@ -4161,7 +4161,7 @@
             </a:ln>
             <a:extLst>
               <a:ext uri="{91240B29-F687-4f45-9708-019B960494DF}">
-                <a14:hiddenLine xmlns="" xmlns:a14="http://schemas.microsoft.com/office/drawing/2010/main" w="9525">
+                <a14:hiddenLine xmlns:a14="http://schemas.microsoft.com/office/drawing/2010/main" xmlns="" w="9525">
                   <a:solidFill>
                     <a:srgbClr val="000000"/>
                   </a:solidFill>
@@ -4251,7 +4251,7 @@
             </a:ln>
             <a:extLst>
               <a:ext uri="{91240B29-F687-4f45-9708-019B960494DF}">
-                <a14:hiddenLine xmlns="" xmlns:a14="http://schemas.microsoft.com/office/drawing/2010/main" w="9525">
+                <a14:hiddenLine xmlns:a14="http://schemas.microsoft.com/office/drawing/2010/main" xmlns="" w="9525">
                   <a:solidFill>
                     <a:srgbClr val="000000"/>
                   </a:solidFill>
@@ -4291,7 +4291,7 @@
           </a:lstStyle>
           <a:p>
             <a:r>
-              <a:rPr lang="it-IT" smtClean="0"/>
+              <a:rPr lang="it-IT"/>
               <a:t>Fare clic per modificare lo stile del titolo</a:t>
             </a:r>
             <a:endParaRPr lang="en-US" dirty="0"/>
@@ -4362,7 +4362,7 @@
           </a:lstStyle>
           <a:p>
             <a:r>
-              <a:rPr lang="it-IT" smtClean="0"/>
+              <a:rPr lang="it-IT"/>
               <a:t>Fare clic per modificare lo stile del sottotitolo dello schema</a:t>
             </a:r>
             <a:endParaRPr lang="en-US" dirty="0"/>
@@ -4391,7 +4391,7 @@
           <a:p>
             <a:fld id="{29265ADC-8DD7-4F59-97B3-201709453D54}" type="datetimeFigureOut">
               <a:rPr lang="en-GB" smtClean="0"/>
-              <a:t>12/12/2018</a:t>
+              <a:t>07/02/2019</a:t>
             </a:fld>
             <a:endParaRPr lang="en-GB"/>
           </a:p>
@@ -4506,7 +4506,7 @@
           </a:lstStyle>
           <a:p>
             <a:r>
-              <a:rPr lang="it-IT" smtClean="0"/>
+              <a:rPr lang="it-IT"/>
               <a:t>Fare clic per modificare lo stile del titolo</a:t>
             </a:r>
             <a:endParaRPr lang="en-US" dirty="0"/>
@@ -4567,7 +4567,7 @@
               <a:buNone/>
             </a:pPr>
             <a:r>
-              <a:rPr lang="it-IT" smtClean="0"/>
+              <a:rPr lang="it-IT"/>
               <a:t>Fare clic sull'icona per inserire un'immagine</a:t>
             </a:r>
             <a:endParaRPr lang="en-US" dirty="0"/>
@@ -4635,7 +4635,7 @@
           <a:p>
             <a:pPr lvl="0"/>
             <a:r>
-              <a:rPr lang="it-IT" smtClean="0"/>
+              <a:rPr lang="it-IT"/>
               <a:t>Fare clic per modificare stili del testo dello schema</a:t>
             </a:r>
           </a:p>
@@ -4658,7 +4658,7 @@
           <a:p>
             <a:fld id="{29265ADC-8DD7-4F59-97B3-201709453D54}" type="datetimeFigureOut">
               <a:rPr lang="en-GB" smtClean="0"/>
-              <a:t>12/12/2018</a:t>
+              <a:t>07/02/2019</a:t>
             </a:fld>
             <a:endParaRPr lang="en-GB"/>
           </a:p>
@@ -4763,7 +4763,7 @@
           </a:lstStyle>
           <a:p>
             <a:r>
-              <a:rPr lang="it-IT" smtClean="0"/>
+              <a:rPr lang="it-IT"/>
               <a:t>Fare clic per modificare lo stile del titolo</a:t>
             </a:r>
             <a:endParaRPr lang="en-US" dirty="0"/>
@@ -4831,7 +4831,7 @@
           <a:p>
             <a:pPr lvl="0"/>
             <a:r>
-              <a:rPr lang="it-IT" smtClean="0"/>
+              <a:rPr lang="it-IT"/>
               <a:t>Fare clic per modificare stili del testo dello schema</a:t>
             </a:r>
           </a:p>
@@ -4854,7 +4854,7 @@
           <a:p>
             <a:fld id="{29265ADC-8DD7-4F59-97B3-201709453D54}" type="datetimeFigureOut">
               <a:rPr lang="en-GB" smtClean="0"/>
-              <a:t>12/12/2018</a:t>
+              <a:t>07/02/2019</a:t>
             </a:fld>
             <a:endParaRPr lang="en-GB"/>
           </a:p>
@@ -4959,7 +4959,7 @@
           </a:lstStyle>
           <a:p>
             <a:r>
-              <a:rPr lang="it-IT" smtClean="0"/>
+              <a:rPr lang="it-IT"/>
               <a:t>Fare clic per modificare lo stile del titolo</a:t>
             </a:r>
             <a:endParaRPr lang="en-US" dirty="0"/>
@@ -5027,7 +5027,7 @@
           <a:p>
             <a:pPr lvl="0"/>
             <a:r>
-              <a:rPr lang="it-IT" smtClean="0"/>
+              <a:rPr lang="it-IT"/>
               <a:t>Fare clic per modificare stili del testo dello schema</a:t>
             </a:r>
           </a:p>
@@ -5094,7 +5094,7 @@
           <a:p>
             <a:pPr lvl="0"/>
             <a:r>
-              <a:rPr lang="it-IT" smtClean="0"/>
+              <a:rPr lang="it-IT"/>
               <a:t>Fare clic per modificare stili del testo dello schema</a:t>
             </a:r>
           </a:p>
@@ -5117,7 +5117,7 @@
           <a:p>
             <a:fld id="{29265ADC-8DD7-4F59-97B3-201709453D54}" type="datetimeFigureOut">
               <a:rPr lang="en-GB" smtClean="0"/>
-              <a:t>12/12/2018</a:t>
+              <a:t>07/02/2019</a:t>
             </a:fld>
             <a:endParaRPr lang="en-GB"/>
           </a:p>
@@ -5460,7 +5460,7 @@
           </a:lstStyle>
           <a:p>
             <a:r>
-              <a:rPr lang="it-IT" smtClean="0"/>
+              <a:rPr lang="it-IT"/>
               <a:t>Fare clic per modificare lo stile del titolo</a:t>
             </a:r>
             <a:endParaRPr lang="en-US" dirty="0"/>
@@ -5528,7 +5528,7 @@
           <a:p>
             <a:pPr lvl="0"/>
             <a:r>
-              <a:rPr lang="it-IT" smtClean="0"/>
+              <a:rPr lang="it-IT"/>
               <a:t>Fare clic per modificare stili del testo dello schema</a:t>
             </a:r>
           </a:p>
@@ -5551,7 +5551,7 @@
           <a:p>
             <a:fld id="{29265ADC-8DD7-4F59-97B3-201709453D54}" type="datetimeFigureOut">
               <a:rPr lang="en-GB" smtClean="0"/>
-              <a:t>12/12/2018</a:t>
+              <a:t>07/02/2019</a:t>
             </a:fld>
             <a:endParaRPr lang="en-GB"/>
           </a:p>
@@ -5650,7 +5650,7 @@
           <a:lstStyle/>
           <a:p>
             <a:r>
-              <a:rPr lang="it-IT" smtClean="0"/>
+              <a:rPr lang="it-IT"/>
               <a:t>Fare clic per modificare lo stile del titolo</a:t>
             </a:r>
             <a:endParaRPr lang="en-US" dirty="0"/>
@@ -5725,7 +5725,7 @@
           <a:p>
             <a:pPr lvl="0"/>
             <a:r>
-              <a:rPr lang="it-IT" smtClean="0"/>
+              <a:rPr lang="it-IT"/>
               <a:t>Fare clic per modificare stili del testo dello schema</a:t>
             </a:r>
           </a:p>
@@ -5792,7 +5792,7 @@
           <a:p>
             <a:pPr lvl="0"/>
             <a:r>
-              <a:rPr lang="it-IT" smtClean="0"/>
+              <a:rPr lang="it-IT"/>
               <a:t>Fare clic per modificare stili del testo dello schema</a:t>
             </a:r>
           </a:p>
@@ -5866,7 +5866,7 @@
           <a:p>
             <a:pPr lvl="0"/>
             <a:r>
-              <a:rPr lang="it-IT" smtClean="0"/>
+              <a:rPr lang="it-IT"/>
               <a:t>Fare clic per modificare stili del testo dello schema</a:t>
             </a:r>
           </a:p>
@@ -5933,7 +5933,7 @@
           <a:p>
             <a:pPr lvl="0"/>
             <a:r>
-              <a:rPr lang="it-IT" smtClean="0"/>
+              <a:rPr lang="it-IT"/>
               <a:t>Fare clic per modificare stili del testo dello schema</a:t>
             </a:r>
           </a:p>
@@ -6007,7 +6007,7 @@
           <a:p>
             <a:pPr lvl="0"/>
             <a:r>
-              <a:rPr lang="it-IT" smtClean="0"/>
+              <a:rPr lang="it-IT"/>
               <a:t>Fare clic per modificare stili del testo dello schema</a:t>
             </a:r>
           </a:p>
@@ -6074,7 +6074,7 @@
           <a:p>
             <a:pPr lvl="0"/>
             <a:r>
-              <a:rPr lang="it-IT" smtClean="0"/>
+              <a:rPr lang="it-IT"/>
               <a:t>Fare clic per modificare stili del testo dello schema</a:t>
             </a:r>
           </a:p>
@@ -6097,7 +6097,7 @@
           <a:p>
             <a:fld id="{29265ADC-8DD7-4F59-97B3-201709453D54}" type="datetimeFigureOut">
               <a:rPr lang="en-GB" smtClean="0"/>
-              <a:t>12/12/2018</a:t>
+              <a:t>07/02/2019</a:t>
             </a:fld>
             <a:endParaRPr lang="en-GB"/>
           </a:p>
@@ -6196,7 +6196,7 @@
           <a:lstStyle/>
           <a:p>
             <a:r>
-              <a:rPr lang="it-IT" smtClean="0"/>
+              <a:rPr lang="it-IT"/>
               <a:t>Fare clic per modificare lo stile del titolo</a:t>
             </a:r>
             <a:endParaRPr lang="en-US" dirty="0"/>
@@ -6271,7 +6271,7 @@
           <a:p>
             <a:pPr lvl="0"/>
             <a:r>
-              <a:rPr lang="it-IT" smtClean="0"/>
+              <a:rPr lang="it-IT"/>
               <a:t>Fare clic per modificare stili del testo dello schema</a:t>
             </a:r>
           </a:p>
@@ -6328,7 +6328,7 @@
               <a:buNone/>
             </a:pPr>
             <a:r>
-              <a:rPr lang="it-IT" smtClean="0"/>
+              <a:rPr lang="it-IT"/>
               <a:t>Fare clic sull'icona per inserire un'immagine</a:t>
             </a:r>
             <a:endParaRPr lang="en-US" dirty="0"/>
@@ -6396,7 +6396,7 @@
           <a:p>
             <a:pPr lvl="0"/>
             <a:r>
-              <a:rPr lang="it-IT" smtClean="0"/>
+              <a:rPr lang="it-IT"/>
               <a:t>Fare clic per modificare stili del testo dello schema</a:t>
             </a:r>
           </a:p>
@@ -6470,7 +6470,7 @@
           <a:p>
             <a:pPr lvl="0"/>
             <a:r>
-              <a:rPr lang="it-IT" smtClean="0"/>
+              <a:rPr lang="it-IT"/>
               <a:t>Fare clic per modificare stili del testo dello schema</a:t>
             </a:r>
           </a:p>
@@ -6527,7 +6527,7 @@
               <a:buNone/>
             </a:pPr>
             <a:r>
-              <a:rPr lang="it-IT" smtClean="0"/>
+              <a:rPr lang="it-IT"/>
               <a:t>Fare clic sull'icona per inserire un'immagine</a:t>
             </a:r>
             <a:endParaRPr lang="en-US" dirty="0"/>
@@ -6595,7 +6595,7 @@
           <a:p>
             <a:pPr lvl="0"/>
             <a:r>
-              <a:rPr lang="it-IT" smtClean="0"/>
+              <a:rPr lang="it-IT"/>
               <a:t>Fare clic per modificare stili del testo dello schema</a:t>
             </a:r>
           </a:p>
@@ -6669,7 +6669,7 @@
           <a:p>
             <a:pPr lvl="0"/>
             <a:r>
-              <a:rPr lang="it-IT" smtClean="0"/>
+              <a:rPr lang="it-IT"/>
               <a:t>Fare clic per modificare stili del testo dello schema</a:t>
             </a:r>
           </a:p>
@@ -6726,7 +6726,7 @@
               <a:buNone/>
             </a:pPr>
             <a:r>
-              <a:rPr lang="it-IT" smtClean="0"/>
+              <a:rPr lang="it-IT"/>
               <a:t>Fare clic sull'icona per inserire un'immagine</a:t>
             </a:r>
             <a:endParaRPr lang="en-US" dirty="0"/>
@@ -6794,7 +6794,7 @@
           <a:p>
             <a:pPr lvl="0"/>
             <a:r>
-              <a:rPr lang="it-IT" smtClean="0"/>
+              <a:rPr lang="it-IT"/>
               <a:t>Fare clic per modificare stili del testo dello schema</a:t>
             </a:r>
           </a:p>
@@ -6817,7 +6817,7 @@
           <a:p>
             <a:fld id="{29265ADC-8DD7-4F59-97B3-201709453D54}" type="datetimeFigureOut">
               <a:rPr lang="en-GB" smtClean="0"/>
-              <a:t>12/12/2018</a:t>
+              <a:t>07/02/2019</a:t>
             </a:fld>
             <a:endParaRPr lang="en-GB"/>
           </a:p>
@@ -6911,7 +6911,7 @@
           <a:lstStyle/>
           <a:p>
             <a:r>
-              <a:rPr lang="it-IT" smtClean="0"/>
+              <a:rPr lang="it-IT"/>
               <a:t>Fare clic per modificare lo stile del titolo</a:t>
             </a:r>
             <a:endParaRPr lang="en-US" dirty="0"/>
@@ -6935,35 +6935,35 @@
           <a:p>
             <a:pPr lvl="0"/>
             <a:r>
-              <a:rPr lang="it-IT" smtClean="0"/>
+              <a:rPr lang="it-IT"/>
               <a:t>Fare clic per modificare stili del testo dello schema</a:t>
             </a:r>
           </a:p>
           <a:p>
             <a:pPr lvl="1"/>
             <a:r>
-              <a:rPr lang="it-IT" smtClean="0"/>
+              <a:rPr lang="it-IT"/>
               <a:t>Secondo livello</a:t>
             </a:r>
           </a:p>
           <a:p>
             <a:pPr lvl="2"/>
             <a:r>
-              <a:rPr lang="it-IT" smtClean="0"/>
+              <a:rPr lang="it-IT"/>
               <a:t>Terzo livello</a:t>
             </a:r>
           </a:p>
           <a:p>
             <a:pPr lvl="3"/>
             <a:r>
-              <a:rPr lang="it-IT" smtClean="0"/>
+              <a:rPr lang="it-IT"/>
               <a:t>Quarto livello</a:t>
             </a:r>
           </a:p>
           <a:p>
             <a:pPr lvl="4"/>
             <a:r>
-              <a:rPr lang="it-IT" smtClean="0"/>
+              <a:rPr lang="it-IT"/>
               <a:t>Quinto livello</a:t>
             </a:r>
             <a:endParaRPr lang="en-US" dirty="0"/>
@@ -6987,7 +6987,7 @@
           <a:p>
             <a:fld id="{29265ADC-8DD7-4F59-97B3-201709453D54}" type="datetimeFigureOut">
               <a:rPr lang="en-GB" smtClean="0"/>
-              <a:t>12/12/2018</a:t>
+              <a:t>07/02/2019</a:t>
             </a:fld>
             <a:endParaRPr lang="en-GB"/>
           </a:p>
@@ -7086,7 +7086,7 @@
           <a:lstStyle/>
           <a:p>
             <a:r>
-              <a:rPr lang="it-IT" smtClean="0"/>
+              <a:rPr lang="it-IT"/>
               <a:t>Fare clic per modificare lo stile del titolo</a:t>
             </a:r>
             <a:endParaRPr lang="en-US" dirty="0"/>
@@ -7115,35 +7115,35 @@
           <a:p>
             <a:pPr lvl="0"/>
             <a:r>
-              <a:rPr lang="it-IT" smtClean="0"/>
+              <a:rPr lang="it-IT"/>
               <a:t>Fare clic per modificare stili del testo dello schema</a:t>
             </a:r>
           </a:p>
           <a:p>
             <a:pPr lvl="1"/>
             <a:r>
-              <a:rPr lang="it-IT" smtClean="0"/>
+              <a:rPr lang="it-IT"/>
               <a:t>Secondo livello</a:t>
             </a:r>
           </a:p>
           <a:p>
             <a:pPr lvl="2"/>
             <a:r>
-              <a:rPr lang="it-IT" smtClean="0"/>
+              <a:rPr lang="it-IT"/>
               <a:t>Terzo livello</a:t>
             </a:r>
           </a:p>
           <a:p>
             <a:pPr lvl="3"/>
             <a:r>
-              <a:rPr lang="it-IT" smtClean="0"/>
+              <a:rPr lang="it-IT"/>
               <a:t>Quarto livello</a:t>
             </a:r>
           </a:p>
           <a:p>
             <a:pPr lvl="4"/>
             <a:r>
-              <a:rPr lang="it-IT" smtClean="0"/>
+              <a:rPr lang="it-IT"/>
               <a:t>Quinto livello</a:t>
             </a:r>
             <a:endParaRPr lang="en-US" dirty="0"/>
@@ -7167,7 +7167,7 @@
           <a:p>
             <a:fld id="{29265ADC-8DD7-4F59-97B3-201709453D54}" type="datetimeFigureOut">
               <a:rPr lang="en-GB" smtClean="0"/>
-              <a:t>12/12/2018</a:t>
+              <a:t>07/02/2019</a:t>
             </a:fld>
             <a:endParaRPr lang="en-GB"/>
           </a:p>
@@ -7261,7 +7261,7 @@
           <a:lstStyle/>
           <a:p>
             <a:r>
-              <a:rPr lang="it-IT" smtClean="0"/>
+              <a:rPr lang="it-IT"/>
               <a:t>Fare clic per modificare lo stile del titolo</a:t>
             </a:r>
             <a:endParaRPr lang="en-US" dirty="0"/>
@@ -7285,35 +7285,35 @@
           <a:p>
             <a:pPr lvl="0"/>
             <a:r>
-              <a:rPr lang="it-IT" smtClean="0"/>
+              <a:rPr lang="it-IT"/>
               <a:t>Fare clic per modificare stili del testo dello schema</a:t>
             </a:r>
           </a:p>
           <a:p>
             <a:pPr lvl="1"/>
             <a:r>
-              <a:rPr lang="it-IT" smtClean="0"/>
+              <a:rPr lang="it-IT"/>
               <a:t>Secondo livello</a:t>
             </a:r>
           </a:p>
           <a:p>
             <a:pPr lvl="2"/>
             <a:r>
-              <a:rPr lang="it-IT" smtClean="0"/>
+              <a:rPr lang="it-IT"/>
               <a:t>Terzo livello</a:t>
             </a:r>
           </a:p>
           <a:p>
             <a:pPr lvl="3"/>
             <a:r>
-              <a:rPr lang="it-IT" smtClean="0"/>
+              <a:rPr lang="it-IT"/>
               <a:t>Quarto livello</a:t>
             </a:r>
           </a:p>
           <a:p>
             <a:pPr lvl="4"/>
             <a:r>
-              <a:rPr lang="it-IT" smtClean="0"/>
+              <a:rPr lang="it-IT"/>
               <a:t>Quinto livello</a:t>
             </a:r>
             <a:endParaRPr lang="en-US" dirty="0"/>
@@ -7337,7 +7337,7 @@
           <a:p>
             <a:fld id="{29265ADC-8DD7-4F59-97B3-201709453D54}" type="datetimeFigureOut">
               <a:rPr lang="en-GB" smtClean="0"/>
-              <a:t>12/12/2018</a:t>
+              <a:t>07/02/2019</a:t>
             </a:fld>
             <a:endParaRPr lang="en-GB"/>
           </a:p>
@@ -7442,7 +7442,7 @@
           </a:lstStyle>
           <a:p>
             <a:r>
-              <a:rPr lang="it-IT" smtClean="0"/>
+              <a:rPr lang="it-IT"/>
               <a:t>Fare clic per modificare lo stile del titolo</a:t>
             </a:r>
             <a:endParaRPr lang="en-US" dirty="0"/>
@@ -7564,7 +7564,7 @@
           <a:p>
             <a:pPr lvl="0"/>
             <a:r>
-              <a:rPr lang="it-IT" smtClean="0"/>
+              <a:rPr lang="it-IT"/>
               <a:t>Fare clic per modificare stili del testo dello schema</a:t>
             </a:r>
           </a:p>
@@ -7587,7 +7587,7 @@
           <a:p>
             <a:fld id="{29265ADC-8DD7-4F59-97B3-201709453D54}" type="datetimeFigureOut">
               <a:rPr lang="en-GB" smtClean="0"/>
-              <a:t>12/12/2018</a:t>
+              <a:t>07/02/2019</a:t>
             </a:fld>
             <a:endParaRPr lang="en-GB"/>
           </a:p>
@@ -7681,7 +7681,7 @@
           <a:lstStyle/>
           <a:p>
             <a:r>
-              <a:rPr lang="it-IT" smtClean="0"/>
+              <a:rPr lang="it-IT"/>
               <a:t>Fare clic per modificare lo stile del titolo</a:t>
             </a:r>
             <a:endParaRPr lang="en-US" dirty="0"/>
@@ -7710,35 +7710,35 @@
           <a:p>
             <a:pPr lvl="0"/>
             <a:r>
-              <a:rPr lang="it-IT" smtClean="0"/>
+              <a:rPr lang="it-IT"/>
               <a:t>Fare clic per modificare stili del testo dello schema</a:t>
             </a:r>
           </a:p>
           <a:p>
             <a:pPr lvl="1"/>
             <a:r>
-              <a:rPr lang="it-IT" smtClean="0"/>
+              <a:rPr lang="it-IT"/>
               <a:t>Secondo livello</a:t>
             </a:r>
           </a:p>
           <a:p>
             <a:pPr lvl="2"/>
             <a:r>
-              <a:rPr lang="it-IT" smtClean="0"/>
+              <a:rPr lang="it-IT"/>
               <a:t>Terzo livello</a:t>
             </a:r>
           </a:p>
           <a:p>
             <a:pPr lvl="3"/>
             <a:r>
-              <a:rPr lang="it-IT" smtClean="0"/>
+              <a:rPr lang="it-IT"/>
               <a:t>Quarto livello</a:t>
             </a:r>
           </a:p>
           <a:p>
             <a:pPr lvl="4"/>
             <a:r>
-              <a:rPr lang="it-IT" smtClean="0"/>
+              <a:rPr lang="it-IT"/>
               <a:t>Quinto livello</a:t>
             </a:r>
             <a:endParaRPr lang="en-US" dirty="0"/>
@@ -7767,35 +7767,35 @@
           <a:p>
             <a:pPr lvl="0"/>
             <a:r>
-              <a:rPr lang="it-IT" smtClean="0"/>
+              <a:rPr lang="it-IT"/>
               <a:t>Fare clic per modificare stili del testo dello schema</a:t>
             </a:r>
           </a:p>
           <a:p>
             <a:pPr lvl="1"/>
             <a:r>
-              <a:rPr lang="it-IT" smtClean="0"/>
+              <a:rPr lang="it-IT"/>
               <a:t>Secondo livello</a:t>
             </a:r>
           </a:p>
           <a:p>
             <a:pPr lvl="2"/>
             <a:r>
-              <a:rPr lang="it-IT" smtClean="0"/>
+              <a:rPr lang="it-IT"/>
               <a:t>Terzo livello</a:t>
             </a:r>
           </a:p>
           <a:p>
             <a:pPr lvl="3"/>
             <a:r>
-              <a:rPr lang="it-IT" smtClean="0"/>
+              <a:rPr lang="it-IT"/>
               <a:t>Quarto livello</a:t>
             </a:r>
           </a:p>
           <a:p>
             <a:pPr lvl="4"/>
             <a:r>
-              <a:rPr lang="it-IT" smtClean="0"/>
+              <a:rPr lang="it-IT"/>
               <a:t>Quinto livello</a:t>
             </a:r>
             <a:endParaRPr lang="en-US" dirty="0"/>
@@ -7819,7 +7819,7 @@
           <a:p>
             <a:fld id="{29265ADC-8DD7-4F59-97B3-201709453D54}" type="datetimeFigureOut">
               <a:rPr lang="en-GB" smtClean="0"/>
-              <a:t>12/12/2018</a:t>
+              <a:t>07/02/2019</a:t>
             </a:fld>
             <a:endParaRPr lang="en-GB"/>
           </a:p>
@@ -7918,7 +7918,7 @@
           <a:lstStyle/>
           <a:p>
             <a:r>
-              <a:rPr lang="it-IT" smtClean="0"/>
+              <a:rPr lang="it-IT"/>
               <a:t>Fare clic per modificare lo stile del titolo</a:t>
             </a:r>
             <a:endParaRPr lang="en-US" dirty="0"/>
@@ -7991,7 +7991,7 @@
           <a:p>
             <a:pPr lvl="0"/>
             <a:r>
-              <a:rPr lang="it-IT" smtClean="0"/>
+              <a:rPr lang="it-IT"/>
               <a:t>Fare clic per modificare stili del testo dello schema</a:t>
             </a:r>
           </a:p>
@@ -8019,35 +8019,35 @@
           <a:p>
             <a:pPr lvl="0"/>
             <a:r>
-              <a:rPr lang="it-IT" smtClean="0"/>
+              <a:rPr lang="it-IT"/>
               <a:t>Fare clic per modificare stili del testo dello schema</a:t>
             </a:r>
           </a:p>
           <a:p>
             <a:pPr lvl="1"/>
             <a:r>
-              <a:rPr lang="it-IT" smtClean="0"/>
+              <a:rPr lang="it-IT"/>
               <a:t>Secondo livello</a:t>
             </a:r>
           </a:p>
           <a:p>
             <a:pPr lvl="2"/>
             <a:r>
-              <a:rPr lang="it-IT" smtClean="0"/>
+              <a:rPr lang="it-IT"/>
               <a:t>Terzo livello</a:t>
             </a:r>
           </a:p>
           <a:p>
             <a:pPr lvl="3"/>
             <a:r>
-              <a:rPr lang="it-IT" smtClean="0"/>
+              <a:rPr lang="it-IT"/>
               <a:t>Quarto livello</a:t>
             </a:r>
           </a:p>
           <a:p>
             <a:pPr lvl="4"/>
             <a:r>
-              <a:rPr lang="it-IT" smtClean="0"/>
+              <a:rPr lang="it-IT"/>
               <a:t>Quinto livello</a:t>
             </a:r>
             <a:endParaRPr lang="en-US" dirty="0"/>
@@ -8120,7 +8120,7 @@
           <a:p>
             <a:pPr lvl="0"/>
             <a:r>
-              <a:rPr lang="it-IT" smtClean="0"/>
+              <a:rPr lang="it-IT"/>
               <a:t>Fare clic per modificare stili del testo dello schema</a:t>
             </a:r>
           </a:p>
@@ -8148,35 +8148,35 @@
           <a:p>
             <a:pPr lvl="0"/>
             <a:r>
-              <a:rPr lang="it-IT" smtClean="0"/>
+              <a:rPr lang="it-IT"/>
               <a:t>Fare clic per modificare stili del testo dello schema</a:t>
             </a:r>
           </a:p>
           <a:p>
             <a:pPr lvl="1"/>
             <a:r>
-              <a:rPr lang="it-IT" smtClean="0"/>
+              <a:rPr lang="it-IT"/>
               <a:t>Secondo livello</a:t>
             </a:r>
           </a:p>
           <a:p>
             <a:pPr lvl="2"/>
             <a:r>
-              <a:rPr lang="it-IT" smtClean="0"/>
+              <a:rPr lang="it-IT"/>
               <a:t>Terzo livello</a:t>
             </a:r>
           </a:p>
           <a:p>
             <a:pPr lvl="3"/>
             <a:r>
-              <a:rPr lang="it-IT" smtClean="0"/>
+              <a:rPr lang="it-IT"/>
               <a:t>Quarto livello</a:t>
             </a:r>
           </a:p>
           <a:p>
             <a:pPr lvl="4"/>
             <a:r>
-              <a:rPr lang="it-IT" smtClean="0"/>
+              <a:rPr lang="it-IT"/>
               <a:t>Quinto livello</a:t>
             </a:r>
             <a:endParaRPr lang="en-US" dirty="0"/>
@@ -8200,7 +8200,7 @@
           <a:p>
             <a:fld id="{29265ADC-8DD7-4F59-97B3-201709453D54}" type="datetimeFigureOut">
               <a:rPr lang="en-GB" smtClean="0"/>
-              <a:t>12/12/2018</a:t>
+              <a:t>07/02/2019</a:t>
             </a:fld>
             <a:endParaRPr lang="en-GB"/>
           </a:p>
@@ -8294,7 +8294,7 @@
           <a:lstStyle/>
           <a:p>
             <a:r>
-              <a:rPr lang="it-IT" smtClean="0"/>
+              <a:rPr lang="it-IT"/>
               <a:t>Fare clic per modificare lo stile del titolo</a:t>
             </a:r>
             <a:endParaRPr lang="en-US" dirty="0"/>
@@ -8318,7 +8318,7 @@
           <a:p>
             <a:fld id="{29265ADC-8DD7-4F59-97B3-201709453D54}" type="datetimeFigureOut">
               <a:rPr lang="en-GB" smtClean="0"/>
-              <a:t>12/12/2018</a:t>
+              <a:t>07/02/2019</a:t>
             </a:fld>
             <a:endParaRPr lang="en-GB"/>
           </a:p>
@@ -8413,7 +8413,7 @@
           <a:p>
             <a:fld id="{29265ADC-8DD7-4F59-97B3-201709453D54}" type="datetimeFigureOut">
               <a:rPr lang="en-GB" smtClean="0"/>
-              <a:t>12/12/2018</a:t>
+              <a:t>07/02/2019</a:t>
             </a:fld>
             <a:endParaRPr lang="en-GB"/>
           </a:p>
@@ -8516,7 +8516,7 @@
           </a:lstStyle>
           <a:p>
             <a:r>
-              <a:rPr lang="it-IT" smtClean="0"/>
+              <a:rPr lang="it-IT"/>
               <a:t>Fare clic per modificare lo stile del titolo</a:t>
             </a:r>
             <a:endParaRPr lang="en-US" dirty="0"/>
@@ -8545,35 +8545,35 @@
           <a:p>
             <a:pPr lvl="0"/>
             <a:r>
-              <a:rPr lang="it-IT" smtClean="0"/>
+              <a:rPr lang="it-IT"/>
               <a:t>Fare clic per modificare stili del testo dello schema</a:t>
             </a:r>
           </a:p>
           <a:p>
             <a:pPr lvl="1"/>
             <a:r>
-              <a:rPr lang="it-IT" smtClean="0"/>
+              <a:rPr lang="it-IT"/>
               <a:t>Secondo livello</a:t>
             </a:r>
           </a:p>
           <a:p>
             <a:pPr lvl="2"/>
             <a:r>
-              <a:rPr lang="it-IT" smtClean="0"/>
+              <a:rPr lang="it-IT"/>
               <a:t>Terzo livello</a:t>
             </a:r>
           </a:p>
           <a:p>
             <a:pPr lvl="3"/>
             <a:r>
-              <a:rPr lang="it-IT" smtClean="0"/>
+              <a:rPr lang="it-IT"/>
               <a:t>Quarto livello</a:t>
             </a:r>
           </a:p>
           <a:p>
             <a:pPr lvl="4"/>
             <a:r>
-              <a:rPr lang="it-IT" smtClean="0"/>
+              <a:rPr lang="it-IT"/>
               <a:t>Quinto livello</a:t>
             </a:r>
             <a:endParaRPr lang="en-US" dirty="0"/>
@@ -8639,7 +8639,7 @@
           <a:p>
             <a:pPr lvl="0"/>
             <a:r>
-              <a:rPr lang="it-IT" smtClean="0"/>
+              <a:rPr lang="it-IT"/>
               <a:t>Fare clic per modificare stili del testo dello schema</a:t>
             </a:r>
           </a:p>
@@ -8662,7 +8662,7 @@
           <a:p>
             <a:fld id="{29265ADC-8DD7-4F59-97B3-201709453D54}" type="datetimeFigureOut">
               <a:rPr lang="en-GB" smtClean="0"/>
-              <a:t>12/12/2018</a:t>
+              <a:t>07/02/2019</a:t>
             </a:fld>
             <a:endParaRPr lang="en-GB"/>
           </a:p>
@@ -8765,7 +8765,7 @@
           </a:lstStyle>
           <a:p>
             <a:r>
-              <a:rPr lang="it-IT" smtClean="0"/>
+              <a:rPr lang="it-IT"/>
               <a:t>Fare clic per modificare lo stile del titolo</a:t>
             </a:r>
             <a:endParaRPr lang="en-US" dirty="0"/>
@@ -8853,7 +8853,7 @@
           </a:lstStyle>
           <a:p>
             <a:r>
-              <a:rPr lang="it-IT" smtClean="0"/>
+              <a:rPr lang="it-IT"/>
               <a:t>Fare clic sull'icona per inserire un'immagine</a:t>
             </a:r>
             <a:endParaRPr lang="en-US" dirty="0"/>
@@ -8919,7 +8919,7 @@
           <a:p>
             <a:pPr lvl="0"/>
             <a:r>
-              <a:rPr lang="it-IT" smtClean="0"/>
+              <a:rPr lang="it-IT"/>
               <a:t>Fare clic per modificare stili del testo dello schema</a:t>
             </a:r>
           </a:p>
@@ -8942,7 +8942,7 @@
           <a:p>
             <a:fld id="{29265ADC-8DD7-4F59-97B3-201709453D54}" type="datetimeFigureOut">
               <a:rPr lang="en-GB" smtClean="0"/>
-              <a:t>12/12/2018</a:t>
+              <a:t>07/02/2019</a:t>
             </a:fld>
             <a:endParaRPr lang="en-GB"/>
           </a:p>
@@ -9086,7 +9086,7 @@
           <a:noFill/>
           <a:extLst>
             <a:ext uri="{909E8E84-426E-40dd-AFC4-6F175D3DCCD1}">
-              <a14:hiddenFill xmlns="" xmlns:a14="http://schemas.microsoft.com/office/drawing/2010/main">
+              <a14:hiddenFill xmlns:a14="http://schemas.microsoft.com/office/drawing/2010/main" xmlns="">
                 <a:solidFill>
                   <a:srgbClr val="FFFFFF"/>
                 </a:solidFill>
@@ -9160,7 +9160,7 @@
               </a:ln>
               <a:extLst>
                 <a:ext uri="{91240B29-F687-4f45-9708-019B960494DF}">
-                  <a14:hiddenLine xmlns="" xmlns:a14="http://schemas.microsoft.com/office/drawing/2010/main" w="9525">
+                  <a14:hiddenLine xmlns:a14="http://schemas.microsoft.com/office/drawing/2010/main" xmlns="" w="9525">
                     <a:solidFill>
                       <a:srgbClr val="000000"/>
                     </a:solidFill>
@@ -9250,7 +9250,7 @@
               </a:ln>
               <a:extLst>
                 <a:ext uri="{91240B29-F687-4f45-9708-019B960494DF}">
-                  <a14:hiddenLine xmlns="" xmlns:a14="http://schemas.microsoft.com/office/drawing/2010/main" w="9525">
+                  <a14:hiddenLine xmlns:a14="http://schemas.microsoft.com/office/drawing/2010/main" xmlns="" w="9525">
                     <a:solidFill>
                       <a:srgbClr val="000000"/>
                     </a:solidFill>
@@ -9340,7 +9340,7 @@
               </a:ln>
               <a:extLst>
                 <a:ext uri="{91240B29-F687-4f45-9708-019B960494DF}">
-                  <a14:hiddenLine xmlns="" xmlns:a14="http://schemas.microsoft.com/office/drawing/2010/main" w="9525">
+                  <a14:hiddenLine xmlns:a14="http://schemas.microsoft.com/office/drawing/2010/main" xmlns="" w="9525">
                     <a:solidFill>
                       <a:srgbClr val="000000"/>
                     </a:solidFill>
@@ -9402,7 +9402,7 @@
               </a:ln>
               <a:extLst>
                 <a:ext uri="{91240B29-F687-4f45-9708-019B960494DF}">
-                  <a14:hiddenLine xmlns="" xmlns:a14="http://schemas.microsoft.com/office/drawing/2010/main" w="9525">
+                  <a14:hiddenLine xmlns:a14="http://schemas.microsoft.com/office/drawing/2010/main" xmlns="" w="9525">
                     <a:solidFill>
                       <a:srgbClr val="000000"/>
                     </a:solidFill>
@@ -9492,7 +9492,7 @@
               </a:ln>
               <a:extLst>
                 <a:ext uri="{91240B29-F687-4f45-9708-019B960494DF}">
-                  <a14:hiddenLine xmlns="" xmlns:a14="http://schemas.microsoft.com/office/drawing/2010/main" w="9525">
+                  <a14:hiddenLine xmlns:a14="http://schemas.microsoft.com/office/drawing/2010/main" xmlns="" w="9525">
                     <a:solidFill>
                       <a:srgbClr val="000000"/>
                     </a:solidFill>
@@ -9554,7 +9554,7 @@
               </a:ln>
               <a:extLst>
                 <a:ext uri="{91240B29-F687-4f45-9708-019B960494DF}">
-                  <a14:hiddenLine xmlns="" xmlns:a14="http://schemas.microsoft.com/office/drawing/2010/main" w="9525">
+                  <a14:hiddenLine xmlns:a14="http://schemas.microsoft.com/office/drawing/2010/main" xmlns="" w="9525">
                     <a:solidFill>
                       <a:srgbClr val="000000"/>
                     </a:solidFill>
@@ -9616,7 +9616,7 @@
               </a:ln>
               <a:extLst>
                 <a:ext uri="{91240B29-F687-4f45-9708-019B960494DF}">
-                  <a14:hiddenLine xmlns="" xmlns:a14="http://schemas.microsoft.com/office/drawing/2010/main" w="9525">
+                  <a14:hiddenLine xmlns:a14="http://schemas.microsoft.com/office/drawing/2010/main" xmlns="" w="9525">
                     <a:solidFill>
                       <a:srgbClr val="000000"/>
                     </a:solidFill>
@@ -9706,7 +9706,7 @@
               </a:ln>
               <a:extLst>
                 <a:ext uri="{91240B29-F687-4f45-9708-019B960494DF}">
-                  <a14:hiddenLine xmlns="" xmlns:a14="http://schemas.microsoft.com/office/drawing/2010/main" w="9525">
+                  <a14:hiddenLine xmlns:a14="http://schemas.microsoft.com/office/drawing/2010/main" xmlns="" w="9525">
                     <a:solidFill>
                       <a:srgbClr val="000000"/>
                     </a:solidFill>
@@ -9796,7 +9796,7 @@
               </a:ln>
               <a:extLst>
                 <a:ext uri="{91240B29-F687-4f45-9708-019B960494DF}">
-                  <a14:hiddenLine xmlns="" xmlns:a14="http://schemas.microsoft.com/office/drawing/2010/main" w="9525">
+                  <a14:hiddenLine xmlns:a14="http://schemas.microsoft.com/office/drawing/2010/main" xmlns="" w="9525">
                     <a:solidFill>
                       <a:srgbClr val="000000"/>
                     </a:solidFill>
@@ -9858,7 +9858,7 @@
               </a:ln>
               <a:extLst>
                 <a:ext uri="{91240B29-F687-4f45-9708-019B960494DF}">
-                  <a14:hiddenLine xmlns="" xmlns:a14="http://schemas.microsoft.com/office/drawing/2010/main" w="9525">
+                  <a14:hiddenLine xmlns:a14="http://schemas.microsoft.com/office/drawing/2010/main" xmlns="" w="9525">
                     <a:solidFill>
                       <a:srgbClr val="000000"/>
                     </a:solidFill>
@@ -9968,7 +9968,7 @@
               </a:ln>
               <a:extLst>
                 <a:ext uri="{91240B29-F687-4f45-9708-019B960494DF}">
-                  <a14:hiddenLine xmlns="" xmlns:a14="http://schemas.microsoft.com/office/drawing/2010/main" w="9525">
+                  <a14:hiddenLine xmlns:a14="http://schemas.microsoft.com/office/drawing/2010/main" xmlns="" w="9525">
                     <a:solidFill>
                       <a:srgbClr val="000000"/>
                     </a:solidFill>
@@ -10052,7 +10052,7 @@
               </a:ln>
               <a:extLst>
                 <a:ext uri="{91240B29-F687-4f45-9708-019B960494DF}">
-                  <a14:hiddenLine xmlns="" xmlns:a14="http://schemas.microsoft.com/office/drawing/2010/main" w="9525">
+                  <a14:hiddenLine xmlns:a14="http://schemas.microsoft.com/office/drawing/2010/main" xmlns="" w="9525">
                     <a:solidFill>
                       <a:srgbClr val="000000"/>
                     </a:solidFill>
@@ -10114,7 +10114,7 @@
               </a:ln>
               <a:extLst>
                 <a:ext uri="{91240B29-F687-4f45-9708-019B960494DF}">
-                  <a14:hiddenLine xmlns="" xmlns:a14="http://schemas.microsoft.com/office/drawing/2010/main" w="9525">
+                  <a14:hiddenLine xmlns:a14="http://schemas.microsoft.com/office/drawing/2010/main" xmlns="" w="9525">
                     <a:solidFill>
                       <a:srgbClr val="000000"/>
                     </a:solidFill>
@@ -10176,7 +10176,7 @@
               </a:ln>
               <a:extLst>
                 <a:ext uri="{91240B29-F687-4f45-9708-019B960494DF}">
-                  <a14:hiddenLine xmlns="" xmlns:a14="http://schemas.microsoft.com/office/drawing/2010/main" w="9525">
+                  <a14:hiddenLine xmlns:a14="http://schemas.microsoft.com/office/drawing/2010/main" xmlns="" w="9525">
                     <a:solidFill>
                       <a:srgbClr val="000000"/>
                     </a:solidFill>
@@ -10266,7 +10266,7 @@
               </a:ln>
               <a:extLst>
                 <a:ext uri="{91240B29-F687-4f45-9708-019B960494DF}">
-                  <a14:hiddenLine xmlns="" xmlns:a14="http://schemas.microsoft.com/office/drawing/2010/main" w="9525">
+                  <a14:hiddenLine xmlns:a14="http://schemas.microsoft.com/office/drawing/2010/main" xmlns="" w="9525">
                     <a:solidFill>
                       <a:srgbClr val="000000"/>
                     </a:solidFill>
@@ -10300,7 +10300,7 @@
               </a:ln>
               <a:extLst>
                 <a:ext uri="{91240B29-F687-4f45-9708-019B960494DF}">
-                  <a14:hiddenLine xmlns="" xmlns:a14="http://schemas.microsoft.com/office/drawing/2010/main" w="9525">
+                  <a14:hiddenLine xmlns:a14="http://schemas.microsoft.com/office/drawing/2010/main" xmlns="" w="9525">
                     <a:solidFill>
                       <a:srgbClr val="000000"/>
                     </a:solidFill>
@@ -10365,7 +10365,7 @@
               </a:ln>
               <a:extLst>
                 <a:ext uri="{91240B29-F687-4f45-9708-019B960494DF}">
-                  <a14:hiddenLine xmlns="" xmlns:a14="http://schemas.microsoft.com/office/drawing/2010/main" w="9525">
+                  <a14:hiddenLine xmlns:a14="http://schemas.microsoft.com/office/drawing/2010/main" xmlns="" w="9525">
                     <a:solidFill>
                       <a:srgbClr val="000000"/>
                     </a:solidFill>
@@ -10455,7 +10455,7 @@
               </a:ln>
               <a:extLst>
                 <a:ext uri="{91240B29-F687-4f45-9708-019B960494DF}">
-                  <a14:hiddenLine xmlns="" xmlns:a14="http://schemas.microsoft.com/office/drawing/2010/main" w="9525">
+                  <a14:hiddenLine xmlns:a14="http://schemas.microsoft.com/office/drawing/2010/main" xmlns="" w="9525">
                     <a:solidFill>
                       <a:srgbClr val="000000"/>
                     </a:solidFill>
@@ -10517,7 +10517,7 @@
               </a:ln>
               <a:extLst>
                 <a:ext uri="{91240B29-F687-4f45-9708-019B960494DF}">
-                  <a14:hiddenLine xmlns="" xmlns:a14="http://schemas.microsoft.com/office/drawing/2010/main" w="9525">
+                  <a14:hiddenLine xmlns:a14="http://schemas.microsoft.com/office/drawing/2010/main" xmlns="" w="9525">
                     <a:solidFill>
                       <a:srgbClr val="000000"/>
                     </a:solidFill>
@@ -10607,7 +10607,7 @@
               </a:ln>
               <a:extLst>
                 <a:ext uri="{91240B29-F687-4f45-9708-019B960494DF}">
-                  <a14:hiddenLine xmlns="" xmlns:a14="http://schemas.microsoft.com/office/drawing/2010/main" w="9525">
+                  <a14:hiddenLine xmlns:a14="http://schemas.microsoft.com/office/drawing/2010/main" xmlns="" w="9525">
                     <a:solidFill>
                       <a:srgbClr val="000000"/>
                     </a:solidFill>
@@ -10672,7 +10672,7 @@
               </a:ln>
               <a:extLst>
                 <a:ext uri="{91240B29-F687-4f45-9708-019B960494DF}">
-                  <a14:hiddenLine xmlns="" xmlns:a14="http://schemas.microsoft.com/office/drawing/2010/main" w="9525">
+                  <a14:hiddenLine xmlns:a14="http://schemas.microsoft.com/office/drawing/2010/main" xmlns="" w="9525">
                     <a:solidFill>
                       <a:srgbClr val="000000"/>
                     </a:solidFill>
@@ -10734,7 +10734,7 @@
               </a:ln>
               <a:extLst>
                 <a:ext uri="{91240B29-F687-4f45-9708-019B960494DF}">
-                  <a14:hiddenLine xmlns="" xmlns:a14="http://schemas.microsoft.com/office/drawing/2010/main" w="9525">
+                  <a14:hiddenLine xmlns:a14="http://schemas.microsoft.com/office/drawing/2010/main" xmlns="" w="9525">
                     <a:solidFill>
                       <a:srgbClr val="000000"/>
                     </a:solidFill>
@@ -10824,7 +10824,7 @@
               </a:ln>
               <a:extLst>
                 <a:ext uri="{91240B29-F687-4f45-9708-019B960494DF}">
-                  <a14:hiddenLine xmlns="" xmlns:a14="http://schemas.microsoft.com/office/drawing/2010/main" w="9525">
+                  <a14:hiddenLine xmlns:a14="http://schemas.microsoft.com/office/drawing/2010/main" xmlns="" w="9525">
                     <a:solidFill>
                       <a:srgbClr val="000000"/>
                     </a:solidFill>
@@ -10914,7 +10914,7 @@
               </a:ln>
               <a:extLst>
                 <a:ext uri="{91240B29-F687-4f45-9708-019B960494DF}">
-                  <a14:hiddenLine xmlns="" xmlns:a14="http://schemas.microsoft.com/office/drawing/2010/main" w="9525">
+                  <a14:hiddenLine xmlns:a14="http://schemas.microsoft.com/office/drawing/2010/main" xmlns="" w="9525">
                     <a:solidFill>
                       <a:srgbClr val="000000"/>
                     </a:solidFill>
@@ -10979,7 +10979,7 @@
               </a:ln>
               <a:extLst>
                 <a:ext uri="{91240B29-F687-4f45-9708-019B960494DF}">
-                  <a14:hiddenLine xmlns="" xmlns:a14="http://schemas.microsoft.com/office/drawing/2010/main" w="9525">
+                  <a14:hiddenLine xmlns:a14="http://schemas.microsoft.com/office/drawing/2010/main" xmlns="" w="9525">
                     <a:solidFill>
                       <a:srgbClr val="000000"/>
                     </a:solidFill>
@@ -11099,7 +11099,7 @@
               </a:ln>
               <a:extLst>
                 <a:ext uri="{91240B29-F687-4f45-9708-019B960494DF}">
-                  <a14:hiddenLine xmlns="" xmlns:a14="http://schemas.microsoft.com/office/drawing/2010/main" w="9525">
+                  <a14:hiddenLine xmlns:a14="http://schemas.microsoft.com/office/drawing/2010/main" xmlns="" w="9525">
                     <a:solidFill>
                       <a:srgbClr val="000000"/>
                     </a:solidFill>
@@ -11197,7 +11197,7 @@
               </a:ln>
               <a:extLst>
                 <a:ext uri="{91240B29-F687-4f45-9708-019B960494DF}">
-                  <a14:hiddenLine xmlns="" xmlns:a14="http://schemas.microsoft.com/office/drawing/2010/main" w="9525">
+                  <a14:hiddenLine xmlns:a14="http://schemas.microsoft.com/office/drawing/2010/main" xmlns="" w="9525">
                     <a:solidFill>
                       <a:srgbClr val="000000"/>
                     </a:solidFill>
@@ -11312,7 +11312,7 @@
               </a:ln>
               <a:extLst>
                 <a:ext uri="{91240B29-F687-4f45-9708-019B960494DF}">
-                  <a14:hiddenLine xmlns="" xmlns:a14="http://schemas.microsoft.com/office/drawing/2010/main" w="9525">
+                  <a14:hiddenLine xmlns:a14="http://schemas.microsoft.com/office/drawing/2010/main" xmlns="" w="9525">
                     <a:solidFill>
                       <a:srgbClr val="000000"/>
                     </a:solidFill>
@@ -11402,7 +11402,7 @@
               </a:ln>
               <a:extLst>
                 <a:ext uri="{91240B29-F687-4f45-9708-019B960494DF}">
-                  <a14:hiddenLine xmlns="" xmlns:a14="http://schemas.microsoft.com/office/drawing/2010/main" w="9525">
+                  <a14:hiddenLine xmlns:a14="http://schemas.microsoft.com/office/drawing/2010/main" xmlns="" w="9525">
                     <a:solidFill>
                       <a:srgbClr val="000000"/>
                     </a:solidFill>
@@ -11467,7 +11467,7 @@
               </a:ln>
               <a:extLst>
                 <a:ext uri="{91240B29-F687-4f45-9708-019B960494DF}">
-                  <a14:hiddenLine xmlns="" xmlns:a14="http://schemas.microsoft.com/office/drawing/2010/main" w="9525">
+                  <a14:hiddenLine xmlns:a14="http://schemas.microsoft.com/office/drawing/2010/main" xmlns="" w="9525">
                     <a:solidFill>
                       <a:srgbClr val="000000"/>
                     </a:solidFill>
@@ -11557,7 +11557,7 @@
               </a:ln>
               <a:extLst>
                 <a:ext uri="{91240B29-F687-4f45-9708-019B960494DF}">
-                  <a14:hiddenLine xmlns="" xmlns:a14="http://schemas.microsoft.com/office/drawing/2010/main" w="9525">
+                  <a14:hiddenLine xmlns:a14="http://schemas.microsoft.com/office/drawing/2010/main" xmlns="" w="9525">
                     <a:solidFill>
                       <a:srgbClr val="000000"/>
                     </a:solidFill>
@@ -11625,7 +11625,7 @@
               </a:ln>
               <a:extLst>
                 <a:ext uri="{91240B29-F687-4f45-9708-019B960494DF}">
-                  <a14:hiddenLine xmlns="" xmlns:a14="http://schemas.microsoft.com/office/drawing/2010/main" w="9525">
+                  <a14:hiddenLine xmlns:a14="http://schemas.microsoft.com/office/drawing/2010/main" xmlns="" w="9525">
                     <a:solidFill>
                       <a:srgbClr val="000000"/>
                     </a:solidFill>
@@ -11715,7 +11715,7 @@
               </a:ln>
               <a:extLst>
                 <a:ext uri="{91240B29-F687-4f45-9708-019B960494DF}">
-                  <a14:hiddenLine xmlns="" xmlns:a14="http://schemas.microsoft.com/office/drawing/2010/main" w="9525">
+                  <a14:hiddenLine xmlns:a14="http://schemas.microsoft.com/office/drawing/2010/main" xmlns="" w="9525">
                     <a:solidFill>
                       <a:srgbClr val="000000"/>
                     </a:solidFill>
@@ -11783,7 +11783,7 @@
               </a:ln>
               <a:extLst>
                 <a:ext uri="{91240B29-F687-4f45-9708-019B960494DF}">
-                  <a14:hiddenLine xmlns="" xmlns:a14="http://schemas.microsoft.com/office/drawing/2010/main" w="9525">
+                  <a14:hiddenLine xmlns:a14="http://schemas.microsoft.com/office/drawing/2010/main" xmlns="" w="9525">
                     <a:solidFill>
                       <a:srgbClr val="000000"/>
                     </a:solidFill>
@@ -11873,7 +11873,7 @@
               </a:ln>
               <a:extLst>
                 <a:ext uri="{91240B29-F687-4f45-9708-019B960494DF}">
-                  <a14:hiddenLine xmlns="" xmlns:a14="http://schemas.microsoft.com/office/drawing/2010/main" w="9525">
+                  <a14:hiddenLine xmlns:a14="http://schemas.microsoft.com/office/drawing/2010/main" xmlns="" w="9525">
                     <a:solidFill>
                       <a:srgbClr val="000000"/>
                     </a:solidFill>
@@ -11907,7 +11907,7 @@
               </a:ln>
               <a:extLst>
                 <a:ext uri="{91240B29-F687-4f45-9708-019B960494DF}">
-                  <a14:hiddenLine xmlns="" xmlns:a14="http://schemas.microsoft.com/office/drawing/2010/main" w="9525">
+                  <a14:hiddenLine xmlns:a14="http://schemas.microsoft.com/office/drawing/2010/main" xmlns="" w="9525">
                     <a:solidFill>
                       <a:srgbClr val="000000"/>
                     </a:solidFill>
@@ -11977,35 +11977,35 @@
           <a:p>
             <a:pPr lvl="0"/>
             <a:r>
-              <a:rPr lang="it-IT" smtClean="0"/>
+              <a:rPr lang="it-IT"/>
               <a:t>Fare clic per modificare stili del testo dello schema</a:t>
             </a:r>
           </a:p>
           <a:p>
             <a:pPr lvl="1"/>
             <a:r>
-              <a:rPr lang="it-IT" smtClean="0"/>
+              <a:rPr lang="it-IT"/>
               <a:t>Secondo livello</a:t>
             </a:r>
           </a:p>
           <a:p>
             <a:pPr lvl="2"/>
             <a:r>
-              <a:rPr lang="it-IT" smtClean="0"/>
+              <a:rPr lang="it-IT"/>
               <a:t>Terzo livello</a:t>
             </a:r>
           </a:p>
           <a:p>
             <a:pPr lvl="3"/>
             <a:r>
-              <a:rPr lang="it-IT" smtClean="0"/>
+              <a:rPr lang="it-IT"/>
               <a:t>Quarto livello</a:t>
             </a:r>
           </a:p>
           <a:p>
             <a:pPr lvl="4"/>
             <a:r>
-              <a:rPr lang="it-IT" smtClean="0"/>
+              <a:rPr lang="it-IT"/>
               <a:t>Quinto livello</a:t>
             </a:r>
             <a:endParaRPr lang="en-US" dirty="0"/>
@@ -12047,7 +12047,7 @@
           <a:p>
             <a:fld id="{29265ADC-8DD7-4F59-97B3-201709453D54}" type="datetimeFigureOut">
               <a:rPr lang="en-GB" smtClean="0"/>
-              <a:t>12/12/2018</a:t>
+              <a:t>07/02/2019</a:t>
             </a:fld>
             <a:endParaRPr lang="en-GB"/>
           </a:p>
@@ -12472,7 +12472,7 @@
           <p:cNvPr id="4" name="Rettangolo 3">
             <a:extLst>
               <a:ext uri="{FF2B5EF4-FFF2-40B4-BE49-F238E27FC236}">
-                <a16:creationId xmlns:a16="http://schemas.microsoft.com/office/drawing/2014/main" xmlns="" id="{3F895C43-B560-485B-8FFD-4BCC50B81416}"/>
+                <a16:creationId xmlns:a16="http://schemas.microsoft.com/office/drawing/2014/main" id="{3F895C43-B560-485B-8FFD-4BCC50B81416}"/>
               </a:ext>
             </a:extLst>
           </p:cNvPr>
@@ -12557,7 +12557,7 @@
           <a:p>
             <a:pPr algn="ctr"/>
             <a:r>
-              <a:rPr lang="it-IT" sz="7200" b="1" spc="50" dirty="0" smtClean="0">
+              <a:rPr lang="it-IT" sz="7200" b="1" spc="50" dirty="0">
                 <a:ln w="0"/>
                 <a:solidFill>
                   <a:schemeClr val="bg2"/>
@@ -12572,19 +12572,6 @@
               </a:rPr>
               <a:t>TamaDolphin</a:t>
             </a:r>
-            <a:endParaRPr lang="it-IT" sz="7200" b="1" spc="50" dirty="0">
-              <a:ln w="0"/>
-              <a:solidFill>
-                <a:schemeClr val="bg2"/>
-              </a:solidFill>
-              <a:effectLst>
-                <a:innerShdw blurRad="63500" dist="50800" dir="13500000">
-                  <a:srgbClr val="000000">
-                    <a:alpha val="50000"/>
-                  </a:srgbClr>
-                </a:innerShdw>
-              </a:effectLst>
-            </a:endParaRPr>
           </a:p>
         </p:txBody>
       </p:sp>
@@ -12612,22 +12599,22 @@
           <a:p>
             <a:pPr algn="ctr"/>
             <a:r>
-              <a:rPr lang="it-IT" sz="2400" dirty="0" smtClean="0"/>
+              <a:rPr lang="it-IT" sz="2400" dirty="0"/>
               <a:t>Advance User Interface 2018-2019</a:t>
             </a:r>
           </a:p>
           <a:p>
             <a:pPr algn="ctr"/>
             <a:r>
-              <a:rPr lang="it-IT" sz="2400" dirty="0" smtClean="0"/>
+              <a:rPr lang="it-IT" sz="2400" dirty="0"/>
               <a:t>Group 13 – </a:t>
             </a:r>
             <a:r>
-              <a:rPr lang="it-IT" sz="2400" dirty="0" err="1" smtClean="0"/>
+              <a:rPr lang="it-IT" sz="2400" dirty="0" err="1"/>
               <a:t>Tangible</a:t>
             </a:r>
             <a:r>
-              <a:rPr lang="it-IT" sz="2400" dirty="0" smtClean="0"/>
+              <a:rPr lang="it-IT" sz="2400" dirty="0"/>
               <a:t> VR</a:t>
             </a:r>
           </a:p>
@@ -12674,22 +12661,10 @@
             <a:pPr algn="ctr"/>
             <a:r>
               <a:rPr lang="it-IT" sz="2400" dirty="0"/>
-              <a:t>Giulia </a:t>
+              <a:t>Giulia Meneghin  </a:t>
             </a:r>
             <a:r>
-              <a:rPr lang="it-IT" sz="2400" dirty="0" smtClean="0"/>
-              <a:t>Meneghin</a:t>
-            </a:r>
-            <a:r>
-              <a:rPr lang="it-IT" sz="2400" dirty="0"/>
-              <a:t> </a:t>
-            </a:r>
-            <a:r>
-              <a:rPr lang="it-IT" sz="2400" dirty="0" smtClean="0"/>
-              <a:t> </a:t>
-            </a:r>
-            <a:r>
-              <a:rPr lang="it-IT" sz="2400" dirty="0" smtClean="0">
+              <a:rPr lang="it-IT" sz="2400" dirty="0">
                 <a:solidFill>
                   <a:schemeClr val="bg2">
                     <a:lumMod val="50000"/>
@@ -12698,13 +12673,6 @@
               </a:rPr>
               <a:t>giulia.meneghin@mail.polimi.it</a:t>
             </a:r>
-            <a:endParaRPr lang="it-IT" sz="2400" dirty="0">
-              <a:solidFill>
-                <a:schemeClr val="bg2">
-                  <a:lumMod val="50000"/>
-                </a:schemeClr>
-              </a:solidFill>
-            </a:endParaRPr>
           </a:p>
         </p:txBody>
       </p:sp>
@@ -12718,13 +12686,6 @@
   <p:clrMapOvr>
     <a:masterClrMapping/>
   </p:clrMapOvr>
-  <p:timing>
-    <p:tnLst>
-      <p:par>
-        <p:cTn id="1" dur="indefinite" restart="never" nodeType="tmRoot"/>
-      </p:par>
-    </p:tnLst>
-  </p:timing>
 </p:sld>
 </file>
 
@@ -12750,7 +12711,7 @@
           <p:cNvPr id="4" name="CasellaDiTesto 3">
             <a:extLst>
               <a:ext uri="{FF2B5EF4-FFF2-40B4-BE49-F238E27FC236}">
-                <a16:creationId xmlns:a16="http://schemas.microsoft.com/office/drawing/2014/main" xmlns="" id="{B6BDFC45-2574-474F-AAF1-FB98DACF1376}"/>
+                <a16:creationId xmlns:a16="http://schemas.microsoft.com/office/drawing/2014/main" id="{B6BDFC45-2574-474F-AAF1-FB98DACF1376}"/>
               </a:ext>
             </a:extLst>
           </p:cNvPr>
@@ -12775,7 +12736,7 @@
           <a:p>
             <a:pPr algn="just"/>
             <a:r>
-              <a:rPr lang="it-IT" sz="2600" b="1" dirty="0" smtClean="0">
+              <a:rPr lang="it-IT" sz="2600" b="1" dirty="0">
                 <a:ln w="19050" cmpd="sng">
                   <a:solidFill>
                     <a:schemeClr val="bg2">
@@ -12793,7 +12754,7 @@
               <a:t>WHAT IS </a:t>
             </a:r>
             <a:r>
-              <a:rPr lang="en-US" sz="2600" b="1" dirty="0" smtClean="0">
+              <a:rPr lang="en-US" sz="2600" b="1" dirty="0">
                 <a:ln w="19050" cmpd="sng">
                   <a:solidFill>
                     <a:schemeClr val="bg2">
@@ -12811,7 +12772,7 @@
               <a:t>TAMADOLPHIN?</a:t>
             </a:r>
             <a:r>
-              <a:rPr lang="it-IT" sz="2600" b="1" dirty="0" smtClean="0">
+              <a:rPr lang="it-IT" sz="2600" b="1" dirty="0">
                 <a:ln w="19050" cmpd="sng">
                   <a:solidFill>
                     <a:schemeClr val="bg2">
@@ -12828,7 +12789,7 @@
               </a:rPr>
               <a:t>:</a:t>
             </a:r>
-            <a:endParaRPr lang="en-GB" sz="2600" b="1" dirty="0" smtClean="0">
+            <a:endParaRPr lang="en-GB" sz="2600" b="1" dirty="0">
               <a:ln w="19050" cmpd="sng">
                 <a:solidFill>
                   <a:schemeClr val="bg2">
@@ -12850,12 +12811,8 @@
               <a:buChar char="-"/>
             </a:pPr>
             <a:r>
-              <a:rPr lang="en-GB" sz="2200" dirty="0" smtClean="0"/>
-              <a:t>An </a:t>
-            </a:r>
-            <a:r>
               <a:rPr lang="en-GB" sz="2200" dirty="0"/>
-              <a:t>interactive game realized for NDD children that aims to stimulate the communication.</a:t>
+              <a:t>An interactive game realized for NDD children that aims to stimulate the communication.</a:t>
             </a:r>
           </a:p>
           <a:p>
@@ -12879,7 +12836,7 @@
           <p:cNvPr id="5" name="CasellaDiTesto 4">
             <a:extLst>
               <a:ext uri="{FF2B5EF4-FFF2-40B4-BE49-F238E27FC236}">
-                <a16:creationId xmlns:a16="http://schemas.microsoft.com/office/drawing/2014/main" xmlns="" id="{52C9AF1A-3C64-436F-8D16-98827DA58D33}"/>
+                <a16:creationId xmlns:a16="http://schemas.microsoft.com/office/drawing/2014/main" id="{52C9AF1A-3C64-436F-8D16-98827DA58D33}"/>
               </a:ext>
             </a:extLst>
           </p:cNvPr>
@@ -12904,7 +12861,7 @@
           <a:p>
             <a:pPr algn="just"/>
             <a:r>
-              <a:rPr lang="it-IT" sz="2600" b="1" dirty="0" smtClean="0">
+              <a:rPr lang="it-IT" sz="2600" b="1" dirty="0">
                 <a:ln w="19050" cmpd="sng">
                   <a:solidFill>
                     <a:schemeClr val="bg2">
@@ -12928,16 +12885,12 @@
               <a:buChar char="-"/>
             </a:pPr>
             <a:r>
-              <a:rPr lang="it-IT" sz="2200" dirty="0" err="1" smtClean="0"/>
+              <a:rPr lang="it-IT" sz="2200" dirty="0" err="1"/>
               <a:t>There</a:t>
             </a:r>
             <a:r>
-              <a:rPr lang="it-IT" sz="2200" dirty="0" smtClean="0"/>
-              <a:t> </a:t>
-            </a:r>
-            <a:r>
               <a:rPr lang="it-IT" sz="2200" dirty="0"/>
-              <a:t>is need to help the NDD </a:t>
+              <a:t> is need to help the NDD </a:t>
             </a:r>
             <a:r>
               <a:rPr lang="it-IT" sz="2200" dirty="0" err="1"/>
@@ -12967,11 +12920,7 @@
             </a:r>
             <a:r>
               <a:rPr lang="en-US" sz="2200" dirty="0"/>
-              <a:t>and our project helps these children to discuss and solve common </a:t>
-            </a:r>
-            <a:r>
-              <a:rPr lang="en-US" sz="2200" dirty="0" smtClean="0"/>
-              <a:t>problems.</a:t>
+              <a:t>and our project helps these children to discuss and solve common problems.</a:t>
             </a:r>
             <a:endParaRPr lang="it-IT" sz="2200" dirty="0"/>
           </a:p>
@@ -12982,7 +12931,7 @@
           <p:cNvPr id="7" name="CasellaDiTesto 6">
             <a:extLst>
               <a:ext uri="{FF2B5EF4-FFF2-40B4-BE49-F238E27FC236}">
-                <a16:creationId xmlns:a16="http://schemas.microsoft.com/office/drawing/2014/main" xmlns="" id="{417E9B98-4BA4-4A88-8562-08E6B31DCC63}"/>
+                <a16:creationId xmlns:a16="http://schemas.microsoft.com/office/drawing/2014/main" id="{417E9B98-4BA4-4A88-8562-08E6B31DCC63}"/>
               </a:ext>
             </a:extLst>
           </p:cNvPr>
@@ -13025,7 +12974,7 @@
               <a:t> </a:t>
             </a:r>
             <a:r>
-              <a:rPr lang="it-IT" sz="2600" b="1" dirty="0" smtClean="0">
+              <a:rPr lang="it-IT" sz="2600" b="1" dirty="0">
                 <a:ln w="19050" cmpd="sng">
                   <a:solidFill>
                     <a:schemeClr val="bg2">
@@ -13049,12 +12998,8 @@
               <a:buChar char="-"/>
             </a:pPr>
             <a:r>
-              <a:rPr lang="it-IT" sz="2200" dirty="0" smtClean="0"/>
-              <a:t>With </a:t>
-            </a:r>
-            <a:r>
               <a:rPr lang="it-IT" sz="2200" dirty="0"/>
-              <a:t>a </a:t>
+              <a:t>With a </a:t>
             </a:r>
             <a:r>
               <a:rPr lang="it-IT" sz="2200" dirty="0" err="1"/>
@@ -13098,18 +13043,10 @@
             </a:r>
             <a:r>
               <a:rPr lang="en-GB" sz="2200" dirty="0"/>
-              <a:t>together to achieve </a:t>
+              <a:t>together to achieve the same goal in two different ways</a:t>
             </a:r>
             <a:r>
-              <a:rPr lang="en-GB" sz="2200" dirty="0" smtClean="0"/>
-              <a:t>the same goal </a:t>
-            </a:r>
-            <a:r>
-              <a:rPr lang="en-GB" sz="2200" dirty="0"/>
-              <a:t>in two different ways</a:t>
-            </a:r>
-            <a:r>
-              <a:rPr lang="it-IT" sz="2200" dirty="0" smtClean="0"/>
+              <a:rPr lang="it-IT" sz="2200" dirty="0"/>
               <a:t>.</a:t>
             </a:r>
             <a:endParaRPr lang="en-GB" sz="2200" dirty="0"/>
@@ -13126,13 +13063,6 @@
   <p:clrMapOvr>
     <a:masterClrMapping/>
   </p:clrMapOvr>
-  <p:timing>
-    <p:tnLst>
-      <p:par>
-        <p:cTn id="1" dur="indefinite" restart="never" nodeType="tmRoot"/>
-      </p:par>
-    </p:tnLst>
-  </p:timing>
 </p:sld>
 </file>
 
@@ -13158,7 +13088,7 @@
           <p:cNvPr id="7" name="CasellaDiTesto 6">
             <a:extLst>
               <a:ext uri="{FF2B5EF4-FFF2-40B4-BE49-F238E27FC236}">
-                <a16:creationId xmlns:a16="http://schemas.microsoft.com/office/drawing/2014/main" xmlns="" id="{057E5E0F-A842-4AA0-9FE0-D85483C96D7F}"/>
+                <a16:creationId xmlns:a16="http://schemas.microsoft.com/office/drawing/2014/main" id="{057E5E0F-A842-4AA0-9FE0-D85483C96D7F}"/>
               </a:ext>
             </a:extLst>
           </p:cNvPr>
@@ -13183,7 +13113,7 @@
           <a:p>
             <a:pPr algn="ctr"/>
             <a:r>
-              <a:rPr lang="it-IT" sz="3000" b="1" dirty="0" smtClean="0">
+              <a:rPr lang="it-IT" sz="3000" b="1" dirty="0">
                 <a:ln w="19050" cmpd="sng">
                   <a:solidFill>
                     <a:schemeClr val="bg2">
@@ -13223,7 +13153,7 @@
           <p:cNvPr id="8" name="Rettangolo 7">
             <a:extLst>
               <a:ext uri="{FF2B5EF4-FFF2-40B4-BE49-F238E27FC236}">
-                <a16:creationId xmlns:a16="http://schemas.microsoft.com/office/drawing/2014/main" xmlns="" id="{F46A6C6C-271E-4E5B-AF7D-B1842D00FA8A}"/>
+                <a16:creationId xmlns:a16="http://schemas.microsoft.com/office/drawing/2014/main" id="{F46A6C6C-271E-4E5B-AF7D-B1842D00FA8A}"/>
               </a:ext>
             </a:extLst>
           </p:cNvPr>
@@ -13265,7 +13195,7 @@
           <p:cNvPr id="9" name="Rettangolo 8">
             <a:extLst>
               <a:ext uri="{FF2B5EF4-FFF2-40B4-BE49-F238E27FC236}">
-                <a16:creationId xmlns:a16="http://schemas.microsoft.com/office/drawing/2014/main" xmlns="" id="{F6CA8480-8619-4401-A4F5-5448D3738C9A}"/>
+                <a16:creationId xmlns:a16="http://schemas.microsoft.com/office/drawing/2014/main" id="{F6CA8480-8619-4401-A4F5-5448D3738C9A}"/>
               </a:ext>
             </a:extLst>
           </p:cNvPr>
@@ -13315,7 +13245,7 @@
           <p:cNvPr id="10" name="Rettangolo 9">
             <a:extLst>
               <a:ext uri="{FF2B5EF4-FFF2-40B4-BE49-F238E27FC236}">
-                <a16:creationId xmlns:a16="http://schemas.microsoft.com/office/drawing/2014/main" xmlns="" id="{B3D00CC8-C474-4558-A0FC-1D954F7252AC}"/>
+                <a16:creationId xmlns:a16="http://schemas.microsoft.com/office/drawing/2014/main" id="{B3D00CC8-C474-4558-A0FC-1D954F7252AC}"/>
               </a:ext>
             </a:extLst>
           </p:cNvPr>
@@ -13353,7 +13283,7 @@
           <p:cNvPr id="11" name="Rettangolo 10">
             <a:extLst>
               <a:ext uri="{FF2B5EF4-FFF2-40B4-BE49-F238E27FC236}">
-                <a16:creationId xmlns:a16="http://schemas.microsoft.com/office/drawing/2014/main" xmlns="" id="{3E3A6505-3475-45F0-B46B-A40D996CD933}"/>
+                <a16:creationId xmlns:a16="http://schemas.microsoft.com/office/drawing/2014/main" id="{3E3A6505-3475-45F0-B46B-A40D996CD933}"/>
               </a:ext>
             </a:extLst>
           </p:cNvPr>
@@ -13381,15 +13311,7 @@
             </a:pPr>
             <a:r>
               <a:rPr lang="en-US" dirty="0"/>
-              <a:t>The two children should </a:t>
-            </a:r>
-            <a:r>
-              <a:rPr lang="en-US" dirty="0" smtClean="0"/>
-              <a:t>collaborate together </a:t>
-            </a:r>
-            <a:r>
-              <a:rPr lang="en-US" dirty="0"/>
-              <a:t>to solve the dolphin's need.</a:t>
+              <a:t>The two children should collaborate together to solve the dolphin's need.</a:t>
             </a:r>
           </a:p>
         </p:txBody>
@@ -13524,13 +13446,6 @@
   <p:clrMapOvr>
     <a:masterClrMapping/>
   </p:clrMapOvr>
-  <p:timing>
-    <p:tnLst>
-      <p:par>
-        <p:cTn id="1" dur="indefinite" restart="never" nodeType="tmRoot"/>
-      </p:par>
-    </p:tnLst>
-  </p:timing>
 </p:sld>
 </file>
 
@@ -13556,7 +13471,7 @@
           <p:cNvPr id="2" name="CasellaDiTesto 1">
             <a:extLst>
               <a:ext uri="{FF2B5EF4-FFF2-40B4-BE49-F238E27FC236}">
-                <a16:creationId xmlns:a16="http://schemas.microsoft.com/office/drawing/2014/main" xmlns="" id="{057E5E0F-A842-4AA0-9FE0-D85483C96D7F}"/>
+                <a16:creationId xmlns:a16="http://schemas.microsoft.com/office/drawing/2014/main" id="{057E5E0F-A842-4AA0-9FE0-D85483C96D7F}"/>
               </a:ext>
             </a:extLst>
           </p:cNvPr>
@@ -13581,7 +13496,7 @@
           <a:p>
             <a:pPr algn="ctr"/>
             <a:r>
-              <a:rPr lang="it-IT" sz="3200" b="1" dirty="0" smtClean="0">
+              <a:rPr lang="it-IT" sz="3200" b="1" dirty="0">
                 <a:ln w="19050" cmpd="sng">
                   <a:solidFill>
                     <a:schemeClr val="bg2">
@@ -13621,7 +13536,7 @@
           <p:cNvPr id="13" name="Immagine 12">
             <a:extLst>
               <a:ext uri="{FF2B5EF4-FFF2-40B4-BE49-F238E27FC236}">
-                <a16:creationId xmlns="" xmlns:a16="http://schemas.microsoft.com/office/drawing/2014/main" xmlns:lc="http://schemas.openxmlformats.org/drawingml/2006/lockedCanvas" id="{F8662099-9924-4E80-A68C-3B60166CAD08}"/>
+                <a16:creationId xmlns:a16="http://schemas.microsoft.com/office/drawing/2014/main" id="{F8662099-9924-4E80-A68C-3B60166CAD08}"/>
               </a:ext>
             </a:extLst>
           </p:cNvPr>
@@ -13657,7 +13572,7 @@
           <p:cNvPr id="15" name="Immagine 14">
             <a:extLst>
               <a:ext uri="{FF2B5EF4-FFF2-40B4-BE49-F238E27FC236}">
-                <a16:creationId xmlns="" xmlns:a16="http://schemas.microsoft.com/office/drawing/2014/main" xmlns:lc="http://schemas.openxmlformats.org/drawingml/2006/lockedCanvas" id="{47C0C5A5-CAAE-41F3-B901-BDEF6A16D6F2}"/>
+                <a16:creationId xmlns:a16="http://schemas.microsoft.com/office/drawing/2014/main" id="{47C0C5A5-CAAE-41F3-B901-BDEF6A16D6F2}"/>
               </a:ext>
             </a:extLst>
           </p:cNvPr>
@@ -13692,7 +13607,7 @@
           <p:cNvPr id="16" name="Immagine 15">
             <a:extLst>
               <a:ext uri="{FF2B5EF4-FFF2-40B4-BE49-F238E27FC236}">
-                <a16:creationId xmlns="" xmlns:a16="http://schemas.microsoft.com/office/drawing/2014/main" xmlns:lc="http://schemas.openxmlformats.org/drawingml/2006/lockedCanvas" id="{E29E586C-802D-4428-A63E-8D6316D29297}"/>
+                <a16:creationId xmlns:a16="http://schemas.microsoft.com/office/drawing/2014/main" id="{E29E586C-802D-4428-A63E-8D6316D29297}"/>
               </a:ext>
             </a:extLst>
           </p:cNvPr>
@@ -13727,7 +13642,7 @@
           <p:cNvPr id="17" name="Tabella 16">
             <a:extLst>
               <a:ext uri="{FF2B5EF4-FFF2-40B4-BE49-F238E27FC236}">
-                <a16:creationId xmlns:a16="http://schemas.microsoft.com/office/drawing/2014/main" xmlns="" id="{40143A79-D808-455C-88E0-77FDE2A03193}"/>
+                <a16:creationId xmlns:a16="http://schemas.microsoft.com/office/drawing/2014/main" id="{40143A79-D808-455C-88E0-77FDE2A03193}"/>
               </a:ext>
             </a:extLst>
           </p:cNvPr>
@@ -13737,14 +13652,14 @@
           <p:nvPr>
             <p:extLst>
               <p:ext uri="{D42A27DB-BD31-4B8C-83A1-F6EECF244321}">
-                <p14:modId xmlns:p14="http://schemas.microsoft.com/office/powerpoint/2010/main" val="944315148"/>
+                <p14:modId xmlns:p14="http://schemas.microsoft.com/office/powerpoint/2010/main" val="2725241216"/>
               </p:ext>
             </p:extLst>
           </p:nvPr>
         </p:nvGraphicFramePr>
         <p:xfrm>
-          <a:off x="670726" y="2256858"/>
-          <a:ext cx="5178906" cy="2438710"/>
+          <a:off x="444617" y="2256858"/>
+          <a:ext cx="5405016" cy="2438710"/>
         </p:xfrm>
         <a:graphic>
           <a:graphicData uri="http://schemas.openxmlformats.org/drawingml/2006/table">
@@ -13753,24 +13668,24 @@
                 <a:tableStyleId>{7DF18680-E054-41AD-8BC1-D1AEF772440D}</a:tableStyleId>
               </a:tblPr>
               <a:tblGrid>
-                <a:gridCol w="1726302">
+                <a:gridCol w="1801672">
                   <a:extLst>
                     <a:ext uri="{9D8B030D-6E8A-4147-A177-3AD203B41FA5}">
-                      <a16:colId xmlns:a16="http://schemas.microsoft.com/office/drawing/2014/main" xmlns="" val="20000"/>
+                      <a16:colId xmlns:a16="http://schemas.microsoft.com/office/drawing/2014/main" val="20000"/>
                     </a:ext>
                   </a:extLst>
                 </a:gridCol>
-                <a:gridCol w="1726302">
+                <a:gridCol w="1801672">
                   <a:extLst>
                     <a:ext uri="{9D8B030D-6E8A-4147-A177-3AD203B41FA5}">
-                      <a16:colId xmlns:a16="http://schemas.microsoft.com/office/drawing/2014/main" xmlns="" val="20001"/>
+                      <a16:colId xmlns:a16="http://schemas.microsoft.com/office/drawing/2014/main" val="20001"/>
                     </a:ext>
                   </a:extLst>
                 </a:gridCol>
-                <a:gridCol w="1726302">
+                <a:gridCol w="1801672">
                   <a:extLst>
                     <a:ext uri="{9D8B030D-6E8A-4147-A177-3AD203B41FA5}">
-                      <a16:colId xmlns:a16="http://schemas.microsoft.com/office/drawing/2014/main" xmlns="" val="20002"/>
+                      <a16:colId xmlns:a16="http://schemas.microsoft.com/office/drawing/2014/main" val="20002"/>
                     </a:ext>
                   </a:extLst>
                 </a:gridCol>
@@ -13782,7 +13697,7 @@
                     <a:lstStyle/>
                     <a:p>
                       <a:r>
-                        <a:rPr lang="en-US" sz="1600" noProof="0" dirty="0" smtClean="0">
+                        <a:rPr lang="en-US" sz="1600" noProof="0" dirty="0">
                           <a:solidFill>
                             <a:schemeClr val="tx1"/>
                           </a:solidFill>
@@ -13790,20 +13705,12 @@
                         <a:t>VR</a:t>
                       </a:r>
                       <a:r>
-                        <a:rPr lang="en-US" sz="1600" baseline="0" noProof="0" dirty="0" smtClean="0">
+                        <a:rPr lang="en-US" sz="1600" baseline="0" noProof="0" dirty="0">
                           <a:solidFill>
                             <a:schemeClr val="tx1"/>
                           </a:solidFill>
                         </a:rPr>
-                        <a:t> </a:t>
-                      </a:r>
-                      <a:r>
-                        <a:rPr lang="en-US" sz="1600" baseline="0" noProof="0" dirty="0" err="1" smtClean="0">
-                          <a:solidFill>
-                            <a:schemeClr val="tx1"/>
-                          </a:solidFill>
-                        </a:rPr>
-                        <a:t>comunication</a:t>
+                        <a:t> communication</a:t>
                       </a:r>
                       <a:endParaRPr lang="en-US" sz="1600" noProof="0" dirty="0">
                         <a:solidFill>
@@ -13976,7 +13883,7 @@
                 </a:tc>
                 <a:extLst>
                   <a:ext uri="{0D108BD9-81ED-4DB2-BD59-A6C34878D82A}">
-                    <a16:rowId xmlns:a16="http://schemas.microsoft.com/office/drawing/2014/main" xmlns="" val="10000"/>
+                    <a16:rowId xmlns:a16="http://schemas.microsoft.com/office/drawing/2014/main" val="10000"/>
                   </a:ext>
                 </a:extLst>
               </a:tr>
@@ -14079,7 +13986,7 @@
                 </a:tc>
                 <a:extLst>
                   <a:ext uri="{0D108BD9-81ED-4DB2-BD59-A6C34878D82A}">
-                    <a16:rowId xmlns:a16="http://schemas.microsoft.com/office/drawing/2014/main" xmlns="" val="10001"/>
+                    <a16:rowId xmlns:a16="http://schemas.microsoft.com/office/drawing/2014/main" val="10001"/>
                   </a:ext>
                 </a:extLst>
               </a:tr>
@@ -14164,7 +14071,7 @@
                 </a:tc>
                 <a:extLst>
                   <a:ext uri="{0D108BD9-81ED-4DB2-BD59-A6C34878D82A}">
-                    <a16:rowId xmlns:a16="http://schemas.microsoft.com/office/drawing/2014/main" xmlns="" val="10002"/>
+                    <a16:rowId xmlns:a16="http://schemas.microsoft.com/office/drawing/2014/main" val="10002"/>
                   </a:ext>
                 </a:extLst>
               </a:tr>
@@ -14249,7 +14156,7 @@
                 </a:tc>
                 <a:extLst>
                   <a:ext uri="{0D108BD9-81ED-4DB2-BD59-A6C34878D82A}">
-                    <a16:rowId xmlns:a16="http://schemas.microsoft.com/office/drawing/2014/main" xmlns="" val="10003"/>
+                    <a16:rowId xmlns:a16="http://schemas.microsoft.com/office/drawing/2014/main" val="10003"/>
                   </a:ext>
                 </a:extLst>
               </a:tr>
@@ -14352,7 +14259,7 @@
                 </a:tc>
                 <a:extLst>
                   <a:ext uri="{0D108BD9-81ED-4DB2-BD59-A6C34878D82A}">
-                    <a16:rowId xmlns:a16="http://schemas.microsoft.com/office/drawing/2014/main" xmlns="" val="10004"/>
+                    <a16:rowId xmlns:a16="http://schemas.microsoft.com/office/drawing/2014/main" val="10004"/>
                   </a:ext>
                 </a:extLst>
               </a:tr>
@@ -14480,13 +14387,6 @@
   <p:clrMapOvr>
     <a:masterClrMapping/>
   </p:clrMapOvr>
-  <p:timing>
-    <p:tnLst>
-      <p:par>
-        <p:cTn id="1" dur="indefinite" restart="never" nodeType="tmRoot"/>
-      </p:par>
-    </p:tnLst>
-  </p:timing>
 </p:sld>
 </file>
 

--- a/13_TANGIBLEVR_2018_19_PITCH.pptx
+++ b/13_TANGIBLEVR_2018_19_PITCH.pptx
@@ -7,8 +7,15 @@
   <p:sldIdLst>
     <p:sldId id="258" r:id="rId2"/>
     <p:sldId id="256" r:id="rId3"/>
-    <p:sldId id="257" r:id="rId4"/>
-    <p:sldId id="259" r:id="rId5"/>
+    <p:sldId id="263" r:id="rId4"/>
+    <p:sldId id="267" r:id="rId5"/>
+    <p:sldId id="262" r:id="rId6"/>
+    <p:sldId id="260" r:id="rId7"/>
+    <p:sldId id="257" r:id="rId8"/>
+    <p:sldId id="259" r:id="rId9"/>
+    <p:sldId id="261" r:id="rId10"/>
+    <p:sldId id="265" r:id="rId11"/>
+    <p:sldId id="266" r:id="rId12"/>
   </p:sldIdLst>
   <p:sldSz cx="12192000" cy="6858000"/>
   <p:notesSz cx="6858000" cy="9144000"/>
@@ -4391,7 +4398,7 @@
           <a:p>
             <a:fld id="{29265ADC-8DD7-4F59-97B3-201709453D54}" type="datetimeFigureOut">
               <a:rPr lang="en-GB" smtClean="0"/>
-              <a:t>07/02/2019</a:t>
+              <a:t>10/02/2019</a:t>
             </a:fld>
             <a:endParaRPr lang="en-GB"/>
           </a:p>
@@ -4658,7 +4665,7 @@
           <a:p>
             <a:fld id="{29265ADC-8DD7-4F59-97B3-201709453D54}" type="datetimeFigureOut">
               <a:rPr lang="en-GB" smtClean="0"/>
-              <a:t>07/02/2019</a:t>
+              <a:t>10/02/2019</a:t>
             </a:fld>
             <a:endParaRPr lang="en-GB"/>
           </a:p>
@@ -4854,7 +4861,7 @@
           <a:p>
             <a:fld id="{29265ADC-8DD7-4F59-97B3-201709453D54}" type="datetimeFigureOut">
               <a:rPr lang="en-GB" smtClean="0"/>
-              <a:t>07/02/2019</a:t>
+              <a:t>10/02/2019</a:t>
             </a:fld>
             <a:endParaRPr lang="en-GB"/>
           </a:p>
@@ -5117,7 +5124,7 @@
           <a:p>
             <a:fld id="{29265ADC-8DD7-4F59-97B3-201709453D54}" type="datetimeFigureOut">
               <a:rPr lang="en-GB" smtClean="0"/>
-              <a:t>07/02/2019</a:t>
+              <a:t>10/02/2019</a:t>
             </a:fld>
             <a:endParaRPr lang="en-GB"/>
           </a:p>
@@ -5551,7 +5558,7 @@
           <a:p>
             <a:fld id="{29265ADC-8DD7-4F59-97B3-201709453D54}" type="datetimeFigureOut">
               <a:rPr lang="en-GB" smtClean="0"/>
-              <a:t>07/02/2019</a:t>
+              <a:t>10/02/2019</a:t>
             </a:fld>
             <a:endParaRPr lang="en-GB"/>
           </a:p>
@@ -6097,7 +6104,7 @@
           <a:p>
             <a:fld id="{29265ADC-8DD7-4F59-97B3-201709453D54}" type="datetimeFigureOut">
               <a:rPr lang="en-GB" smtClean="0"/>
-              <a:t>07/02/2019</a:t>
+              <a:t>10/02/2019</a:t>
             </a:fld>
             <a:endParaRPr lang="en-GB"/>
           </a:p>
@@ -6817,7 +6824,7 @@
           <a:p>
             <a:fld id="{29265ADC-8DD7-4F59-97B3-201709453D54}" type="datetimeFigureOut">
               <a:rPr lang="en-GB" smtClean="0"/>
-              <a:t>07/02/2019</a:t>
+              <a:t>10/02/2019</a:t>
             </a:fld>
             <a:endParaRPr lang="en-GB"/>
           </a:p>
@@ -6987,7 +6994,7 @@
           <a:p>
             <a:fld id="{29265ADC-8DD7-4F59-97B3-201709453D54}" type="datetimeFigureOut">
               <a:rPr lang="en-GB" smtClean="0"/>
-              <a:t>07/02/2019</a:t>
+              <a:t>10/02/2019</a:t>
             </a:fld>
             <a:endParaRPr lang="en-GB"/>
           </a:p>
@@ -7167,7 +7174,7 @@
           <a:p>
             <a:fld id="{29265ADC-8DD7-4F59-97B3-201709453D54}" type="datetimeFigureOut">
               <a:rPr lang="en-GB" smtClean="0"/>
-              <a:t>07/02/2019</a:t>
+              <a:t>10/02/2019</a:t>
             </a:fld>
             <a:endParaRPr lang="en-GB"/>
           </a:p>
@@ -7337,7 +7344,7 @@
           <a:p>
             <a:fld id="{29265ADC-8DD7-4F59-97B3-201709453D54}" type="datetimeFigureOut">
               <a:rPr lang="en-GB" smtClean="0"/>
-              <a:t>07/02/2019</a:t>
+              <a:t>10/02/2019</a:t>
             </a:fld>
             <a:endParaRPr lang="en-GB"/>
           </a:p>
@@ -7587,7 +7594,7 @@
           <a:p>
             <a:fld id="{29265ADC-8DD7-4F59-97B3-201709453D54}" type="datetimeFigureOut">
               <a:rPr lang="en-GB" smtClean="0"/>
-              <a:t>07/02/2019</a:t>
+              <a:t>10/02/2019</a:t>
             </a:fld>
             <a:endParaRPr lang="en-GB"/>
           </a:p>
@@ -7819,7 +7826,7 @@
           <a:p>
             <a:fld id="{29265ADC-8DD7-4F59-97B3-201709453D54}" type="datetimeFigureOut">
               <a:rPr lang="en-GB" smtClean="0"/>
-              <a:t>07/02/2019</a:t>
+              <a:t>10/02/2019</a:t>
             </a:fld>
             <a:endParaRPr lang="en-GB"/>
           </a:p>
@@ -8200,7 +8207,7 @@
           <a:p>
             <a:fld id="{29265ADC-8DD7-4F59-97B3-201709453D54}" type="datetimeFigureOut">
               <a:rPr lang="en-GB" smtClean="0"/>
-              <a:t>07/02/2019</a:t>
+              <a:t>10/02/2019</a:t>
             </a:fld>
             <a:endParaRPr lang="en-GB"/>
           </a:p>
@@ -8318,7 +8325,7 @@
           <a:p>
             <a:fld id="{29265ADC-8DD7-4F59-97B3-201709453D54}" type="datetimeFigureOut">
               <a:rPr lang="en-GB" smtClean="0"/>
-              <a:t>07/02/2019</a:t>
+              <a:t>10/02/2019</a:t>
             </a:fld>
             <a:endParaRPr lang="en-GB"/>
           </a:p>
@@ -8413,7 +8420,7 @@
           <a:p>
             <a:fld id="{29265ADC-8DD7-4F59-97B3-201709453D54}" type="datetimeFigureOut">
               <a:rPr lang="en-GB" smtClean="0"/>
-              <a:t>07/02/2019</a:t>
+              <a:t>10/02/2019</a:t>
             </a:fld>
             <a:endParaRPr lang="en-GB"/>
           </a:p>
@@ -8662,7 +8669,7 @@
           <a:p>
             <a:fld id="{29265ADC-8DD7-4F59-97B3-201709453D54}" type="datetimeFigureOut">
               <a:rPr lang="en-GB" smtClean="0"/>
-              <a:t>07/02/2019</a:t>
+              <a:t>10/02/2019</a:t>
             </a:fld>
             <a:endParaRPr lang="en-GB"/>
           </a:p>
@@ -8942,7 +8949,7 @@
           <a:p>
             <a:fld id="{29265ADC-8DD7-4F59-97B3-201709453D54}" type="datetimeFigureOut">
               <a:rPr lang="en-GB" smtClean="0"/>
-              <a:t>07/02/2019</a:t>
+              <a:t>10/02/2019</a:t>
             </a:fld>
             <a:endParaRPr lang="en-GB"/>
           </a:p>
@@ -12047,7 +12054,7 @@
           <a:p>
             <a:fld id="{29265ADC-8DD7-4F59-97B3-201709453D54}" type="datetimeFigureOut">
               <a:rPr lang="en-GB" smtClean="0"/>
-              <a:t>07/02/2019</a:t>
+              <a:t>10/02/2019</a:t>
             </a:fld>
             <a:endParaRPr lang="en-GB"/>
           </a:p>
@@ -12689,6 +12696,1326 @@
 </p:sld>
 </file>
 
+<file path=ppt/slides/slide10.xml><?xml version="1.0" encoding="utf-8"?>
+<p:sld xmlns:a="http://schemas.openxmlformats.org/drawingml/2006/main" xmlns:r="http://schemas.openxmlformats.org/officeDocument/2006/relationships" xmlns:p="http://schemas.openxmlformats.org/presentationml/2006/main">
+  <p:cSld>
+    <p:spTree>
+      <p:nvGrpSpPr>
+        <p:cNvPr id="1" name=""/>
+        <p:cNvGrpSpPr/>
+        <p:nvPr/>
+      </p:nvGrpSpPr>
+      <p:grpSpPr>
+        <a:xfrm>
+          <a:off x="0" y="0"/>
+          <a:ext cx="0" cy="0"/>
+          <a:chOff x="0" y="0"/>
+          <a:chExt cx="0" cy="0"/>
+        </a:xfrm>
+      </p:grpSpPr>
+      <p:pic>
+        <p:nvPicPr>
+          <p:cNvPr id="4" name="Immagine 3">
+            <a:extLst>
+              <a:ext uri="{FF2B5EF4-FFF2-40B4-BE49-F238E27FC236}">
+                <a16:creationId xmlns:a16="http://schemas.microsoft.com/office/drawing/2014/main" id="{F7514C28-7BC6-4958-A828-A51180FF5EB0}"/>
+              </a:ext>
+            </a:extLst>
+          </p:cNvPr>
+          <p:cNvPicPr>
+            <a:picLocks noChangeAspect="1"/>
+          </p:cNvPicPr>
+          <p:nvPr/>
+        </p:nvPicPr>
+        <p:blipFill>
+          <a:blip r:embed="rId2">
+            <a:extLst>
+              <a:ext uri="{28A0092B-C50C-407E-A947-70E740481C1C}">
+                <a14:useLocalDpi xmlns:a14="http://schemas.microsoft.com/office/drawing/2010/main" val="0"/>
+              </a:ext>
+            </a:extLst>
+          </a:blip>
+          <a:stretch>
+            <a:fillRect/>
+          </a:stretch>
+        </p:blipFill>
+        <p:spPr>
+          <a:xfrm>
+            <a:off x="6848442" y="1301992"/>
+            <a:ext cx="4229890" cy="1337064"/>
+          </a:xfrm>
+          <a:prstGeom prst="rect">
+            <a:avLst/>
+          </a:prstGeom>
+        </p:spPr>
+      </p:pic>
+      <p:pic>
+        <p:nvPicPr>
+          <p:cNvPr id="5" name="Immagine 4">
+            <a:extLst>
+              <a:ext uri="{FF2B5EF4-FFF2-40B4-BE49-F238E27FC236}">
+                <a16:creationId xmlns:a16="http://schemas.microsoft.com/office/drawing/2014/main" id="{449267C7-F859-478A-92F3-C723917BDF99}"/>
+              </a:ext>
+            </a:extLst>
+          </p:cNvPr>
+          <p:cNvPicPr>
+            <a:picLocks noChangeAspect="1"/>
+          </p:cNvPicPr>
+          <p:nvPr/>
+        </p:nvPicPr>
+        <p:blipFill rotWithShape="1">
+          <a:blip r:embed="rId3">
+            <a:extLst>
+              <a:ext uri="{28A0092B-C50C-407E-A947-70E740481C1C}">
+                <a14:useLocalDpi xmlns:a14="http://schemas.microsoft.com/office/drawing/2010/main" val="0"/>
+              </a:ext>
+            </a:extLst>
+          </a:blip>
+          <a:srcRect l="508" t="1108" r="355" b="851"/>
+          <a:stretch/>
+        </p:blipFill>
+        <p:spPr>
+          <a:xfrm>
+            <a:off x="6869906" y="3033713"/>
+            <a:ext cx="4193382" cy="1326356"/>
+          </a:xfrm>
+          <a:prstGeom prst="rect">
+            <a:avLst/>
+          </a:prstGeom>
+        </p:spPr>
+      </p:pic>
+      <p:pic>
+        <p:nvPicPr>
+          <p:cNvPr id="6" name="Immagine 5">
+            <a:extLst>
+              <a:ext uri="{FF2B5EF4-FFF2-40B4-BE49-F238E27FC236}">
+                <a16:creationId xmlns:a16="http://schemas.microsoft.com/office/drawing/2014/main" id="{F34CFE9A-5F4A-4FBE-9FD1-CD84314FC024}"/>
+              </a:ext>
+            </a:extLst>
+          </p:cNvPr>
+          <p:cNvPicPr>
+            <a:picLocks noChangeAspect="1"/>
+          </p:cNvPicPr>
+          <p:nvPr/>
+        </p:nvPicPr>
+        <p:blipFill rotWithShape="1">
+          <a:blip r:embed="rId4">
+            <a:extLst>
+              <a:ext uri="{28A0092B-C50C-407E-A947-70E740481C1C}">
+                <a14:useLocalDpi xmlns:a14="http://schemas.microsoft.com/office/drawing/2010/main" val="0"/>
+              </a:ext>
+            </a:extLst>
+          </a:blip>
+          <a:srcRect l="526" t="840" r="544" b="1091"/>
+          <a:stretch/>
+        </p:blipFill>
+        <p:spPr>
+          <a:xfrm>
+            <a:off x="6870700" y="4762499"/>
+            <a:ext cx="4184650" cy="1311275"/>
+          </a:xfrm>
+          <a:prstGeom prst="rect">
+            <a:avLst/>
+          </a:prstGeom>
+        </p:spPr>
+      </p:pic>
+      <p:cxnSp>
+        <p:nvCxnSpPr>
+          <p:cNvPr id="8" name="Connettore 2 7">
+            <a:extLst>
+              <a:ext uri="{FF2B5EF4-FFF2-40B4-BE49-F238E27FC236}">
+                <a16:creationId xmlns:a16="http://schemas.microsoft.com/office/drawing/2014/main" id="{7737E691-62A2-423B-9E81-9AE8318573D0}"/>
+              </a:ext>
+            </a:extLst>
+          </p:cNvPr>
+          <p:cNvCxnSpPr/>
+          <p:nvPr/>
+        </p:nvCxnSpPr>
+        <p:spPr>
+          <a:xfrm flipV="1">
+            <a:off x="5908431" y="1970524"/>
+            <a:ext cx="808892" cy="925076"/>
+          </a:xfrm>
+          <a:prstGeom prst="straightConnector1">
+            <a:avLst/>
+          </a:prstGeom>
+          <a:ln w="31750">
+            <a:solidFill>
+              <a:srgbClr val="81D185"/>
+            </a:solidFill>
+            <a:tailEnd type="triangle"/>
+          </a:ln>
+        </p:spPr>
+        <p:style>
+          <a:lnRef idx="1">
+            <a:schemeClr val="accent1"/>
+          </a:lnRef>
+          <a:fillRef idx="0">
+            <a:schemeClr val="accent1"/>
+          </a:fillRef>
+          <a:effectRef idx="0">
+            <a:schemeClr val="accent1"/>
+          </a:effectRef>
+          <a:fontRef idx="minor">
+            <a:schemeClr val="tx1"/>
+          </a:fontRef>
+        </p:style>
+      </p:cxnSp>
+      <p:cxnSp>
+        <p:nvCxnSpPr>
+          <p:cNvPr id="9" name="Connettore 2 8">
+            <a:extLst>
+              <a:ext uri="{FF2B5EF4-FFF2-40B4-BE49-F238E27FC236}">
+                <a16:creationId xmlns:a16="http://schemas.microsoft.com/office/drawing/2014/main" id="{CC3833C7-B1BE-4773-9ECC-EFB956D64F34}"/>
+              </a:ext>
+            </a:extLst>
+          </p:cNvPr>
+          <p:cNvCxnSpPr/>
+          <p:nvPr/>
+        </p:nvCxnSpPr>
+        <p:spPr>
+          <a:xfrm flipV="1">
+            <a:off x="5908431" y="3695164"/>
+            <a:ext cx="808892" cy="1727"/>
+          </a:xfrm>
+          <a:prstGeom prst="straightConnector1">
+            <a:avLst/>
+          </a:prstGeom>
+          <a:ln w="31750">
+            <a:solidFill>
+              <a:schemeClr val="tx1">
+                <a:lumMod val="75000"/>
+              </a:schemeClr>
+            </a:solidFill>
+            <a:tailEnd type="triangle"/>
+          </a:ln>
+        </p:spPr>
+        <p:style>
+          <a:lnRef idx="1">
+            <a:schemeClr val="accent1"/>
+          </a:lnRef>
+          <a:fillRef idx="0">
+            <a:schemeClr val="accent1"/>
+          </a:fillRef>
+          <a:effectRef idx="0">
+            <a:schemeClr val="accent1"/>
+          </a:effectRef>
+          <a:fontRef idx="minor">
+            <a:schemeClr val="tx1"/>
+          </a:fontRef>
+        </p:style>
+      </p:cxnSp>
+      <p:cxnSp>
+        <p:nvCxnSpPr>
+          <p:cNvPr id="10" name="Connettore 2 9">
+            <a:extLst>
+              <a:ext uri="{FF2B5EF4-FFF2-40B4-BE49-F238E27FC236}">
+                <a16:creationId xmlns:a16="http://schemas.microsoft.com/office/drawing/2014/main" id="{831D00FD-27E1-469B-8077-8DAD730590FD}"/>
+              </a:ext>
+            </a:extLst>
+          </p:cNvPr>
+          <p:cNvCxnSpPr/>
+          <p:nvPr/>
+        </p:nvCxnSpPr>
+        <p:spPr>
+          <a:xfrm>
+            <a:off x="5908431" y="4454769"/>
+            <a:ext cx="808892" cy="965036"/>
+          </a:xfrm>
+          <a:prstGeom prst="straightConnector1">
+            <a:avLst/>
+          </a:prstGeom>
+          <a:ln w="31750">
+            <a:solidFill>
+              <a:srgbClr val="DE7A70"/>
+            </a:solidFill>
+            <a:tailEnd type="triangle"/>
+          </a:ln>
+        </p:spPr>
+        <p:style>
+          <a:lnRef idx="1">
+            <a:schemeClr val="accent1"/>
+          </a:lnRef>
+          <a:fillRef idx="0">
+            <a:schemeClr val="accent1"/>
+          </a:fillRef>
+          <a:effectRef idx="0">
+            <a:schemeClr val="accent1"/>
+          </a:effectRef>
+          <a:fontRef idx="minor">
+            <a:schemeClr val="tx1"/>
+          </a:fontRef>
+        </p:style>
+      </p:cxnSp>
+      <p:sp>
+        <p:nvSpPr>
+          <p:cNvPr id="11" name="CasellaDiTesto 10">
+            <a:extLst>
+              <a:ext uri="{FF2B5EF4-FFF2-40B4-BE49-F238E27FC236}">
+                <a16:creationId xmlns:a16="http://schemas.microsoft.com/office/drawing/2014/main" id="{682855F0-9FDF-4F45-AB0E-5EB66B3A2B6E}"/>
+              </a:ext>
+            </a:extLst>
+          </p:cNvPr>
+          <p:cNvSpPr txBox="1"/>
+          <p:nvPr/>
+        </p:nvSpPr>
+        <p:spPr>
+          <a:xfrm>
+            <a:off x="0" y="542728"/>
+            <a:ext cx="12192000" cy="584775"/>
+          </a:xfrm>
+          <a:prstGeom prst="rect">
+            <a:avLst/>
+          </a:prstGeom>
+          <a:noFill/>
+        </p:spPr>
+        <p:txBody>
+          <a:bodyPr wrap="square" rtlCol="0">
+            <a:spAutoFit/>
+          </a:bodyPr>
+          <a:lstStyle/>
+          <a:p>
+            <a:pPr algn="ctr"/>
+            <a:r>
+              <a:rPr lang="it-IT" sz="3200" b="1" dirty="0">
+                <a:ln w="19050" cmpd="sng">
+                  <a:solidFill>
+                    <a:schemeClr val="bg2">
+                      <a:lumMod val="50000"/>
+                    </a:schemeClr>
+                  </a:solidFill>
+                </a:ln>
+                <a:solidFill>
+                  <a:schemeClr val="tx2">
+                    <a:lumMod val="60000"/>
+                    <a:lumOff val="40000"/>
+                  </a:schemeClr>
+                </a:solidFill>
+              </a:rPr>
+              <a:t>WE MANAGE DIFFERENT OUTCOME PARTE 2</a:t>
+            </a:r>
+            <a:endParaRPr lang="en-US" sz="3200" b="1" dirty="0">
+              <a:ln w="19050" cmpd="sng">
+                <a:solidFill>
+                  <a:schemeClr val="bg2">
+                    <a:lumMod val="50000"/>
+                  </a:schemeClr>
+                </a:solidFill>
+              </a:ln>
+              <a:solidFill>
+                <a:schemeClr val="tx2">
+                  <a:lumMod val="60000"/>
+                  <a:lumOff val="40000"/>
+                </a:schemeClr>
+              </a:solidFill>
+            </a:endParaRPr>
+          </a:p>
+        </p:txBody>
+      </p:sp>
+      <p:graphicFrame>
+        <p:nvGraphicFramePr>
+          <p:cNvPr id="12" name="Tabella 11">
+            <a:extLst>
+              <a:ext uri="{FF2B5EF4-FFF2-40B4-BE49-F238E27FC236}">
+                <a16:creationId xmlns:a16="http://schemas.microsoft.com/office/drawing/2014/main" id="{A8ACD3E1-08C0-428A-A97F-B351924F6730}"/>
+              </a:ext>
+            </a:extLst>
+          </p:cNvPr>
+          <p:cNvGraphicFramePr>
+            <a:graphicFrameLocks noGrp="1"/>
+          </p:cNvGraphicFramePr>
+          <p:nvPr>
+            <p:extLst>
+              <p:ext uri="{D42A27DB-BD31-4B8C-83A1-F6EECF244321}">
+                <p14:modId xmlns:p14="http://schemas.microsoft.com/office/powerpoint/2010/main" val="3781733449"/>
+              </p:ext>
+            </p:extLst>
+          </p:nvPr>
+        </p:nvGraphicFramePr>
+        <p:xfrm>
+          <a:off x="742950" y="2233536"/>
+          <a:ext cx="5089192" cy="2390927"/>
+        </p:xfrm>
+        <a:graphic>
+          <a:graphicData uri="http://schemas.openxmlformats.org/drawingml/2006/table">
+            <a:tbl>
+              <a:tblPr firstRow="1" bandRow="1">
+                <a:tableStyleId>{7DF18680-E054-41AD-8BC1-D1AEF772440D}</a:tableStyleId>
+              </a:tblPr>
+              <a:tblGrid>
+                <a:gridCol w="1272298">
+                  <a:extLst>
+                    <a:ext uri="{9D8B030D-6E8A-4147-A177-3AD203B41FA5}">
+                      <a16:colId xmlns:a16="http://schemas.microsoft.com/office/drawing/2014/main" val="20000"/>
+                    </a:ext>
+                  </a:extLst>
+                </a:gridCol>
+                <a:gridCol w="1272298">
+                  <a:extLst>
+                    <a:ext uri="{9D8B030D-6E8A-4147-A177-3AD203B41FA5}">
+                      <a16:colId xmlns:a16="http://schemas.microsoft.com/office/drawing/2014/main" val="20001"/>
+                    </a:ext>
+                  </a:extLst>
+                </a:gridCol>
+                <a:gridCol w="1272298">
+                  <a:extLst>
+                    <a:ext uri="{9D8B030D-6E8A-4147-A177-3AD203B41FA5}">
+                      <a16:colId xmlns:a16="http://schemas.microsoft.com/office/drawing/2014/main" val="1639210963"/>
+                    </a:ext>
+                  </a:extLst>
+                </a:gridCol>
+                <a:gridCol w="1272298">
+                  <a:extLst>
+                    <a:ext uri="{9D8B030D-6E8A-4147-A177-3AD203B41FA5}">
+                      <a16:colId xmlns:a16="http://schemas.microsoft.com/office/drawing/2014/main" val="2933038693"/>
+                    </a:ext>
+                  </a:extLst>
+                </a:gridCol>
+              </a:tblGrid>
+              <a:tr h="536187">
+                <a:tc>
+                  <a:txBody>
+                    <a:bodyPr/>
+                    <a:lstStyle/>
+                    <a:p>
+                      <a:pPr algn="ctr"/>
+                      <a:r>
+                        <a:rPr lang="en-US" sz="1400" b="0" noProof="0" dirty="0">
+                          <a:solidFill>
+                            <a:schemeClr val="tx1"/>
+                          </a:solidFill>
+                        </a:rPr>
+                        <a:t>VR</a:t>
+                      </a:r>
+                      <a:r>
+                        <a:rPr lang="en-US" sz="1400" b="0" baseline="0" noProof="0" dirty="0">
+                          <a:solidFill>
+                            <a:schemeClr val="tx1"/>
+                          </a:solidFill>
+                        </a:rPr>
+                        <a:t> communication</a:t>
+                      </a:r>
+                      <a:endParaRPr lang="en-US" sz="1400" b="0" noProof="0" dirty="0">
+                        <a:solidFill>
+                          <a:schemeClr val="tx1"/>
+                        </a:solidFill>
+                      </a:endParaRPr>
+                    </a:p>
+                  </a:txBody>
+                  <a:tcPr marL="51435" marR="51435" marT="25718" marB="25718" anchor="ctr">
+                    <a:lnL w="12700" cap="flat" cmpd="sng" algn="ctr">
+                      <a:solidFill>
+                        <a:schemeClr val="tx1"/>
+                      </a:solidFill>
+                      <a:prstDash val="solid"/>
+                      <a:round/>
+                      <a:headEnd type="none" w="med" len="med"/>
+                      <a:tailEnd type="none" w="med" len="med"/>
+                    </a:lnL>
+                    <a:lnR w="12700" cap="flat" cmpd="sng" algn="ctr">
+                      <a:solidFill>
+                        <a:schemeClr val="tx1"/>
+                      </a:solidFill>
+                      <a:prstDash val="solid"/>
+                      <a:round/>
+                      <a:headEnd type="none" w="med" len="med"/>
+                      <a:tailEnd type="none" w="med" len="med"/>
+                    </a:lnR>
+                    <a:lnT w="12700" cap="flat" cmpd="sng" algn="ctr">
+                      <a:solidFill>
+                        <a:schemeClr val="tx1"/>
+                      </a:solidFill>
+                      <a:prstDash val="solid"/>
+                      <a:round/>
+                      <a:headEnd type="none" w="med" len="med"/>
+                      <a:tailEnd type="none" w="med" len="med"/>
+                    </a:lnT>
+                    <a:lnB w="12700" cap="flat" cmpd="sng" algn="ctr">
+                      <a:solidFill>
+                        <a:schemeClr val="tx1"/>
+                      </a:solidFill>
+                      <a:prstDash val="solid"/>
+                      <a:round/>
+                      <a:headEnd type="none" w="med" len="med"/>
+                      <a:tailEnd type="none" w="med" len="med"/>
+                    </a:lnB>
+                    <a:solidFill>
+                      <a:schemeClr val="accent5">
+                        <a:lumMod val="75000"/>
+                      </a:schemeClr>
+                    </a:solidFill>
+                  </a:tcPr>
+                </a:tc>
+                <a:tc>
+                  <a:txBody>
+                    <a:bodyPr/>
+                    <a:lstStyle/>
+                    <a:p>
+                      <a:pPr algn="ctr"/>
+                      <a:r>
+                        <a:rPr lang="en-US" sz="1400" b="0" noProof="0" dirty="0">
+                          <a:solidFill>
+                            <a:schemeClr val="tx1"/>
+                          </a:solidFill>
+                        </a:rPr>
+                        <a:t>Card Used</a:t>
+                      </a:r>
+                    </a:p>
+                  </a:txBody>
+                  <a:tcPr marL="51435" marR="51435" marT="25718" marB="25718" anchor="ctr">
+                    <a:lnL w="12700" cap="flat" cmpd="sng" algn="ctr">
+                      <a:solidFill>
+                        <a:schemeClr val="tx1"/>
+                      </a:solidFill>
+                      <a:prstDash val="solid"/>
+                      <a:round/>
+                      <a:headEnd type="none" w="med" len="med"/>
+                      <a:tailEnd type="none" w="med" len="med"/>
+                    </a:lnL>
+                    <a:lnR w="12700" cap="flat" cmpd="sng" algn="ctr">
+                      <a:solidFill>
+                        <a:schemeClr val="tx1"/>
+                      </a:solidFill>
+                      <a:prstDash val="solid"/>
+                      <a:round/>
+                      <a:headEnd type="none" w="med" len="med"/>
+                      <a:tailEnd type="none" w="med" len="med"/>
+                    </a:lnR>
+                    <a:lnT w="12700" cap="flat" cmpd="sng" algn="ctr">
+                      <a:solidFill>
+                        <a:schemeClr val="tx1"/>
+                      </a:solidFill>
+                      <a:prstDash val="solid"/>
+                      <a:round/>
+                      <a:headEnd type="none" w="med" len="med"/>
+                      <a:tailEnd type="none" w="med" len="med"/>
+                    </a:lnT>
+                    <a:lnB w="12700" cap="flat" cmpd="sng" algn="ctr">
+                      <a:solidFill>
+                        <a:schemeClr val="tx1"/>
+                      </a:solidFill>
+                      <a:prstDash val="solid"/>
+                      <a:round/>
+                      <a:headEnd type="none" w="med" len="med"/>
+                      <a:tailEnd type="none" w="med" len="med"/>
+                    </a:lnB>
+                    <a:solidFill>
+                      <a:schemeClr val="accent5">
+                        <a:lumMod val="75000"/>
+                      </a:schemeClr>
+                    </a:solidFill>
+                  </a:tcPr>
+                </a:tc>
+                <a:tc>
+                  <a:txBody>
+                    <a:bodyPr/>
+                    <a:lstStyle/>
+                    <a:p>
+                      <a:pPr algn="ctr"/>
+                      <a:r>
+                        <a:rPr lang="en-US" sz="1400" b="0" noProof="0" dirty="0">
+                          <a:solidFill>
+                            <a:schemeClr val="tx1"/>
+                          </a:solidFill>
+                        </a:rPr>
+                        <a:t>Same Choice</a:t>
+                      </a:r>
+                    </a:p>
+                  </a:txBody>
+                  <a:tcPr marL="51435" marR="51435" marT="25718" marB="25718" anchor="ctr">
+                    <a:lnL w="12700" cap="flat" cmpd="sng" algn="ctr">
+                      <a:solidFill>
+                        <a:schemeClr val="tx1"/>
+                      </a:solidFill>
+                      <a:prstDash val="solid"/>
+                      <a:round/>
+                      <a:headEnd type="none" w="med" len="med"/>
+                      <a:tailEnd type="none" w="med" len="med"/>
+                    </a:lnL>
+                    <a:lnR w="12700" cap="flat" cmpd="sng" algn="ctr">
+                      <a:solidFill>
+                        <a:schemeClr val="tx1"/>
+                      </a:solidFill>
+                      <a:prstDash val="solid"/>
+                      <a:round/>
+                      <a:headEnd type="none" w="med" len="med"/>
+                      <a:tailEnd type="none" w="med" len="med"/>
+                    </a:lnR>
+                    <a:lnT w="12700" cap="flat" cmpd="sng" algn="ctr">
+                      <a:solidFill>
+                        <a:schemeClr val="tx1"/>
+                      </a:solidFill>
+                      <a:prstDash val="solid"/>
+                      <a:round/>
+                      <a:headEnd type="none" w="med" len="med"/>
+                      <a:tailEnd type="none" w="med" len="med"/>
+                    </a:lnT>
+                    <a:lnB w="12700" cap="flat" cmpd="sng" algn="ctr">
+                      <a:solidFill>
+                        <a:schemeClr val="tx1"/>
+                      </a:solidFill>
+                      <a:prstDash val="solid"/>
+                      <a:round/>
+                      <a:headEnd type="none" w="med" len="med"/>
+                      <a:tailEnd type="none" w="med" len="med"/>
+                    </a:lnB>
+                    <a:solidFill>
+                      <a:schemeClr val="accent5">
+                        <a:lumMod val="75000"/>
+                      </a:schemeClr>
+                    </a:solidFill>
+                  </a:tcPr>
+                </a:tc>
+                <a:tc>
+                  <a:txBody>
+                    <a:bodyPr/>
+                    <a:lstStyle/>
+                    <a:p>
+                      <a:pPr algn="ctr"/>
+                      <a:r>
+                        <a:rPr lang="en-US" sz="1400" b="0" noProof="0" dirty="0">
+                          <a:solidFill>
+                            <a:schemeClr val="tx1"/>
+                          </a:solidFill>
+                        </a:rPr>
+                        <a:t>Feedback</a:t>
+                      </a:r>
+                    </a:p>
+                  </a:txBody>
+                  <a:tcPr marL="51435" marR="51435" marT="25718" marB="25718" anchor="ctr">
+                    <a:lnL w="12700" cap="flat" cmpd="sng" algn="ctr">
+                      <a:solidFill>
+                        <a:schemeClr val="tx1"/>
+                      </a:solidFill>
+                      <a:prstDash val="solid"/>
+                      <a:round/>
+                      <a:headEnd type="none" w="med" len="med"/>
+                      <a:tailEnd type="none" w="med" len="med"/>
+                    </a:lnL>
+                    <a:lnR w="12700" cap="flat" cmpd="sng" algn="ctr">
+                      <a:solidFill>
+                        <a:schemeClr val="tx1"/>
+                      </a:solidFill>
+                      <a:prstDash val="solid"/>
+                      <a:round/>
+                      <a:headEnd type="none" w="med" len="med"/>
+                      <a:tailEnd type="none" w="med" len="med"/>
+                    </a:lnR>
+                    <a:lnT w="12700" cap="flat" cmpd="sng" algn="ctr">
+                      <a:solidFill>
+                        <a:schemeClr val="tx1"/>
+                      </a:solidFill>
+                      <a:prstDash val="solid"/>
+                      <a:round/>
+                      <a:headEnd type="none" w="med" len="med"/>
+                      <a:tailEnd type="none" w="med" len="med"/>
+                    </a:lnT>
+                    <a:lnB w="12700" cap="flat" cmpd="sng" algn="ctr">
+                      <a:solidFill>
+                        <a:schemeClr val="tx1"/>
+                      </a:solidFill>
+                      <a:prstDash val="solid"/>
+                      <a:round/>
+                      <a:headEnd type="none" w="med" len="med"/>
+                      <a:tailEnd type="none" w="med" len="med"/>
+                    </a:lnB>
+                    <a:solidFill>
+                      <a:schemeClr val="accent5">
+                        <a:lumMod val="75000"/>
+                      </a:schemeClr>
+                    </a:solidFill>
+                  </a:tcPr>
+                </a:tc>
+                <a:extLst>
+                  <a:ext uri="{0D108BD9-81ED-4DB2-BD59-A6C34878D82A}">
+                    <a16:rowId xmlns:a16="http://schemas.microsoft.com/office/drawing/2014/main" val="10000"/>
+                  </a:ext>
+                </a:extLst>
+              </a:tr>
+              <a:tr h="370948">
+                <a:tc>
+                  <a:txBody>
+                    <a:bodyPr/>
+                    <a:lstStyle/>
+                    <a:p>
+                      <a:pPr algn="ctr"/>
+                      <a:r>
+                        <a:rPr lang="en-US" sz="1400" b="0" noProof="0" dirty="0"/>
+                        <a:t>Correct</a:t>
+                      </a:r>
+                    </a:p>
+                  </a:txBody>
+                  <a:tcPr marL="51435" marR="51435" marT="25718" marB="25718" anchor="ctr">
+                    <a:lnL w="12700" cap="flat" cmpd="sng" algn="ctr">
+                      <a:solidFill>
+                        <a:schemeClr val="tx1"/>
+                      </a:solidFill>
+                      <a:prstDash val="solid"/>
+                      <a:round/>
+                      <a:headEnd type="none" w="med" len="med"/>
+                      <a:tailEnd type="none" w="med" len="med"/>
+                    </a:lnL>
+                    <a:lnT w="12700" cap="flat" cmpd="sng" algn="ctr">
+                      <a:solidFill>
+                        <a:schemeClr val="tx1"/>
+                      </a:solidFill>
+                      <a:prstDash val="solid"/>
+                      <a:round/>
+                      <a:headEnd type="none" w="med" len="med"/>
+                      <a:tailEnd type="none" w="med" len="med"/>
+                    </a:lnT>
+                    <a:solidFill>
+                      <a:srgbClr val="81D185"/>
+                    </a:solidFill>
+                  </a:tcPr>
+                </a:tc>
+                <a:tc>
+                  <a:txBody>
+                    <a:bodyPr/>
+                    <a:lstStyle/>
+                    <a:p>
+                      <a:pPr algn="ctr"/>
+                      <a:r>
+                        <a:rPr lang="en-US" sz="1400" b="0" noProof="0" dirty="0"/>
+                        <a:t>Correct</a:t>
+                      </a:r>
+                    </a:p>
+                  </a:txBody>
+                  <a:tcPr marL="51435" marR="51435" marT="25718" marB="25718" anchor="ctr">
+                    <a:lnT w="12700" cap="flat" cmpd="sng" algn="ctr">
+                      <a:solidFill>
+                        <a:schemeClr val="tx1"/>
+                      </a:solidFill>
+                      <a:prstDash val="solid"/>
+                      <a:round/>
+                      <a:headEnd type="none" w="med" len="med"/>
+                      <a:tailEnd type="none" w="med" len="med"/>
+                    </a:lnT>
+                    <a:solidFill>
+                      <a:srgbClr val="81D185"/>
+                    </a:solidFill>
+                  </a:tcPr>
+                </a:tc>
+                <a:tc>
+                  <a:txBody>
+                    <a:bodyPr/>
+                    <a:lstStyle/>
+                    <a:p>
+                      <a:pPr algn="ctr"/>
+                      <a:r>
+                        <a:rPr lang="en-US" sz="1400" b="0" noProof="0" dirty="0"/>
+                        <a:t>Yes</a:t>
+                      </a:r>
+                    </a:p>
+                  </a:txBody>
+                  <a:tcPr marL="51435" marR="51435" marT="25718" marB="25718" anchor="ctr">
+                    <a:lnT w="12700" cap="flat" cmpd="sng" algn="ctr">
+                      <a:solidFill>
+                        <a:schemeClr val="tx1"/>
+                      </a:solidFill>
+                      <a:prstDash val="solid"/>
+                      <a:round/>
+                      <a:headEnd type="none" w="med" len="med"/>
+                      <a:tailEnd type="none" w="med" len="med"/>
+                    </a:lnT>
+                    <a:solidFill>
+                      <a:srgbClr val="81D185"/>
+                    </a:solidFill>
+                  </a:tcPr>
+                </a:tc>
+                <a:tc>
+                  <a:txBody>
+                    <a:bodyPr/>
+                    <a:lstStyle/>
+                    <a:p>
+                      <a:pPr algn="ctr"/>
+                      <a:r>
+                        <a:rPr lang="en-US" sz="1400" b="0" noProof="0" dirty="0"/>
+                        <a:t>Positive</a:t>
+                      </a:r>
+                    </a:p>
+                  </a:txBody>
+                  <a:tcPr marL="51435" marR="51435" marT="25718" marB="25718" anchor="ctr">
+                    <a:lnR w="12700" cap="flat" cmpd="sng" algn="ctr">
+                      <a:solidFill>
+                        <a:schemeClr val="tx1"/>
+                      </a:solidFill>
+                      <a:prstDash val="solid"/>
+                      <a:round/>
+                      <a:headEnd type="none" w="med" len="med"/>
+                      <a:tailEnd type="none" w="med" len="med"/>
+                    </a:lnR>
+                    <a:lnT w="12700" cap="flat" cmpd="sng" algn="ctr">
+                      <a:solidFill>
+                        <a:schemeClr val="tx1"/>
+                      </a:solidFill>
+                      <a:prstDash val="solid"/>
+                      <a:round/>
+                      <a:headEnd type="none" w="med" len="med"/>
+                      <a:tailEnd type="none" w="med" len="med"/>
+                    </a:lnT>
+                    <a:solidFill>
+                      <a:srgbClr val="81D185"/>
+                    </a:solidFill>
+                  </a:tcPr>
+                </a:tc>
+                <a:extLst>
+                  <a:ext uri="{0D108BD9-81ED-4DB2-BD59-A6C34878D82A}">
+                    <a16:rowId xmlns:a16="http://schemas.microsoft.com/office/drawing/2014/main" val="10001"/>
+                  </a:ext>
+                </a:extLst>
+              </a:tr>
+              <a:tr h="370948">
+                <a:tc>
+                  <a:txBody>
+                    <a:bodyPr/>
+                    <a:lstStyle/>
+                    <a:p>
+                      <a:pPr algn="ctr"/>
+                      <a:r>
+                        <a:rPr lang="en-US" sz="1400" b="0" noProof="0" dirty="0"/>
+                        <a:t>Correct</a:t>
+                      </a:r>
+                    </a:p>
+                  </a:txBody>
+                  <a:tcPr marL="51435" marR="51435" marT="25718" marB="25718" anchor="ctr">
+                    <a:lnL w="12700" cap="flat" cmpd="sng" algn="ctr">
+                      <a:solidFill>
+                        <a:schemeClr val="tx1"/>
+                      </a:solidFill>
+                      <a:prstDash val="solid"/>
+                      <a:round/>
+                      <a:headEnd type="none" w="med" len="med"/>
+                      <a:tailEnd type="none" w="med" len="med"/>
+                    </a:lnL>
+                    <a:solidFill>
+                      <a:schemeClr val="accent5">
+                        <a:lumMod val="20000"/>
+                        <a:lumOff val="80000"/>
+                      </a:schemeClr>
+                    </a:solidFill>
+                  </a:tcPr>
+                </a:tc>
+                <a:tc>
+                  <a:txBody>
+                    <a:bodyPr/>
+                    <a:lstStyle/>
+                    <a:p>
+                      <a:pPr algn="ctr"/>
+                      <a:r>
+                        <a:rPr lang="en-US" sz="1400" b="0" noProof="0" dirty="0"/>
+                        <a:t>Wrong</a:t>
+                      </a:r>
+                    </a:p>
+                  </a:txBody>
+                  <a:tcPr marL="51435" marR="51435" marT="25718" marB="25718" anchor="ctr">
+                    <a:solidFill>
+                      <a:schemeClr val="accent5">
+                        <a:lumMod val="20000"/>
+                        <a:lumOff val="80000"/>
+                      </a:schemeClr>
+                    </a:solidFill>
+                  </a:tcPr>
+                </a:tc>
+                <a:tc>
+                  <a:txBody>
+                    <a:bodyPr/>
+                    <a:lstStyle/>
+                    <a:p>
+                      <a:pPr algn="ctr"/>
+                      <a:r>
+                        <a:rPr lang="en-US" sz="1400" b="0" noProof="0" dirty="0"/>
+                        <a:t>No</a:t>
+                      </a:r>
+                    </a:p>
+                  </a:txBody>
+                  <a:tcPr marL="51435" marR="51435" marT="25718" marB="25718" anchor="ctr">
+                    <a:solidFill>
+                      <a:schemeClr val="accent5">
+                        <a:lumMod val="20000"/>
+                        <a:lumOff val="80000"/>
+                      </a:schemeClr>
+                    </a:solidFill>
+                  </a:tcPr>
+                </a:tc>
+                <a:tc>
+                  <a:txBody>
+                    <a:bodyPr/>
+                    <a:lstStyle/>
+                    <a:p>
+                      <a:pPr algn="ctr"/>
+                      <a:r>
+                        <a:rPr lang="en-US" sz="1400" b="0" noProof="0" dirty="0"/>
+                        <a:t>Question Mark</a:t>
+                      </a:r>
+                    </a:p>
+                  </a:txBody>
+                  <a:tcPr marL="51435" marR="51435" marT="25718" marB="25718" anchor="ctr">
+                    <a:lnR w="12700" cap="flat" cmpd="sng" algn="ctr">
+                      <a:solidFill>
+                        <a:schemeClr val="tx1"/>
+                      </a:solidFill>
+                      <a:prstDash val="solid"/>
+                      <a:round/>
+                      <a:headEnd type="none" w="med" len="med"/>
+                      <a:tailEnd type="none" w="med" len="med"/>
+                    </a:lnR>
+                    <a:solidFill>
+                      <a:schemeClr val="accent5">
+                        <a:lumMod val="20000"/>
+                        <a:lumOff val="80000"/>
+                      </a:schemeClr>
+                    </a:solidFill>
+                  </a:tcPr>
+                </a:tc>
+                <a:extLst>
+                  <a:ext uri="{0D108BD9-81ED-4DB2-BD59-A6C34878D82A}">
+                    <a16:rowId xmlns:a16="http://schemas.microsoft.com/office/drawing/2014/main" val="10002"/>
+                  </a:ext>
+                </a:extLst>
+              </a:tr>
+              <a:tr h="370948">
+                <a:tc>
+                  <a:txBody>
+                    <a:bodyPr/>
+                    <a:lstStyle/>
+                    <a:p>
+                      <a:pPr algn="ctr"/>
+                      <a:r>
+                        <a:rPr lang="en-US" sz="1400" b="0" noProof="0" dirty="0"/>
+                        <a:t>Wrong</a:t>
+                      </a:r>
+                    </a:p>
+                  </a:txBody>
+                  <a:tcPr marL="51435" marR="51435" marT="25718" marB="25718" anchor="ctr">
+                    <a:lnL w="12700" cap="flat" cmpd="sng" algn="ctr">
+                      <a:solidFill>
+                        <a:schemeClr val="tx1"/>
+                      </a:solidFill>
+                      <a:prstDash val="solid"/>
+                      <a:round/>
+                      <a:headEnd type="none" w="med" len="med"/>
+                      <a:tailEnd type="none" w="med" len="med"/>
+                    </a:lnL>
+                    <a:solidFill>
+                      <a:schemeClr val="accent5">
+                        <a:lumMod val="20000"/>
+                        <a:lumOff val="80000"/>
+                      </a:schemeClr>
+                    </a:solidFill>
+                  </a:tcPr>
+                </a:tc>
+                <a:tc>
+                  <a:txBody>
+                    <a:bodyPr/>
+                    <a:lstStyle/>
+                    <a:p>
+                      <a:pPr algn="ctr"/>
+                      <a:r>
+                        <a:rPr lang="en-US" sz="1400" b="0" noProof="0" dirty="0"/>
+                        <a:t>Correct</a:t>
+                      </a:r>
+                    </a:p>
+                  </a:txBody>
+                  <a:tcPr marL="51435" marR="51435" marT="25718" marB="25718" anchor="ctr">
+                    <a:solidFill>
+                      <a:schemeClr val="accent5">
+                        <a:lumMod val="20000"/>
+                        <a:lumOff val="80000"/>
+                      </a:schemeClr>
+                    </a:solidFill>
+                  </a:tcPr>
+                </a:tc>
+                <a:tc>
+                  <a:txBody>
+                    <a:bodyPr/>
+                    <a:lstStyle/>
+                    <a:p>
+                      <a:pPr algn="ctr"/>
+                      <a:r>
+                        <a:rPr lang="en-US" sz="1400" b="0" noProof="0" dirty="0"/>
+                        <a:t>No</a:t>
+                      </a:r>
+                    </a:p>
+                  </a:txBody>
+                  <a:tcPr marL="51435" marR="51435" marT="25718" marB="25718" anchor="ctr">
+                    <a:solidFill>
+                      <a:schemeClr val="accent5">
+                        <a:lumMod val="20000"/>
+                        <a:lumOff val="80000"/>
+                      </a:schemeClr>
+                    </a:solidFill>
+                  </a:tcPr>
+                </a:tc>
+                <a:tc>
+                  <a:txBody>
+                    <a:bodyPr/>
+                    <a:lstStyle/>
+                    <a:p>
+                      <a:pPr algn="ctr"/>
+                      <a:r>
+                        <a:rPr lang="en-US" sz="1400" b="0" noProof="0" dirty="0"/>
+                        <a:t>Question Mark</a:t>
+                      </a:r>
+                    </a:p>
+                  </a:txBody>
+                  <a:tcPr marL="51435" marR="51435" marT="25718" marB="25718" anchor="ctr">
+                    <a:lnR w="12700" cap="flat" cmpd="sng" algn="ctr">
+                      <a:solidFill>
+                        <a:schemeClr val="tx1"/>
+                      </a:solidFill>
+                      <a:prstDash val="solid"/>
+                      <a:round/>
+                      <a:headEnd type="none" w="med" len="med"/>
+                      <a:tailEnd type="none" w="med" len="med"/>
+                    </a:lnR>
+                    <a:solidFill>
+                      <a:schemeClr val="accent5">
+                        <a:lumMod val="20000"/>
+                        <a:lumOff val="80000"/>
+                      </a:schemeClr>
+                    </a:solidFill>
+                  </a:tcPr>
+                </a:tc>
+                <a:extLst>
+                  <a:ext uri="{0D108BD9-81ED-4DB2-BD59-A6C34878D82A}">
+                    <a16:rowId xmlns:a16="http://schemas.microsoft.com/office/drawing/2014/main" val="10003"/>
+                  </a:ext>
+                </a:extLst>
+              </a:tr>
+              <a:tr h="370948">
+                <a:tc>
+                  <a:txBody>
+                    <a:bodyPr/>
+                    <a:lstStyle/>
+                    <a:p>
+                      <a:pPr algn="ctr"/>
+                      <a:r>
+                        <a:rPr lang="en-US" sz="1400" b="0" noProof="0" dirty="0"/>
+                        <a:t>Wrong</a:t>
+                      </a:r>
+                    </a:p>
+                  </a:txBody>
+                  <a:tcPr marL="51435" marR="51435" marT="25718" marB="25718" anchor="ctr">
+                    <a:lnL w="12700" cap="flat" cmpd="sng" algn="ctr">
+                      <a:solidFill>
+                        <a:schemeClr val="tx1"/>
+                      </a:solidFill>
+                      <a:prstDash val="solid"/>
+                      <a:round/>
+                      <a:headEnd type="none" w="med" len="med"/>
+                      <a:tailEnd type="none" w="med" len="med"/>
+                    </a:lnL>
+                    <a:solidFill>
+                      <a:srgbClr val="DEEBF7"/>
+                    </a:solidFill>
+                  </a:tcPr>
+                </a:tc>
+                <a:tc>
+                  <a:txBody>
+                    <a:bodyPr/>
+                    <a:lstStyle/>
+                    <a:p>
+                      <a:pPr algn="ctr"/>
+                      <a:r>
+                        <a:rPr lang="en-US" sz="1400" b="0" noProof="0" dirty="0"/>
+                        <a:t>Wrong</a:t>
+                      </a:r>
+                    </a:p>
+                  </a:txBody>
+                  <a:tcPr marL="51435" marR="51435" marT="25718" marB="25718" anchor="ctr">
+                    <a:solidFill>
+                      <a:srgbClr val="DEEBF7"/>
+                    </a:solidFill>
+                  </a:tcPr>
+                </a:tc>
+                <a:tc>
+                  <a:txBody>
+                    <a:bodyPr/>
+                    <a:lstStyle/>
+                    <a:p>
+                      <a:pPr algn="ctr"/>
+                      <a:r>
+                        <a:rPr lang="en-US" sz="1400" b="0" noProof="0" dirty="0"/>
+                        <a:t>No</a:t>
+                      </a:r>
+                    </a:p>
+                  </a:txBody>
+                  <a:tcPr marL="51435" marR="51435" marT="25718" marB="25718" anchor="ctr">
+                    <a:solidFill>
+                      <a:srgbClr val="DEEBF7"/>
+                    </a:solidFill>
+                  </a:tcPr>
+                </a:tc>
+                <a:tc>
+                  <a:txBody>
+                    <a:bodyPr/>
+                    <a:lstStyle/>
+                    <a:p>
+                      <a:pPr algn="ctr"/>
+                      <a:r>
+                        <a:rPr lang="en-US" sz="1400" b="0" noProof="0" dirty="0"/>
+                        <a:t>Question Mark</a:t>
+                      </a:r>
+                    </a:p>
+                  </a:txBody>
+                  <a:tcPr marL="51435" marR="51435" marT="25718" marB="25718" anchor="ctr">
+                    <a:lnR w="12700" cap="flat" cmpd="sng" algn="ctr">
+                      <a:solidFill>
+                        <a:schemeClr val="tx1"/>
+                      </a:solidFill>
+                      <a:prstDash val="solid"/>
+                      <a:round/>
+                      <a:headEnd type="none" w="med" len="med"/>
+                      <a:tailEnd type="none" w="med" len="med"/>
+                    </a:lnR>
+                    <a:solidFill>
+                      <a:srgbClr val="DEEBF7"/>
+                    </a:solidFill>
+                  </a:tcPr>
+                </a:tc>
+                <a:extLst>
+                  <a:ext uri="{0D108BD9-81ED-4DB2-BD59-A6C34878D82A}">
+                    <a16:rowId xmlns:a16="http://schemas.microsoft.com/office/drawing/2014/main" val="1311913310"/>
+                  </a:ext>
+                </a:extLst>
+              </a:tr>
+              <a:tr h="370948">
+                <a:tc>
+                  <a:txBody>
+                    <a:bodyPr/>
+                    <a:lstStyle/>
+                    <a:p>
+                      <a:pPr algn="ctr"/>
+                      <a:r>
+                        <a:rPr lang="en-US" sz="1400" b="0" noProof="0" dirty="0"/>
+                        <a:t>Wrong</a:t>
+                      </a:r>
+                    </a:p>
+                  </a:txBody>
+                  <a:tcPr marL="51435" marR="51435" marT="25718" marB="25718" anchor="ctr">
+                    <a:lnL w="12700" cap="flat" cmpd="sng" algn="ctr">
+                      <a:solidFill>
+                        <a:schemeClr val="tx1"/>
+                      </a:solidFill>
+                      <a:prstDash val="solid"/>
+                      <a:round/>
+                      <a:headEnd type="none" w="med" len="med"/>
+                      <a:tailEnd type="none" w="med" len="med"/>
+                    </a:lnL>
+                    <a:lnB w="12700" cap="flat" cmpd="sng" algn="ctr">
+                      <a:solidFill>
+                        <a:schemeClr val="tx1"/>
+                      </a:solidFill>
+                      <a:prstDash val="solid"/>
+                      <a:round/>
+                      <a:headEnd type="none" w="med" len="med"/>
+                      <a:tailEnd type="none" w="med" len="med"/>
+                    </a:lnB>
+                    <a:solidFill>
+                      <a:srgbClr val="DE7A70"/>
+                    </a:solidFill>
+                  </a:tcPr>
+                </a:tc>
+                <a:tc>
+                  <a:txBody>
+                    <a:bodyPr/>
+                    <a:lstStyle/>
+                    <a:p>
+                      <a:pPr algn="ctr"/>
+                      <a:r>
+                        <a:rPr lang="en-US" sz="1400" b="0" noProof="0" dirty="0"/>
+                        <a:t>Wrong</a:t>
+                      </a:r>
+                    </a:p>
+                  </a:txBody>
+                  <a:tcPr marL="51435" marR="51435" marT="25718" marB="25718" anchor="ctr">
+                    <a:lnB w="12700" cap="flat" cmpd="sng" algn="ctr">
+                      <a:solidFill>
+                        <a:schemeClr val="tx1"/>
+                      </a:solidFill>
+                      <a:prstDash val="solid"/>
+                      <a:round/>
+                      <a:headEnd type="none" w="med" len="med"/>
+                      <a:tailEnd type="none" w="med" len="med"/>
+                    </a:lnB>
+                    <a:solidFill>
+                      <a:srgbClr val="DE7A70"/>
+                    </a:solidFill>
+                  </a:tcPr>
+                </a:tc>
+                <a:tc>
+                  <a:txBody>
+                    <a:bodyPr/>
+                    <a:lstStyle/>
+                    <a:p>
+                      <a:pPr algn="ctr"/>
+                      <a:r>
+                        <a:rPr lang="en-US" sz="1400" b="0" noProof="0" dirty="0"/>
+                        <a:t>Yes</a:t>
+                      </a:r>
+                    </a:p>
+                  </a:txBody>
+                  <a:tcPr marL="51435" marR="51435" marT="25718" marB="25718" anchor="ctr">
+                    <a:lnB w="12700" cap="flat" cmpd="sng" algn="ctr">
+                      <a:solidFill>
+                        <a:schemeClr val="tx1"/>
+                      </a:solidFill>
+                      <a:prstDash val="solid"/>
+                      <a:round/>
+                      <a:headEnd type="none" w="med" len="med"/>
+                      <a:tailEnd type="none" w="med" len="med"/>
+                    </a:lnB>
+                    <a:solidFill>
+                      <a:srgbClr val="DE7A70"/>
+                    </a:solidFill>
+                  </a:tcPr>
+                </a:tc>
+                <a:tc>
+                  <a:txBody>
+                    <a:bodyPr/>
+                    <a:lstStyle/>
+                    <a:p>
+                      <a:pPr algn="ctr"/>
+                      <a:r>
+                        <a:rPr lang="en-US" sz="1400" b="0" noProof="0" dirty="0"/>
+                        <a:t>Negative</a:t>
+                      </a:r>
+                    </a:p>
+                  </a:txBody>
+                  <a:tcPr marL="51435" marR="51435" marT="25718" marB="25718" anchor="ctr">
+                    <a:lnR w="12700" cap="flat" cmpd="sng" algn="ctr">
+                      <a:solidFill>
+                        <a:schemeClr val="tx1"/>
+                      </a:solidFill>
+                      <a:prstDash val="solid"/>
+                      <a:round/>
+                      <a:headEnd type="none" w="med" len="med"/>
+                      <a:tailEnd type="none" w="med" len="med"/>
+                    </a:lnR>
+                    <a:lnB w="12700" cap="flat" cmpd="sng" algn="ctr">
+                      <a:solidFill>
+                        <a:schemeClr val="tx1"/>
+                      </a:solidFill>
+                      <a:prstDash val="solid"/>
+                      <a:round/>
+                      <a:headEnd type="none" w="med" len="med"/>
+                      <a:tailEnd type="none" w="med" len="med"/>
+                    </a:lnB>
+                    <a:solidFill>
+                      <a:srgbClr val="DE7A70"/>
+                    </a:solidFill>
+                  </a:tcPr>
+                </a:tc>
+                <a:extLst>
+                  <a:ext uri="{0D108BD9-81ED-4DB2-BD59-A6C34878D82A}">
+                    <a16:rowId xmlns:a16="http://schemas.microsoft.com/office/drawing/2014/main" val="3996955078"/>
+                  </a:ext>
+                </a:extLst>
+              </a:tr>
+            </a:tbl>
+          </a:graphicData>
+        </a:graphic>
+      </p:graphicFrame>
+    </p:spTree>
+    <p:extLst>
+      <p:ext uri="{BB962C8B-B14F-4D97-AF65-F5344CB8AC3E}">
+        <p14:creationId xmlns:p14="http://schemas.microsoft.com/office/powerpoint/2010/main" val="3284666394"/>
+      </p:ext>
+    </p:extLst>
+  </p:cSld>
+  <p:clrMapOvr>
+    <a:masterClrMapping/>
+  </p:clrMapOvr>
+</p:sld>
+</file>
+
+<file path=ppt/slides/slide11.xml><?xml version="1.0" encoding="utf-8"?>
+<p:sld xmlns:a="http://schemas.openxmlformats.org/drawingml/2006/main" xmlns:r="http://schemas.openxmlformats.org/officeDocument/2006/relationships" xmlns:p="http://schemas.openxmlformats.org/presentationml/2006/main">
+  <p:cSld>
+    <p:spTree>
+      <p:nvGrpSpPr>
+        <p:cNvPr id="1" name=""/>
+        <p:cNvGrpSpPr/>
+        <p:nvPr/>
+      </p:nvGrpSpPr>
+      <p:grpSpPr>
+        <a:xfrm>
+          <a:off x="0" y="0"/>
+          <a:ext cx="0" cy="0"/>
+          <a:chOff x="0" y="0"/>
+          <a:chExt cx="0" cy="0"/>
+        </a:xfrm>
+      </p:grpSpPr>
+      <p:sp>
+        <p:nvSpPr>
+          <p:cNvPr id="4" name="CasellaDiTesto 3">
+            <a:extLst>
+              <a:ext uri="{FF2B5EF4-FFF2-40B4-BE49-F238E27FC236}">
+                <a16:creationId xmlns:a16="http://schemas.microsoft.com/office/drawing/2014/main" id="{81F79775-7CA2-4D31-82A1-4EFC38767F00}"/>
+              </a:ext>
+            </a:extLst>
+          </p:cNvPr>
+          <p:cNvSpPr txBox="1"/>
+          <p:nvPr/>
+        </p:nvSpPr>
+        <p:spPr>
+          <a:xfrm>
+            <a:off x="3009900" y="1340737"/>
+            <a:ext cx="6981825" cy="1477328"/>
+          </a:xfrm>
+          <a:prstGeom prst="rect">
+            <a:avLst/>
+          </a:prstGeom>
+          <a:noFill/>
+        </p:spPr>
+        <p:txBody>
+          <a:bodyPr wrap="square" rtlCol="0">
+            <a:spAutoFit/>
+          </a:bodyPr>
+          <a:lstStyle/>
+          <a:p>
+            <a:r>
+              <a:rPr lang="it-IT" dirty="0"/>
+              <a:t>Value </a:t>
+            </a:r>
+            <a:r>
+              <a:rPr lang="it-IT" dirty="0" err="1"/>
+              <a:t>proposition</a:t>
+            </a:r>
+            <a:endParaRPr lang="it-IT" dirty="0"/>
+          </a:p>
+          <a:p>
+            <a:r>
+              <a:rPr lang="en-GB" dirty="0"/>
+              <a:t>TamaDolphin has a lot of potential as a project thanks to its strength that is verbal Communication</a:t>
+            </a:r>
+          </a:p>
+          <a:p>
+            <a:endParaRPr lang="it-IT" dirty="0"/>
+          </a:p>
+          <a:p>
+            <a:r>
+              <a:rPr lang="it-IT" dirty="0"/>
+              <a:t>Cosa possiamo fare ancora</a:t>
+            </a:r>
+            <a:endParaRPr lang="en-GB" dirty="0"/>
+          </a:p>
+        </p:txBody>
+      </p:sp>
+    </p:spTree>
+    <p:extLst>
+      <p:ext uri="{BB962C8B-B14F-4D97-AF65-F5344CB8AC3E}">
+        <p14:creationId xmlns:p14="http://schemas.microsoft.com/office/powerpoint/2010/main" val="95320812"/>
+      </p:ext>
+    </p:extLst>
+  </p:cSld>
+  <p:clrMapOvr>
+    <a:masterClrMapping/>
+  </p:clrMapOvr>
+</p:sld>
+</file>
+
 <file path=ppt/slides/slide2.xml><?xml version="1.0" encoding="utf-8"?>
 <p:sld xmlns:a="http://schemas.openxmlformats.org/drawingml/2006/main" xmlns:r="http://schemas.openxmlformats.org/officeDocument/2006/relationships" xmlns:p="http://schemas.openxmlformats.org/presentationml/2006/main">
   <p:cSld>
@@ -12720,7 +14047,7 @@
         </p:nvSpPr>
         <p:spPr>
           <a:xfrm>
-            <a:off x="2406474" y="550416"/>
+            <a:off x="2289028" y="953088"/>
             <a:ext cx="8941464" cy="1877437"/>
           </a:xfrm>
           <a:prstGeom prst="rect">
@@ -12845,7 +14172,7 @@
         </p:nvSpPr>
         <p:spPr>
           <a:xfrm>
-            <a:off x="2406472" y="2733080"/>
+            <a:off x="2205137" y="3429000"/>
             <a:ext cx="8941465" cy="1538883"/>
           </a:xfrm>
           <a:prstGeom prst="rect">
@@ -12923,133 +14250,6 @@
               <a:t>and our project helps these children to discuss and solve common problems.</a:t>
             </a:r>
             <a:endParaRPr lang="it-IT" sz="2200" dirty="0"/>
-          </a:p>
-        </p:txBody>
-      </p:sp>
-      <p:sp>
-        <p:nvSpPr>
-          <p:cNvPr id="7" name="CasellaDiTesto 6">
-            <a:extLst>
-              <a:ext uri="{FF2B5EF4-FFF2-40B4-BE49-F238E27FC236}">
-                <a16:creationId xmlns:a16="http://schemas.microsoft.com/office/drawing/2014/main" id="{417E9B98-4BA4-4A88-8562-08E6B31DCC63}"/>
-              </a:ext>
-            </a:extLst>
-          </p:cNvPr>
-          <p:cNvSpPr txBox="1"/>
-          <p:nvPr/>
-        </p:nvSpPr>
-        <p:spPr>
-          <a:xfrm>
-            <a:off x="2406472" y="4577191"/>
-            <a:ext cx="7973855" cy="1200329"/>
-          </a:xfrm>
-          <a:prstGeom prst="rect">
-            <a:avLst/>
-          </a:prstGeom>
-          <a:noFill/>
-        </p:spPr>
-        <p:txBody>
-          <a:bodyPr wrap="square" rtlCol="0">
-            <a:spAutoFit/>
-          </a:bodyPr>
-          <a:lstStyle/>
-          <a:p>
-            <a:pPr algn="just"/>
-            <a:r>
-              <a:rPr lang="it-IT" sz="2800" b="1" dirty="0">
-                <a:ln w="19050" cmpd="sng">
-                  <a:solidFill>
-                    <a:schemeClr val="bg2">
-                      <a:lumMod val="50000"/>
-                    </a:schemeClr>
-                  </a:solidFill>
-                </a:ln>
-                <a:solidFill>
-                  <a:schemeClr val="tx2">
-                    <a:lumMod val="60000"/>
-                    <a:lumOff val="40000"/>
-                  </a:schemeClr>
-                </a:solidFill>
-              </a:rPr>
-              <a:t> </a:t>
-            </a:r>
-            <a:r>
-              <a:rPr lang="it-IT" sz="2600" b="1" dirty="0">
-                <a:ln w="19050" cmpd="sng">
-                  <a:solidFill>
-                    <a:schemeClr val="bg2">
-                      <a:lumMod val="50000"/>
-                    </a:schemeClr>
-                  </a:solidFill>
-                </a:ln>
-                <a:solidFill>
-                  <a:schemeClr val="tx2">
-                    <a:lumMod val="60000"/>
-                    <a:lumOff val="40000"/>
-                  </a:schemeClr>
-                </a:solidFill>
-              </a:rPr>
-              <a:t>HOW DID WE RESOLVE THIS PROBLEM?</a:t>
-            </a:r>
-          </a:p>
-          <a:p>
-            <a:pPr marL="285750" indent="-285750" algn="just">
-              <a:buFontTx/>
-              <a:buChar char="-"/>
-            </a:pPr>
-            <a:r>
-              <a:rPr lang="it-IT" sz="2200" dirty="0"/>
-              <a:t>With a </a:t>
-            </a:r>
-            <a:r>
-              <a:rPr lang="it-IT" sz="2200" dirty="0" err="1"/>
-              <a:t>tangible</a:t>
-            </a:r>
-            <a:r>
-              <a:rPr lang="it-IT" sz="2200" dirty="0"/>
-              <a:t>-VR game </a:t>
-            </a:r>
-            <a:r>
-              <a:rPr lang="it-IT" sz="2200" dirty="0" err="1"/>
-              <a:t>between</a:t>
-            </a:r>
-            <a:r>
-              <a:rPr lang="it-IT" sz="2200" dirty="0"/>
-              <a:t> </a:t>
-            </a:r>
-            <a:r>
-              <a:rPr lang="it-IT" sz="2200" dirty="0" err="1"/>
-              <a:t>two</a:t>
-            </a:r>
-            <a:r>
-              <a:rPr lang="it-IT" sz="2200" dirty="0"/>
-              <a:t> </a:t>
-            </a:r>
-            <a:r>
-              <a:rPr lang="it-IT" sz="2200" dirty="0" err="1"/>
-              <a:t>children</a:t>
-            </a:r>
-            <a:r>
-              <a:rPr lang="it-IT" sz="2200" dirty="0"/>
-              <a:t> </a:t>
-            </a:r>
-            <a:r>
-              <a:rPr lang="it-IT" sz="2200" dirty="0" err="1"/>
-              <a:t>collaborating</a:t>
-            </a:r>
-            <a:r>
-              <a:rPr lang="it-IT" sz="2200" dirty="0"/>
-              <a:t> </a:t>
-            </a:r>
-            <a:r>
-              <a:rPr lang="en-GB" sz="2200" dirty="0"/>
-              <a:t>together to achieve the same goal in two different ways</a:t>
-            </a:r>
-            <a:r>
-              <a:rPr lang="it-IT" sz="2200" dirty="0"/>
-              <a:t>.</a:t>
-            </a:r>
-            <a:endParaRPr lang="en-GB" sz="2200" dirty="0"/>
           </a:p>
         </p:txBody>
       </p:sp>
@@ -13085,10 +14285,1143 @@
       </p:grpSpPr>
       <p:sp>
         <p:nvSpPr>
+          <p:cNvPr id="5" name="Rettangolo 4">
+            <a:extLst>
+              <a:ext uri="{FF2B5EF4-FFF2-40B4-BE49-F238E27FC236}">
+                <a16:creationId xmlns:a16="http://schemas.microsoft.com/office/drawing/2014/main" id="{B80C4BB3-DA8A-4AF8-A601-60B835191EAD}"/>
+              </a:ext>
+            </a:extLst>
+          </p:cNvPr>
+          <p:cNvSpPr/>
+          <p:nvPr/>
+        </p:nvSpPr>
+        <p:spPr>
+          <a:xfrm>
+            <a:off x="6961832" y="476580"/>
+            <a:ext cx="4505918" cy="1877437"/>
+          </a:xfrm>
+          <a:prstGeom prst="rect">
+            <a:avLst/>
+          </a:prstGeom>
+        </p:spPr>
+        <p:txBody>
+          <a:bodyPr wrap="square">
+            <a:spAutoFit/>
+          </a:bodyPr>
+          <a:lstStyle/>
+          <a:p>
+            <a:r>
+              <a:rPr lang="en-US" sz="2600" b="1" dirty="0">
+                <a:ln w="19050" cmpd="sng">
+                  <a:solidFill>
+                    <a:schemeClr val="bg2">
+                      <a:lumMod val="50000"/>
+                    </a:schemeClr>
+                  </a:solidFill>
+                </a:ln>
+                <a:solidFill>
+                  <a:schemeClr val="tx2">
+                    <a:lumMod val="60000"/>
+                    <a:lumOff val="40000"/>
+                  </a:schemeClr>
+                </a:solidFill>
+              </a:rPr>
+              <a:t>Goals</a:t>
+            </a:r>
+          </a:p>
+          <a:p>
+            <a:pPr marL="285750" indent="-285750">
+              <a:buFont typeface="Wingdings" panose="05000000000000000000" pitchFamily="2" charset="2"/>
+              <a:buChar char="Ø"/>
+            </a:pPr>
+            <a:r>
+              <a:rPr lang="en-US" dirty="0"/>
+              <a:t>Stimulate </a:t>
+            </a:r>
+            <a:r>
+              <a:rPr lang="en-US" b="1" dirty="0"/>
+              <a:t>collaboration.</a:t>
+            </a:r>
+          </a:p>
+          <a:p>
+            <a:pPr marL="285750" indent="-285750">
+              <a:buFont typeface="Wingdings" panose="05000000000000000000" pitchFamily="2" charset="2"/>
+              <a:buChar char="Ø"/>
+            </a:pPr>
+            <a:r>
+              <a:rPr lang="en-US" dirty="0"/>
+              <a:t>Improve </a:t>
+            </a:r>
+            <a:r>
+              <a:rPr lang="en-US" b="1" dirty="0"/>
+              <a:t>coordination.</a:t>
+            </a:r>
+          </a:p>
+          <a:p>
+            <a:pPr marL="285750" indent="-285750">
+              <a:buFont typeface="Wingdings" panose="05000000000000000000" pitchFamily="2" charset="2"/>
+              <a:buChar char="Ø"/>
+            </a:pPr>
+            <a:r>
+              <a:rPr lang="en-US" dirty="0">
+                <a:effectLst/>
+              </a:rPr>
+              <a:t>Maintain a high </a:t>
+            </a:r>
+            <a:r>
+              <a:rPr lang="en-US" b="1" dirty="0">
+                <a:effectLst/>
+              </a:rPr>
+              <a:t>concentration.</a:t>
+            </a:r>
+            <a:endParaRPr lang="it-IT" b="1" dirty="0"/>
+          </a:p>
+          <a:p>
+            <a:pPr marL="285750" indent="-285750">
+              <a:buFont typeface="Wingdings" panose="05000000000000000000" pitchFamily="2" charset="2"/>
+              <a:buChar char="Ø"/>
+            </a:pPr>
+            <a:r>
+              <a:rPr lang="en-US" b="1" dirty="0"/>
+              <a:t>Learn</a:t>
+            </a:r>
+            <a:r>
+              <a:rPr lang="it-IT" dirty="0"/>
+              <a:t> the </a:t>
+            </a:r>
+            <a:r>
+              <a:rPr lang="en-US" dirty="0">
+                <a:effectLst/>
+              </a:rPr>
+              <a:t>ability to interpret the </a:t>
+            </a:r>
+            <a:r>
+              <a:rPr lang="en-US" b="1" dirty="0">
+                <a:effectLst/>
+              </a:rPr>
+              <a:t>needs</a:t>
+            </a:r>
+            <a:r>
+              <a:rPr lang="en-US" dirty="0">
+                <a:effectLst/>
+              </a:rPr>
+              <a:t> of others. </a:t>
+            </a:r>
+          </a:p>
+        </p:txBody>
+      </p:sp>
+      <p:sp>
+        <p:nvSpPr>
+          <p:cNvPr id="6" name="Rettangolo 5">
+            <a:extLst>
+              <a:ext uri="{FF2B5EF4-FFF2-40B4-BE49-F238E27FC236}">
+                <a16:creationId xmlns:a16="http://schemas.microsoft.com/office/drawing/2014/main" id="{E33B2458-928C-4D30-94A9-34A4AB533333}"/>
+              </a:ext>
+            </a:extLst>
+          </p:cNvPr>
+          <p:cNvSpPr/>
+          <p:nvPr/>
+        </p:nvSpPr>
+        <p:spPr>
+          <a:xfrm>
+            <a:off x="1344869" y="346560"/>
+            <a:ext cx="5240488" cy="1877437"/>
+          </a:xfrm>
+          <a:prstGeom prst="rect">
+            <a:avLst/>
+          </a:prstGeom>
+        </p:spPr>
+        <p:txBody>
+          <a:bodyPr wrap="square">
+            <a:spAutoFit/>
+          </a:bodyPr>
+          <a:lstStyle/>
+          <a:p>
+            <a:r>
+              <a:rPr lang="en-US" sz="2600" b="1" dirty="0">
+                <a:ln w="19050" cmpd="sng">
+                  <a:solidFill>
+                    <a:schemeClr val="bg2">
+                      <a:lumMod val="50000"/>
+                    </a:schemeClr>
+                  </a:solidFill>
+                </a:ln>
+                <a:solidFill>
+                  <a:schemeClr val="tx2">
+                    <a:lumMod val="60000"/>
+                    <a:lumOff val="40000"/>
+                  </a:schemeClr>
+                </a:solidFill>
+              </a:rPr>
+              <a:t>Needs</a:t>
+            </a:r>
+          </a:p>
+          <a:p>
+            <a:pPr marL="285750" indent="-285750">
+              <a:buFont typeface="Wingdings" panose="05000000000000000000" pitchFamily="2" charset="2"/>
+              <a:buChar char="Ø"/>
+            </a:pPr>
+            <a:r>
+              <a:rPr lang="en-GB" dirty="0"/>
+              <a:t>Provide an application specifically designed for </a:t>
+            </a:r>
+            <a:r>
+              <a:rPr lang="en-GB" b="1" dirty="0"/>
+              <a:t>disabled(NDD) children.</a:t>
+            </a:r>
+            <a:endParaRPr lang="en-US" dirty="0"/>
+          </a:p>
+          <a:p>
+            <a:pPr marL="285750" indent="-285750">
+              <a:buFont typeface="Wingdings" panose="05000000000000000000" pitchFamily="2" charset="2"/>
+              <a:buChar char="Ø"/>
+            </a:pPr>
+            <a:r>
+              <a:rPr lang="en-US" dirty="0"/>
+              <a:t>A way to stimulate</a:t>
+            </a:r>
+            <a:r>
+              <a:rPr lang="en-US" b="1" dirty="0"/>
+              <a:t> </a:t>
+            </a:r>
+            <a:r>
+              <a:rPr lang="en-US" dirty="0"/>
+              <a:t>and improve the users capacity of </a:t>
+            </a:r>
+            <a:r>
+              <a:rPr lang="en-US" b="1" dirty="0"/>
+              <a:t>communication</a:t>
+            </a:r>
+            <a:r>
+              <a:rPr lang="en-US" dirty="0"/>
+              <a:t>.</a:t>
+            </a:r>
+          </a:p>
+          <a:p>
+            <a:pPr marL="285750" indent="-285750">
+              <a:buFont typeface="Wingdings" panose="05000000000000000000" pitchFamily="2" charset="2"/>
+              <a:buChar char="Ø"/>
+            </a:pPr>
+            <a:r>
+              <a:rPr lang="en-US" dirty="0"/>
+              <a:t>Develop an higher level of </a:t>
+            </a:r>
+            <a:r>
+              <a:rPr lang="en-US" b="1" dirty="0"/>
+              <a:t>attention </a:t>
+            </a:r>
+            <a:r>
+              <a:rPr lang="en-US" dirty="0"/>
+              <a:t>of the users</a:t>
+            </a:r>
+            <a:r>
+              <a:rPr lang="en-US" b="1" dirty="0"/>
+              <a:t>.</a:t>
+            </a:r>
+          </a:p>
+        </p:txBody>
+      </p:sp>
+      <p:sp>
+        <p:nvSpPr>
+          <p:cNvPr id="7" name="Rettangolo 6">
+            <a:extLst>
+              <a:ext uri="{FF2B5EF4-FFF2-40B4-BE49-F238E27FC236}">
+                <a16:creationId xmlns:a16="http://schemas.microsoft.com/office/drawing/2014/main" id="{68F62DD3-AF3C-4B35-A48C-D4ADCF45E33D}"/>
+              </a:ext>
+            </a:extLst>
+          </p:cNvPr>
+          <p:cNvSpPr/>
+          <p:nvPr/>
+        </p:nvSpPr>
+        <p:spPr>
+          <a:xfrm>
+            <a:off x="1451459" y="2595769"/>
+            <a:ext cx="9289082" cy="3816429"/>
+          </a:xfrm>
+          <a:prstGeom prst="rect">
+            <a:avLst/>
+          </a:prstGeom>
+        </p:spPr>
+        <p:txBody>
+          <a:bodyPr wrap="square">
+            <a:spAutoFit/>
+          </a:bodyPr>
+          <a:lstStyle/>
+          <a:p>
+            <a:r>
+              <a:rPr lang="en-US" sz="2600" b="1" dirty="0">
+                <a:ln w="19050" cmpd="sng">
+                  <a:solidFill>
+                    <a:schemeClr val="bg2">
+                      <a:lumMod val="50000"/>
+                    </a:schemeClr>
+                  </a:solidFill>
+                </a:ln>
+                <a:solidFill>
+                  <a:schemeClr val="tx2">
+                    <a:lumMod val="60000"/>
+                    <a:lumOff val="40000"/>
+                  </a:schemeClr>
+                </a:solidFill>
+              </a:rPr>
+              <a:t>Requirements</a:t>
+            </a:r>
+            <a:endParaRPr lang="en-US" sz="2000" b="1" dirty="0">
+              <a:solidFill>
+                <a:srgbClr val="C00000"/>
+              </a:solidFill>
+            </a:endParaRPr>
+          </a:p>
+          <a:p>
+            <a:pPr marL="285750" indent="-285750">
+              <a:buFont typeface="Wingdings" panose="05000000000000000000" pitchFamily="2" charset="2"/>
+              <a:buChar char="Ø"/>
+            </a:pPr>
+            <a:r>
+              <a:rPr lang="en-US" dirty="0"/>
+              <a:t>There must be 2 users(NDD children) and a therapist.</a:t>
+            </a:r>
+          </a:p>
+          <a:p>
+            <a:pPr marL="285750" indent="-285750">
+              <a:buFont typeface="Wingdings" panose="05000000000000000000" pitchFamily="2" charset="2"/>
+              <a:buChar char="Ø"/>
+            </a:pPr>
+            <a:r>
+              <a:rPr lang="en-US" dirty="0"/>
+              <a:t>There must be a 3D model of a dolphin, in a VR world, that simulates the main human needs.</a:t>
+            </a:r>
+          </a:p>
+          <a:p>
+            <a:pPr marL="285750" indent="-285750">
+              <a:buFont typeface="Wingdings" panose="05000000000000000000" pitchFamily="2" charset="2"/>
+              <a:buChar char="Ø"/>
+            </a:pPr>
+            <a:r>
+              <a:rPr lang="en-US" dirty="0"/>
+              <a:t>One of the users must use a “Smart” dolphin puppet, which replicates the main human needs.</a:t>
+            </a:r>
+          </a:p>
+          <a:p>
+            <a:pPr marL="285750" indent="-285750">
+              <a:buFont typeface="Wingdings" panose="05000000000000000000" pitchFamily="2" charset="2"/>
+              <a:buChar char="Ø"/>
+            </a:pPr>
+            <a:r>
+              <a:rPr lang="en-US" dirty="0"/>
+              <a:t>The two representations of the dolphin must simulate the same need while in the corresponding game phase.</a:t>
+            </a:r>
+          </a:p>
+          <a:p>
+            <a:pPr marL="285750" indent="-285750">
+              <a:buFont typeface="Wingdings" panose="05000000000000000000" pitchFamily="2" charset="2"/>
+              <a:buChar char="Ø"/>
+            </a:pPr>
+            <a:r>
+              <a:rPr lang="en-US" dirty="0"/>
+              <a:t>The two users have to resolve together the same dolphin need.</a:t>
+            </a:r>
+          </a:p>
+          <a:p>
+            <a:pPr marL="285750" indent="-285750">
+              <a:buFont typeface="Wingdings" panose="05000000000000000000" pitchFamily="2" charset="2"/>
+              <a:buChar char="Ø"/>
+            </a:pPr>
+            <a:r>
+              <a:rPr lang="en-US" dirty="0"/>
+              <a:t>When one of the users is resolving the task, the other must be careful and wait for next instruction.</a:t>
+            </a:r>
+          </a:p>
+          <a:p>
+            <a:pPr marL="285750" indent="-285750">
+              <a:buFont typeface="Wingdings" panose="05000000000000000000" pitchFamily="2" charset="2"/>
+              <a:buChar char="Ø"/>
+            </a:pPr>
+            <a:r>
+              <a:rPr lang="en-US" dirty="0"/>
+              <a:t>Incorrect decisions should be used to improve communication.</a:t>
+            </a:r>
+          </a:p>
+          <a:p>
+            <a:pPr marL="285750" indent="-285750">
+              <a:buFont typeface="Wingdings" panose="05000000000000000000" pitchFamily="2" charset="2"/>
+              <a:buChar char="Ø"/>
+            </a:pPr>
+            <a:r>
+              <a:rPr lang="en-US" dirty="0"/>
+              <a:t>The communication parts must be translated into system input.</a:t>
+            </a:r>
+          </a:p>
+          <a:p>
+            <a:pPr marL="285750" indent="-285750">
+              <a:buFont typeface="Wingdings" panose="05000000000000000000" pitchFamily="2" charset="2"/>
+              <a:buChar char="Ø"/>
+            </a:pPr>
+            <a:r>
+              <a:rPr lang="en-US" dirty="0"/>
+              <a:t>Therapist must use the website application to translate the verbal communication of the VR user.</a:t>
+            </a:r>
+          </a:p>
+          <a:p>
+            <a:pPr marL="285750" indent="-285750">
+              <a:buFont typeface="Wingdings" panose="05000000000000000000" pitchFamily="2" charset="2"/>
+              <a:buChar char="Ø"/>
+            </a:pPr>
+            <a:r>
+              <a:rPr lang="en-US" dirty="0"/>
+              <a:t>The two dolphins must emit feedback based on the input correctness.</a:t>
+            </a:r>
+          </a:p>
+        </p:txBody>
+      </p:sp>
+    </p:spTree>
+    <p:extLst>
+      <p:ext uri="{BB962C8B-B14F-4D97-AF65-F5344CB8AC3E}">
+        <p14:creationId xmlns:p14="http://schemas.microsoft.com/office/powerpoint/2010/main" val="2790396442"/>
+      </p:ext>
+    </p:extLst>
+  </p:cSld>
+  <p:clrMapOvr>
+    <a:masterClrMapping/>
+  </p:clrMapOvr>
+</p:sld>
+</file>
+
+<file path=ppt/slides/slide4.xml><?xml version="1.0" encoding="utf-8"?>
+<p:sld xmlns:a="http://schemas.openxmlformats.org/drawingml/2006/main" xmlns:r="http://schemas.openxmlformats.org/officeDocument/2006/relationships" xmlns:p="http://schemas.openxmlformats.org/presentationml/2006/main">
+  <p:cSld>
+    <p:spTree>
+      <p:nvGrpSpPr>
+        <p:cNvPr id="1" name=""/>
+        <p:cNvGrpSpPr/>
+        <p:nvPr/>
+      </p:nvGrpSpPr>
+      <p:grpSpPr>
+        <a:xfrm>
+          <a:off x="0" y="0"/>
+          <a:ext cx="0" cy="0"/>
+          <a:chOff x="0" y="0"/>
+          <a:chExt cx="0" cy="0"/>
+        </a:xfrm>
+      </p:grpSpPr>
+      <p:sp>
+        <p:nvSpPr>
+          <p:cNvPr id="4" name="Rettangolo 3"/>
+          <p:cNvSpPr/>
+          <p:nvPr/>
+        </p:nvSpPr>
+        <p:spPr>
+          <a:xfrm>
+            <a:off x="394854" y="1067030"/>
+            <a:ext cx="11402292" cy="923330"/>
+          </a:xfrm>
+          <a:prstGeom prst="rect">
+            <a:avLst/>
+          </a:prstGeom>
+        </p:spPr>
+        <p:txBody>
+          <a:bodyPr wrap="square">
+            <a:spAutoFit/>
+          </a:bodyPr>
+          <a:lstStyle/>
+          <a:p>
+            <a:pPr marL="285750" indent="-285750">
+              <a:buFont typeface="Arial" panose="020B0604020202020204" pitchFamily="34" charset="0"/>
+              <a:buChar char="•"/>
+            </a:pPr>
+            <a:r>
+              <a:rPr lang="en-US" dirty="0"/>
+              <a:t>There are no similar projects that use the two technologies on two different users.</a:t>
+            </a:r>
+          </a:p>
+          <a:p>
+            <a:pPr marL="285750" indent="-285750">
+              <a:buFont typeface="Arial" panose="020B0604020202020204" pitchFamily="34" charset="0"/>
+              <a:buChar char="•"/>
+            </a:pPr>
+            <a:endParaRPr lang="en-US" dirty="0"/>
+          </a:p>
+          <a:p>
+            <a:pPr marL="285750" indent="-285750">
+              <a:buFont typeface="Arial" panose="020B0604020202020204" pitchFamily="34" charset="0"/>
+              <a:buChar char="•"/>
+            </a:pPr>
+            <a:endParaRPr lang="en-US" dirty="0"/>
+          </a:p>
+        </p:txBody>
+      </p:sp>
+      <p:graphicFrame>
+        <p:nvGraphicFramePr>
+          <p:cNvPr id="2" name="Tabella 1"/>
+          <p:cNvGraphicFramePr>
+            <a:graphicFrameLocks noGrp="1"/>
+          </p:cNvGraphicFramePr>
+          <p:nvPr>
+            <p:extLst>
+              <p:ext uri="{D42A27DB-BD31-4B8C-83A1-F6EECF244321}">
+                <p14:modId xmlns:p14="http://schemas.microsoft.com/office/powerpoint/2010/main" val="763156831"/>
+              </p:ext>
+            </p:extLst>
+          </p:nvPr>
+        </p:nvGraphicFramePr>
+        <p:xfrm>
+          <a:off x="3616948" y="1528695"/>
+          <a:ext cx="8180198" cy="2473960"/>
+        </p:xfrm>
+        <a:graphic>
+          <a:graphicData uri="http://schemas.openxmlformats.org/drawingml/2006/table">
+            <a:tbl>
+              <a:tblPr firstRow="1" bandRow="1">
+                <a:tableStyleId>{5C22544A-7EE6-4342-B048-85BDC9FD1C3A}</a:tableStyleId>
+              </a:tblPr>
+              <a:tblGrid>
+                <a:gridCol w="4116198">
+                  <a:extLst>
+                    <a:ext uri="{9D8B030D-6E8A-4147-A177-3AD203B41FA5}">
+                      <a16:colId xmlns:a16="http://schemas.microsoft.com/office/drawing/2014/main" val="3500070022"/>
+                    </a:ext>
+                  </a:extLst>
+                </a:gridCol>
+                <a:gridCol w="4064000">
+                  <a:extLst>
+                    <a:ext uri="{9D8B030D-6E8A-4147-A177-3AD203B41FA5}">
+                      <a16:colId xmlns:a16="http://schemas.microsoft.com/office/drawing/2014/main" val="1314870326"/>
+                    </a:ext>
+                  </a:extLst>
+                </a:gridCol>
+              </a:tblGrid>
+              <a:tr h="370840">
+                <a:tc>
+                  <a:txBody>
+                    <a:bodyPr/>
+                    <a:lstStyle/>
+                    <a:p>
+                      <a:r>
+                        <a:rPr lang="it-IT" dirty="0"/>
+                        <a:t>OTHER </a:t>
+                      </a:r>
+                      <a:r>
+                        <a:rPr lang="it-IT" b="1" dirty="0"/>
+                        <a:t>PROJECTS</a:t>
+                      </a:r>
+                    </a:p>
+                  </a:txBody>
+                  <a:tcPr/>
+                </a:tc>
+                <a:tc>
+                  <a:txBody>
+                    <a:bodyPr/>
+                    <a:lstStyle/>
+                    <a:p>
+                      <a:r>
+                        <a:rPr lang="it-IT" dirty="0"/>
+                        <a:t>OUR PROJECT</a:t>
+                      </a:r>
+                    </a:p>
+                  </a:txBody>
+                  <a:tcPr/>
+                </a:tc>
+                <a:extLst>
+                  <a:ext uri="{0D108BD9-81ED-4DB2-BD59-A6C34878D82A}">
+                    <a16:rowId xmlns:a16="http://schemas.microsoft.com/office/drawing/2014/main" val="2926626845"/>
+                  </a:ext>
+                </a:extLst>
+              </a:tr>
+              <a:tr h="370840">
+                <a:tc>
+                  <a:txBody>
+                    <a:bodyPr/>
+                    <a:lstStyle/>
+                    <a:p>
+                      <a:r>
+                        <a:rPr lang="en-US" dirty="0"/>
+                        <a:t>VR is used to free up anxiety and isolate</a:t>
+                      </a:r>
+                      <a:endParaRPr lang="it-IT" dirty="0"/>
+                    </a:p>
+                  </a:txBody>
+                  <a:tcPr/>
+                </a:tc>
+                <a:tc>
+                  <a:txBody>
+                    <a:bodyPr/>
+                    <a:lstStyle/>
+                    <a:p>
+                      <a:pPr marL="0" marR="0" lvl="0" indent="0" algn="l" defTabSz="914400" rtl="0" eaLnBrk="1" fontAlgn="auto" latinLnBrk="0" hangingPunct="1">
+                        <a:lnSpc>
+                          <a:spcPct val="100000"/>
+                        </a:lnSpc>
+                        <a:spcBef>
+                          <a:spcPts val="0"/>
+                        </a:spcBef>
+                        <a:spcAft>
+                          <a:spcPts val="0"/>
+                        </a:spcAft>
+                        <a:buClrTx/>
+                        <a:buSzTx/>
+                        <a:buFontTx/>
+                        <a:buNone/>
+                        <a:tabLst/>
+                        <a:defRPr/>
+                      </a:pPr>
+                      <a:r>
+                        <a:rPr lang="en-US" dirty="0"/>
+                        <a:t>We use it to focus </a:t>
+                      </a:r>
+                      <a:r>
+                        <a:rPr lang="en-US" b="1" dirty="0"/>
+                        <a:t>attention</a:t>
+                      </a:r>
+                      <a:r>
+                        <a:rPr lang="en-US" dirty="0"/>
+                        <a:t> on a single object and create an ideal environment </a:t>
+                      </a:r>
+                      <a:r>
+                        <a:rPr lang="en-US" b="1" dirty="0"/>
+                        <a:t>to wait </a:t>
+                      </a:r>
+                      <a:r>
+                        <a:rPr lang="en-US" dirty="0"/>
+                        <a:t>without too much distraction</a:t>
+                      </a:r>
+                      <a:r>
+                        <a:rPr lang="it-IT" dirty="0"/>
+                        <a:t>.</a:t>
+                      </a:r>
+                    </a:p>
+                    <a:p>
+                      <a:endParaRPr lang="it-IT" dirty="0"/>
+                    </a:p>
+                  </a:txBody>
+                  <a:tcPr/>
+                </a:tc>
+                <a:extLst>
+                  <a:ext uri="{0D108BD9-81ED-4DB2-BD59-A6C34878D82A}">
+                    <a16:rowId xmlns:a16="http://schemas.microsoft.com/office/drawing/2014/main" val="3385213894"/>
+                  </a:ext>
+                </a:extLst>
+              </a:tr>
+              <a:tr h="370840">
+                <a:tc>
+                  <a:txBody>
+                    <a:bodyPr/>
+                    <a:lstStyle/>
+                    <a:p>
+                      <a:pPr marL="0" marR="0" lvl="0" indent="0" algn="l" defTabSz="914400" rtl="0" eaLnBrk="1" fontAlgn="auto" latinLnBrk="0" hangingPunct="1">
+                        <a:lnSpc>
+                          <a:spcPct val="100000"/>
+                        </a:lnSpc>
+                        <a:spcBef>
+                          <a:spcPts val="0"/>
+                        </a:spcBef>
+                        <a:spcAft>
+                          <a:spcPts val="0"/>
+                        </a:spcAft>
+                        <a:buClrTx/>
+                        <a:buSzTx/>
+                        <a:buFontTx/>
+                        <a:buNone/>
+                        <a:tabLst/>
+                        <a:defRPr/>
+                      </a:pPr>
+                      <a:r>
+                        <a:rPr lang="it-IT" dirty="0"/>
+                        <a:t>T</a:t>
+                      </a:r>
+                      <a:r>
+                        <a:rPr lang="en-US" dirty="0"/>
+                        <a:t>he smart object is used for therapy and relaxation methods</a:t>
+                      </a:r>
+                      <a:endParaRPr lang="it-IT" dirty="0"/>
+                    </a:p>
+                    <a:p>
+                      <a:endParaRPr lang="it-IT" dirty="0"/>
+                    </a:p>
+                  </a:txBody>
+                  <a:tcPr/>
+                </a:tc>
+                <a:tc>
+                  <a:txBody>
+                    <a:bodyPr/>
+                    <a:lstStyle/>
+                    <a:p>
+                      <a:r>
+                        <a:rPr lang="en-US" dirty="0"/>
+                        <a:t>We use it as a means to </a:t>
+                      </a:r>
+                      <a:r>
+                        <a:rPr lang="en-US" b="1" dirty="0"/>
+                        <a:t>solve tasks </a:t>
+                      </a:r>
+                      <a:r>
+                        <a:rPr lang="en-US" dirty="0"/>
+                        <a:t>and </a:t>
+                      </a:r>
+                      <a:r>
+                        <a:rPr lang="en-US" b="1" dirty="0"/>
+                        <a:t>simulate the needs</a:t>
+                      </a:r>
+                      <a:r>
+                        <a:rPr lang="en-US" dirty="0"/>
+                        <a:t> of the object.</a:t>
+                      </a:r>
+                      <a:endParaRPr lang="it-IT" dirty="0"/>
+                    </a:p>
+                  </a:txBody>
+                  <a:tcPr/>
+                </a:tc>
+                <a:extLst>
+                  <a:ext uri="{0D108BD9-81ED-4DB2-BD59-A6C34878D82A}">
+                    <a16:rowId xmlns:a16="http://schemas.microsoft.com/office/drawing/2014/main" val="1804923165"/>
+                  </a:ext>
+                </a:extLst>
+              </a:tr>
+            </a:tbl>
+          </a:graphicData>
+        </a:graphic>
+      </p:graphicFrame>
+      <p:sp>
+        <p:nvSpPr>
+          <p:cNvPr id="3" name="Rettangolo 2"/>
+          <p:cNvSpPr/>
+          <p:nvPr/>
+        </p:nvSpPr>
+        <p:spPr>
+          <a:xfrm>
+            <a:off x="394854" y="5598654"/>
+            <a:ext cx="11402292" cy="646331"/>
+          </a:xfrm>
+          <a:prstGeom prst="rect">
+            <a:avLst/>
+          </a:prstGeom>
+        </p:spPr>
+        <p:txBody>
+          <a:bodyPr wrap="square">
+            <a:spAutoFit/>
+          </a:bodyPr>
+          <a:lstStyle/>
+          <a:p>
+            <a:r>
+              <a:rPr lang="en-US" dirty="0"/>
+              <a:t>-&gt; Our project deals with a research topic that is not much developed: the </a:t>
+            </a:r>
+            <a:r>
+              <a:rPr lang="en-US" b="1" dirty="0"/>
+              <a:t>collaboration between disabled </a:t>
+            </a:r>
+            <a:r>
+              <a:rPr lang="en-US" dirty="0"/>
+              <a:t>children and </a:t>
+            </a:r>
+            <a:r>
+              <a:rPr lang="en-US" b="1" dirty="0"/>
+              <a:t>communication between two different technologies</a:t>
+            </a:r>
+            <a:r>
+              <a:rPr lang="en-US" dirty="0"/>
+              <a:t>.</a:t>
+            </a:r>
+          </a:p>
+        </p:txBody>
+      </p:sp>
+      <p:sp>
+        <p:nvSpPr>
+          <p:cNvPr id="5" name="Rettangolo 4"/>
+          <p:cNvSpPr/>
+          <p:nvPr/>
+        </p:nvSpPr>
+        <p:spPr>
+          <a:xfrm>
+            <a:off x="0" y="226920"/>
+            <a:ext cx="12192000" cy="492443"/>
+          </a:xfrm>
+          <a:prstGeom prst="rect">
+            <a:avLst/>
+          </a:prstGeom>
+        </p:spPr>
+        <p:txBody>
+          <a:bodyPr wrap="square">
+            <a:spAutoFit/>
+          </a:bodyPr>
+          <a:lstStyle/>
+          <a:p>
+            <a:pPr algn="ctr"/>
+            <a:r>
+              <a:rPr lang="en-US" sz="2600" b="1" dirty="0">
+                <a:ln w="19050" cmpd="sng">
+                  <a:solidFill>
+                    <a:schemeClr val="bg2">
+                      <a:lumMod val="50000"/>
+                    </a:schemeClr>
+                  </a:solidFill>
+                </a:ln>
+                <a:solidFill>
+                  <a:schemeClr val="tx2">
+                    <a:lumMod val="60000"/>
+                    <a:lumOff val="40000"/>
+                  </a:schemeClr>
+                </a:solidFill>
+              </a:rPr>
+              <a:t>STUDY OF THE "STATE OF THE ART" </a:t>
+            </a:r>
+          </a:p>
+        </p:txBody>
+      </p:sp>
+      <p:sp>
+        <p:nvSpPr>
+          <p:cNvPr id="7" name="Rettangolo 6">
+            <a:extLst>
+              <a:ext uri="{FF2B5EF4-FFF2-40B4-BE49-F238E27FC236}">
+                <a16:creationId xmlns:a16="http://schemas.microsoft.com/office/drawing/2014/main" id="{25587D03-D72B-4A0D-9531-EF2FA8795541}"/>
+              </a:ext>
+            </a:extLst>
+          </p:cNvPr>
+          <p:cNvSpPr/>
+          <p:nvPr/>
+        </p:nvSpPr>
+        <p:spPr>
+          <a:xfrm>
+            <a:off x="1317072" y="1450848"/>
+            <a:ext cx="8951053" cy="3416320"/>
+          </a:xfrm>
+          <a:prstGeom prst="rect">
+            <a:avLst/>
+          </a:prstGeom>
+        </p:spPr>
+        <p:txBody>
+          <a:bodyPr wrap="square">
+            <a:spAutoFit/>
+          </a:bodyPr>
+          <a:lstStyle/>
+          <a:p>
+            <a:r>
+              <a:rPr lang="en-GB" dirty="0"/>
+              <a:t>Many therapeutic activities are aimed at improving certain aspects of verbal communication in autistic children.</a:t>
+            </a:r>
+          </a:p>
+          <a:p>
+            <a:r>
+              <a:rPr lang="en-GB" dirty="0"/>
+              <a:t>Using innovative technologies with autistic children and young people allows to present the didactic and educational material choosing a mainly visual-spatial language that we know to be their strong point.</a:t>
+            </a:r>
+          </a:p>
+          <a:p>
+            <a:r>
+              <a:rPr lang="en-GB" dirty="0"/>
+              <a:t>Some recent scientific studies have shown improvements in social skills by some adolescents with autism after the use of advanced technologies. Our project is a combination of two different technologies: virtual reality and smart object. Each child will have to use one of the two technologies. Our project deals with a research topic that is not much developed: the collaboration between disabled children and communication between two different technologies. There are no similar projects to ours, which use the two technologies simultaneously on two different users.</a:t>
+            </a:r>
+          </a:p>
+        </p:txBody>
+      </p:sp>
+    </p:spTree>
+    <p:extLst>
+      <p:ext uri="{BB962C8B-B14F-4D97-AF65-F5344CB8AC3E}">
+        <p14:creationId xmlns:p14="http://schemas.microsoft.com/office/powerpoint/2010/main" val="3847387421"/>
+      </p:ext>
+    </p:extLst>
+  </p:cSld>
+  <p:clrMapOvr>
+    <a:masterClrMapping/>
+  </p:clrMapOvr>
+</p:sld>
+</file>
+
+<file path=ppt/slides/slide5.xml><?xml version="1.0" encoding="utf-8"?>
+<p:sld xmlns:a="http://schemas.openxmlformats.org/drawingml/2006/main" xmlns:r="http://schemas.openxmlformats.org/officeDocument/2006/relationships" xmlns:p="http://schemas.openxmlformats.org/presentationml/2006/main">
+  <p:cSld>
+    <p:spTree>
+      <p:nvGrpSpPr>
+        <p:cNvPr id="1" name=""/>
+        <p:cNvGrpSpPr/>
+        <p:nvPr/>
+      </p:nvGrpSpPr>
+      <p:grpSpPr>
+        <a:xfrm>
+          <a:off x="0" y="0"/>
+          <a:ext cx="0" cy="0"/>
+          <a:chOff x="0" y="0"/>
+          <a:chExt cx="0" cy="0"/>
+        </a:xfrm>
+      </p:grpSpPr>
+      <p:sp>
+        <p:nvSpPr>
+          <p:cNvPr id="4" name="CasellaDiTesto 3">
+            <a:extLst>
+              <a:ext uri="{FF2B5EF4-FFF2-40B4-BE49-F238E27FC236}">
+                <a16:creationId xmlns:a16="http://schemas.microsoft.com/office/drawing/2014/main" id="{AB1A76F5-D9C1-4AC1-8A72-B5367565538A}"/>
+              </a:ext>
+            </a:extLst>
+          </p:cNvPr>
+          <p:cNvSpPr txBox="1"/>
+          <p:nvPr/>
+        </p:nvSpPr>
+        <p:spPr>
+          <a:xfrm>
+            <a:off x="2529160" y="926281"/>
+            <a:ext cx="7973855" cy="3231654"/>
+          </a:xfrm>
+          <a:prstGeom prst="rect">
+            <a:avLst/>
+          </a:prstGeom>
+          <a:noFill/>
+        </p:spPr>
+        <p:txBody>
+          <a:bodyPr wrap="square" rtlCol="0">
+            <a:spAutoFit/>
+          </a:bodyPr>
+          <a:lstStyle/>
+          <a:p>
+            <a:pPr algn="just"/>
+            <a:r>
+              <a:rPr lang="en-GB" sz="2800" b="1" dirty="0">
+                <a:ln w="19050" cmpd="sng">
+                  <a:solidFill>
+                    <a:schemeClr val="bg2">
+                      <a:lumMod val="50000"/>
+                    </a:schemeClr>
+                  </a:solidFill>
+                </a:ln>
+                <a:solidFill>
+                  <a:schemeClr val="tx2">
+                    <a:lumMod val="60000"/>
+                    <a:lumOff val="40000"/>
+                  </a:schemeClr>
+                </a:solidFill>
+              </a:rPr>
+              <a:t> HOW DID WE ACHIEVE THE SOLUTION</a:t>
+            </a:r>
+            <a:r>
+              <a:rPr lang="it-IT" sz="2600" b="1" dirty="0">
+                <a:ln w="19050" cmpd="sng">
+                  <a:solidFill>
+                    <a:schemeClr val="bg2">
+                      <a:lumMod val="50000"/>
+                    </a:schemeClr>
+                  </a:solidFill>
+                </a:ln>
+                <a:solidFill>
+                  <a:schemeClr val="tx2">
+                    <a:lumMod val="60000"/>
+                    <a:lumOff val="40000"/>
+                  </a:schemeClr>
+                </a:solidFill>
+              </a:rPr>
+              <a:t>?</a:t>
+            </a:r>
+          </a:p>
+          <a:p>
+            <a:pPr marL="285750" indent="-285750" algn="just">
+              <a:buFontTx/>
+              <a:buChar char="-"/>
+            </a:pPr>
+            <a:r>
+              <a:rPr lang="it-IT" sz="2200" dirty="0"/>
+              <a:t>With a </a:t>
+            </a:r>
+            <a:r>
+              <a:rPr lang="it-IT" sz="2200" dirty="0" err="1"/>
+              <a:t>combination</a:t>
+            </a:r>
+            <a:r>
+              <a:rPr lang="it-IT" sz="2200" dirty="0"/>
+              <a:t> of </a:t>
+            </a:r>
+            <a:r>
+              <a:rPr lang="it-IT" sz="2200" dirty="0" err="1"/>
+              <a:t>two</a:t>
+            </a:r>
+            <a:r>
+              <a:rPr lang="it-IT" sz="2200" dirty="0"/>
+              <a:t> </a:t>
+            </a:r>
+            <a:r>
+              <a:rPr lang="it-IT" sz="2200" dirty="0" err="1"/>
+              <a:t>different</a:t>
+            </a:r>
+            <a:r>
+              <a:rPr lang="it-IT" sz="2200" dirty="0"/>
+              <a:t> </a:t>
+            </a:r>
+            <a:r>
+              <a:rPr lang="it-IT" sz="2200" dirty="0" err="1"/>
+              <a:t>technologies</a:t>
+            </a:r>
+            <a:r>
+              <a:rPr lang="it-IT" sz="2200" dirty="0"/>
+              <a:t>.</a:t>
+            </a:r>
+          </a:p>
+          <a:p>
+            <a:pPr marL="285750" indent="-285750" algn="just">
+              <a:buFontTx/>
+              <a:buChar char="-"/>
+            </a:pPr>
+            <a:r>
+              <a:rPr lang="en-GB" sz="2200" dirty="0"/>
+              <a:t>Allowing children to use these technologies to work together to achieve the same goal in two different ways.</a:t>
+            </a:r>
+          </a:p>
+          <a:p>
+            <a:pPr marL="285750" indent="-285750" algn="just">
+              <a:buFontTx/>
+              <a:buChar char="-"/>
+            </a:pPr>
+            <a:r>
+              <a:rPr lang="en-GB" sz="2200" dirty="0"/>
+              <a:t>Allowing the therapist to use special moments dedicated to verbal communication in which she is not just a spectator but plays a concrete and active role as a therapist.</a:t>
+            </a:r>
+            <a:endParaRPr lang="it-IT" sz="2200" dirty="0"/>
+          </a:p>
+          <a:p>
+            <a:pPr algn="just"/>
+            <a:endParaRPr lang="it-IT" sz="2200" dirty="0"/>
+          </a:p>
+          <a:p>
+            <a:pPr marL="285750" indent="-285750" algn="just">
+              <a:buFontTx/>
+              <a:buChar char="-"/>
+            </a:pPr>
+            <a:endParaRPr lang="en-GB" sz="2200" dirty="0"/>
+          </a:p>
+        </p:txBody>
+      </p:sp>
+      <p:sp>
+        <p:nvSpPr>
+          <p:cNvPr id="6" name="CasellaDiTesto 5">
+            <a:extLst>
+              <a:ext uri="{FF2B5EF4-FFF2-40B4-BE49-F238E27FC236}">
+                <a16:creationId xmlns:a16="http://schemas.microsoft.com/office/drawing/2014/main" id="{CE660CD8-9286-452F-9268-D62BAC9A5457}"/>
+              </a:ext>
+            </a:extLst>
+          </p:cNvPr>
+          <p:cNvSpPr txBox="1"/>
+          <p:nvPr/>
+        </p:nvSpPr>
+        <p:spPr>
+          <a:xfrm>
+            <a:off x="1688985" y="3896325"/>
+            <a:ext cx="1513574" cy="523220"/>
+          </a:xfrm>
+          <a:prstGeom prst="rect">
+            <a:avLst/>
+          </a:prstGeom>
+          <a:noFill/>
+        </p:spPr>
+        <p:txBody>
+          <a:bodyPr wrap="square" rtlCol="0">
+            <a:spAutoFit/>
+          </a:bodyPr>
+          <a:lstStyle/>
+          <a:p>
+            <a:pPr algn="just"/>
+            <a:r>
+              <a:rPr lang="en-GB" sz="2800" b="1" dirty="0">
+                <a:ln w="19050" cmpd="sng">
+                  <a:solidFill>
+                    <a:schemeClr val="bg2">
+                      <a:lumMod val="50000"/>
+                    </a:schemeClr>
+                  </a:solidFill>
+                </a:ln>
+                <a:solidFill>
+                  <a:schemeClr val="tx2">
+                    <a:lumMod val="60000"/>
+                    <a:lumOff val="40000"/>
+                  </a:schemeClr>
+                </a:solidFill>
+              </a:rPr>
+              <a:t> THE VR</a:t>
+            </a:r>
+            <a:endParaRPr lang="it-IT" sz="2200" dirty="0"/>
+          </a:p>
+        </p:txBody>
+      </p:sp>
+      <p:sp>
+        <p:nvSpPr>
           <p:cNvPr id="7" name="CasellaDiTesto 6">
             <a:extLst>
               <a:ext uri="{FF2B5EF4-FFF2-40B4-BE49-F238E27FC236}">
-                <a16:creationId xmlns:a16="http://schemas.microsoft.com/office/drawing/2014/main" id="{057E5E0F-A842-4AA0-9FE0-D85483C96D7F}"/>
+                <a16:creationId xmlns:a16="http://schemas.microsoft.com/office/drawing/2014/main" id="{6F26322D-12CE-4FE4-B6F8-3C6FBF1B5FDF}"/>
+              </a:ext>
+            </a:extLst>
+          </p:cNvPr>
+          <p:cNvSpPr txBox="1"/>
+          <p:nvPr/>
+        </p:nvSpPr>
+        <p:spPr>
+          <a:xfrm>
+            <a:off x="6896769" y="3634715"/>
+            <a:ext cx="3883083" cy="523220"/>
+          </a:xfrm>
+          <a:prstGeom prst="rect">
+            <a:avLst/>
+          </a:prstGeom>
+          <a:noFill/>
+        </p:spPr>
+        <p:txBody>
+          <a:bodyPr wrap="square" rtlCol="0">
+            <a:spAutoFit/>
+          </a:bodyPr>
+          <a:lstStyle/>
+          <a:p>
+            <a:pPr algn="just"/>
+            <a:r>
+              <a:rPr lang="en-GB" sz="2800" b="1" dirty="0">
+                <a:ln w="19050" cmpd="sng">
+                  <a:solidFill>
+                    <a:schemeClr val="bg2">
+                      <a:lumMod val="50000"/>
+                    </a:schemeClr>
+                  </a:solidFill>
+                </a:ln>
+                <a:solidFill>
+                  <a:schemeClr val="tx2">
+                    <a:lumMod val="60000"/>
+                    <a:lumOff val="40000"/>
+                  </a:schemeClr>
+                </a:solidFill>
+              </a:rPr>
+              <a:t> THE SMART OBJECT</a:t>
+            </a:r>
+          </a:p>
+        </p:txBody>
+      </p:sp>
+    </p:spTree>
+    <p:extLst>
+      <p:ext uri="{BB962C8B-B14F-4D97-AF65-F5344CB8AC3E}">
+        <p14:creationId xmlns:p14="http://schemas.microsoft.com/office/powerpoint/2010/main" val="1574241000"/>
+      </p:ext>
+    </p:extLst>
+  </p:cSld>
+  <p:clrMapOvr>
+    <a:masterClrMapping/>
+  </p:clrMapOvr>
+</p:sld>
+</file>
+
+<file path=ppt/slides/slide6.xml><?xml version="1.0" encoding="utf-8"?>
+<p:sld xmlns:a="http://schemas.openxmlformats.org/drawingml/2006/main" xmlns:r="http://schemas.openxmlformats.org/officeDocument/2006/relationships" xmlns:p="http://schemas.openxmlformats.org/presentationml/2006/main">
+  <p:cSld>
+    <p:spTree>
+      <p:nvGrpSpPr>
+        <p:cNvPr id="1" name=""/>
+        <p:cNvGrpSpPr/>
+        <p:nvPr/>
+      </p:nvGrpSpPr>
+      <p:grpSpPr>
+        <a:xfrm>
+          <a:off x="0" y="0"/>
+          <a:ext cx="0" cy="0"/>
+          <a:chOff x="0" y="0"/>
+          <a:chExt cx="0" cy="0"/>
+        </a:xfrm>
+      </p:grpSpPr>
+      <p:sp>
+        <p:nvSpPr>
+          <p:cNvPr id="4" name="CasellaDiTesto 3">
+            <a:extLst>
+              <a:ext uri="{FF2B5EF4-FFF2-40B4-BE49-F238E27FC236}">
+                <a16:creationId xmlns:a16="http://schemas.microsoft.com/office/drawing/2014/main" id="{9534BB93-F08B-47DE-AABE-B5838B89B3B2}"/>
               </a:ext>
             </a:extLst>
           </p:cNvPr>
@@ -13150,6 +15483,555 @@
       </p:sp>
       <p:sp>
         <p:nvSpPr>
+          <p:cNvPr id="7" name="CasellaDiTesto 6">
+            <a:extLst>
+              <a:ext uri="{FF2B5EF4-FFF2-40B4-BE49-F238E27FC236}">
+                <a16:creationId xmlns:a16="http://schemas.microsoft.com/office/drawing/2014/main" id="{E8E83144-4B22-4B85-963A-15EF2F663264}"/>
+              </a:ext>
+            </a:extLst>
+          </p:cNvPr>
+          <p:cNvSpPr txBox="1"/>
+          <p:nvPr/>
+        </p:nvSpPr>
+        <p:spPr>
+          <a:xfrm>
+            <a:off x="4076700" y="3581400"/>
+            <a:ext cx="733425" cy="369332"/>
+          </a:xfrm>
+          <a:prstGeom prst="rect">
+            <a:avLst/>
+          </a:prstGeom>
+          <a:noFill/>
+        </p:spPr>
+        <p:txBody>
+          <a:bodyPr wrap="square" rtlCol="0">
+            <a:spAutoFit/>
+          </a:bodyPr>
+          <a:lstStyle/>
+          <a:p>
+            <a:r>
+              <a:rPr lang="it-IT" dirty="0"/>
+              <a:t>VR</a:t>
+            </a:r>
+            <a:endParaRPr lang="en-GB" dirty="0"/>
+          </a:p>
+        </p:txBody>
+      </p:sp>
+      <p:sp>
+        <p:nvSpPr>
+          <p:cNvPr id="8" name="CasellaDiTesto 7">
+            <a:extLst>
+              <a:ext uri="{FF2B5EF4-FFF2-40B4-BE49-F238E27FC236}">
+                <a16:creationId xmlns:a16="http://schemas.microsoft.com/office/drawing/2014/main" id="{4DE9A981-F472-4080-A332-25740DE69D6A}"/>
+              </a:ext>
+            </a:extLst>
+          </p:cNvPr>
+          <p:cNvSpPr txBox="1"/>
+          <p:nvPr/>
+        </p:nvSpPr>
+        <p:spPr>
+          <a:xfrm>
+            <a:off x="5572126" y="3581400"/>
+            <a:ext cx="2324100" cy="369332"/>
+          </a:xfrm>
+          <a:prstGeom prst="rect">
+            <a:avLst/>
+          </a:prstGeom>
+          <a:noFill/>
+        </p:spPr>
+        <p:txBody>
+          <a:bodyPr wrap="square" rtlCol="0">
+            <a:spAutoFit/>
+          </a:bodyPr>
+          <a:lstStyle/>
+          <a:p>
+            <a:r>
+              <a:rPr lang="it-IT" dirty="0"/>
+              <a:t>Virtual User Experience</a:t>
+            </a:r>
+            <a:endParaRPr lang="en-GB" dirty="0"/>
+          </a:p>
+        </p:txBody>
+      </p:sp>
+      <p:cxnSp>
+        <p:nvCxnSpPr>
+          <p:cNvPr id="10" name="Connettore 2 9">
+            <a:extLst>
+              <a:ext uri="{FF2B5EF4-FFF2-40B4-BE49-F238E27FC236}">
+                <a16:creationId xmlns:a16="http://schemas.microsoft.com/office/drawing/2014/main" id="{EC084587-DABA-4A0D-8869-5661CC766BD6}"/>
+              </a:ext>
+            </a:extLst>
+          </p:cNvPr>
+          <p:cNvCxnSpPr>
+            <a:cxnSpLocks/>
+            <a:stCxn id="7" idx="3"/>
+            <a:endCxn id="8" idx="1"/>
+          </p:cNvCxnSpPr>
+          <p:nvPr/>
+        </p:nvCxnSpPr>
+        <p:spPr>
+          <a:xfrm>
+            <a:off x="4810125" y="3766066"/>
+            <a:ext cx="762001" cy="0"/>
+          </a:xfrm>
+          <a:prstGeom prst="straightConnector1">
+            <a:avLst/>
+          </a:prstGeom>
+          <a:ln>
+            <a:tailEnd type="triangle"/>
+          </a:ln>
+        </p:spPr>
+        <p:style>
+          <a:lnRef idx="1">
+            <a:schemeClr val="accent1"/>
+          </a:lnRef>
+          <a:fillRef idx="0">
+            <a:schemeClr val="accent1"/>
+          </a:fillRef>
+          <a:effectRef idx="0">
+            <a:schemeClr val="accent1"/>
+          </a:effectRef>
+          <a:fontRef idx="minor">
+            <a:schemeClr val="tx1"/>
+          </a:fontRef>
+        </p:style>
+      </p:cxnSp>
+      <p:sp>
+        <p:nvSpPr>
+          <p:cNvPr id="11" name="CasellaDiTesto 10">
+            <a:extLst>
+              <a:ext uri="{FF2B5EF4-FFF2-40B4-BE49-F238E27FC236}">
+                <a16:creationId xmlns:a16="http://schemas.microsoft.com/office/drawing/2014/main" id="{6226ED2B-0D5C-46AB-8CA6-07DB9BB62429}"/>
+              </a:ext>
+            </a:extLst>
+          </p:cNvPr>
+          <p:cNvSpPr txBox="1"/>
+          <p:nvPr/>
+        </p:nvSpPr>
+        <p:spPr>
+          <a:xfrm>
+            <a:off x="3305174" y="4179514"/>
+            <a:ext cx="1504951" cy="369332"/>
+          </a:xfrm>
+          <a:prstGeom prst="rect">
+            <a:avLst/>
+          </a:prstGeom>
+          <a:noFill/>
+        </p:spPr>
+        <p:txBody>
+          <a:bodyPr wrap="square" rtlCol="0">
+            <a:spAutoFit/>
+          </a:bodyPr>
+          <a:lstStyle/>
+          <a:p>
+            <a:r>
+              <a:rPr lang="it-IT" dirty="0"/>
+              <a:t>Smart </a:t>
+            </a:r>
+            <a:r>
+              <a:rPr lang="it-IT" dirty="0" err="1"/>
+              <a:t>object</a:t>
+            </a:r>
+            <a:endParaRPr lang="en-GB" dirty="0"/>
+          </a:p>
+        </p:txBody>
+      </p:sp>
+      <p:sp>
+        <p:nvSpPr>
+          <p:cNvPr id="12" name="CasellaDiTesto 11">
+            <a:extLst>
+              <a:ext uri="{FF2B5EF4-FFF2-40B4-BE49-F238E27FC236}">
+                <a16:creationId xmlns:a16="http://schemas.microsoft.com/office/drawing/2014/main" id="{1AB5231A-5080-4D70-A290-667AB36D63ED}"/>
+              </a:ext>
+            </a:extLst>
+          </p:cNvPr>
+          <p:cNvSpPr txBox="1"/>
+          <p:nvPr/>
+        </p:nvSpPr>
+        <p:spPr>
+          <a:xfrm>
+            <a:off x="5572125" y="4179514"/>
+            <a:ext cx="2219325" cy="369332"/>
+          </a:xfrm>
+          <a:prstGeom prst="rect">
+            <a:avLst/>
+          </a:prstGeom>
+          <a:noFill/>
+        </p:spPr>
+        <p:txBody>
+          <a:bodyPr wrap="square" rtlCol="0">
+            <a:spAutoFit/>
+          </a:bodyPr>
+          <a:lstStyle/>
+          <a:p>
+            <a:r>
+              <a:rPr lang="it-IT" dirty="0"/>
+              <a:t>Real User Experience</a:t>
+            </a:r>
+            <a:endParaRPr lang="en-GB" dirty="0"/>
+          </a:p>
+        </p:txBody>
+      </p:sp>
+      <p:cxnSp>
+        <p:nvCxnSpPr>
+          <p:cNvPr id="13" name="Connettore 2 12">
+            <a:extLst>
+              <a:ext uri="{FF2B5EF4-FFF2-40B4-BE49-F238E27FC236}">
+                <a16:creationId xmlns:a16="http://schemas.microsoft.com/office/drawing/2014/main" id="{3259108F-AEA2-4D19-B91F-032A9A2CC126}"/>
+              </a:ext>
+            </a:extLst>
+          </p:cNvPr>
+          <p:cNvCxnSpPr>
+            <a:cxnSpLocks/>
+            <a:stCxn id="11" idx="3"/>
+            <a:endCxn id="12" idx="1"/>
+          </p:cNvCxnSpPr>
+          <p:nvPr/>
+        </p:nvCxnSpPr>
+        <p:spPr>
+          <a:xfrm>
+            <a:off x="4810125" y="4364180"/>
+            <a:ext cx="762000" cy="0"/>
+          </a:xfrm>
+          <a:prstGeom prst="straightConnector1">
+            <a:avLst/>
+          </a:prstGeom>
+          <a:ln>
+            <a:tailEnd type="triangle"/>
+          </a:ln>
+        </p:spPr>
+        <p:style>
+          <a:lnRef idx="1">
+            <a:schemeClr val="accent1"/>
+          </a:lnRef>
+          <a:fillRef idx="0">
+            <a:schemeClr val="accent1"/>
+          </a:fillRef>
+          <a:effectRef idx="0">
+            <a:schemeClr val="accent1"/>
+          </a:effectRef>
+          <a:fontRef idx="minor">
+            <a:schemeClr val="tx1"/>
+          </a:fontRef>
+        </p:style>
+      </p:cxnSp>
+      <p:sp>
+        <p:nvSpPr>
+          <p:cNvPr id="14" name="CasellaDiTesto 13">
+            <a:extLst>
+              <a:ext uri="{FF2B5EF4-FFF2-40B4-BE49-F238E27FC236}">
+                <a16:creationId xmlns:a16="http://schemas.microsoft.com/office/drawing/2014/main" id="{4FC5EABE-B046-40A2-81B0-10EED7683067}"/>
+              </a:ext>
+            </a:extLst>
+          </p:cNvPr>
+          <p:cNvSpPr txBox="1"/>
+          <p:nvPr/>
+        </p:nvSpPr>
+        <p:spPr>
+          <a:xfrm>
+            <a:off x="3619500" y="4793838"/>
+            <a:ext cx="1190625" cy="369332"/>
+          </a:xfrm>
+          <a:prstGeom prst="rect">
+            <a:avLst/>
+          </a:prstGeom>
+          <a:noFill/>
+        </p:spPr>
+        <p:txBody>
+          <a:bodyPr wrap="square" rtlCol="0">
+            <a:spAutoFit/>
+          </a:bodyPr>
+          <a:lstStyle/>
+          <a:p>
+            <a:r>
+              <a:rPr lang="it-IT" dirty="0"/>
+              <a:t>Web Site</a:t>
+            </a:r>
+            <a:endParaRPr lang="en-GB" dirty="0"/>
+          </a:p>
+        </p:txBody>
+      </p:sp>
+      <p:sp>
+        <p:nvSpPr>
+          <p:cNvPr id="15" name="CasellaDiTesto 14">
+            <a:extLst>
+              <a:ext uri="{FF2B5EF4-FFF2-40B4-BE49-F238E27FC236}">
+                <a16:creationId xmlns:a16="http://schemas.microsoft.com/office/drawing/2014/main" id="{3770A7BB-7AAE-40CB-8844-1F0F43F6FA65}"/>
+              </a:ext>
+            </a:extLst>
+          </p:cNvPr>
+          <p:cNvSpPr txBox="1"/>
+          <p:nvPr/>
+        </p:nvSpPr>
+        <p:spPr>
+          <a:xfrm>
+            <a:off x="5572125" y="4793838"/>
+            <a:ext cx="2219325" cy="369332"/>
+          </a:xfrm>
+          <a:prstGeom prst="rect">
+            <a:avLst/>
+          </a:prstGeom>
+          <a:noFill/>
+        </p:spPr>
+        <p:txBody>
+          <a:bodyPr wrap="square" rtlCol="0">
+            <a:spAutoFit/>
+          </a:bodyPr>
+          <a:lstStyle/>
+          <a:p>
+            <a:r>
+              <a:rPr lang="it-IT" dirty="0" err="1"/>
+              <a:t>Therapist</a:t>
+            </a:r>
+            <a:r>
+              <a:rPr lang="it-IT" dirty="0"/>
+              <a:t> Experience</a:t>
+            </a:r>
+            <a:endParaRPr lang="en-GB" dirty="0"/>
+          </a:p>
+        </p:txBody>
+      </p:sp>
+      <p:cxnSp>
+        <p:nvCxnSpPr>
+          <p:cNvPr id="16" name="Connettore 2 15">
+            <a:extLst>
+              <a:ext uri="{FF2B5EF4-FFF2-40B4-BE49-F238E27FC236}">
+                <a16:creationId xmlns:a16="http://schemas.microsoft.com/office/drawing/2014/main" id="{A6520EDE-F07B-43FF-B53F-B945A15D0ECE}"/>
+              </a:ext>
+            </a:extLst>
+          </p:cNvPr>
+          <p:cNvCxnSpPr>
+            <a:cxnSpLocks/>
+            <a:stCxn id="14" idx="3"/>
+            <a:endCxn id="15" idx="1"/>
+          </p:cNvCxnSpPr>
+          <p:nvPr/>
+        </p:nvCxnSpPr>
+        <p:spPr>
+          <a:xfrm>
+            <a:off x="4810125" y="4978504"/>
+            <a:ext cx="762000" cy="0"/>
+          </a:xfrm>
+          <a:prstGeom prst="straightConnector1">
+            <a:avLst/>
+          </a:prstGeom>
+          <a:ln>
+            <a:tailEnd type="triangle"/>
+          </a:ln>
+        </p:spPr>
+        <p:style>
+          <a:lnRef idx="1">
+            <a:schemeClr val="accent1"/>
+          </a:lnRef>
+          <a:fillRef idx="0">
+            <a:schemeClr val="accent1"/>
+          </a:fillRef>
+          <a:effectRef idx="0">
+            <a:schemeClr val="accent1"/>
+          </a:effectRef>
+          <a:fontRef idx="minor">
+            <a:schemeClr val="tx1"/>
+          </a:fontRef>
+        </p:style>
+      </p:cxnSp>
+      <p:sp>
+        <p:nvSpPr>
+          <p:cNvPr id="24" name="CasellaDiTesto 23">
+            <a:extLst>
+              <a:ext uri="{FF2B5EF4-FFF2-40B4-BE49-F238E27FC236}">
+                <a16:creationId xmlns:a16="http://schemas.microsoft.com/office/drawing/2014/main" id="{BCBD98F9-00C1-4598-8329-01B122DAA92B}"/>
+              </a:ext>
+            </a:extLst>
+          </p:cNvPr>
+          <p:cNvSpPr txBox="1"/>
+          <p:nvPr/>
+        </p:nvSpPr>
+        <p:spPr>
+          <a:xfrm>
+            <a:off x="2057400" y="1350038"/>
+            <a:ext cx="7258050" cy="1107996"/>
+          </a:xfrm>
+          <a:prstGeom prst="rect">
+            <a:avLst/>
+          </a:prstGeom>
+          <a:noFill/>
+        </p:spPr>
+        <p:txBody>
+          <a:bodyPr wrap="square" rtlCol="0">
+            <a:spAutoFit/>
+          </a:bodyPr>
+          <a:lstStyle/>
+          <a:p>
+            <a:r>
+              <a:rPr lang="en-GB" sz="2400" b="1" dirty="0">
+                <a:ln w="12700" cmpd="sng">
+                  <a:solidFill>
+                    <a:schemeClr val="bg2">
+                      <a:lumMod val="50000"/>
+                    </a:schemeClr>
+                  </a:solidFill>
+                </a:ln>
+                <a:solidFill>
+                  <a:schemeClr val="tx2">
+                    <a:lumMod val="60000"/>
+                    <a:lumOff val="40000"/>
+                  </a:schemeClr>
+                </a:solidFill>
+              </a:rPr>
+              <a:t>Key Point</a:t>
+            </a:r>
+            <a:r>
+              <a:rPr lang="en-GB" sz="1400" dirty="0">
+                <a:ln w="12700">
+                  <a:solidFill>
+                    <a:schemeClr val="bg2">
+                      <a:lumMod val="50000"/>
+                    </a:schemeClr>
+                  </a:solidFill>
+                </a:ln>
+              </a:rPr>
+              <a:t>: </a:t>
+            </a:r>
+            <a:r>
+              <a:rPr lang="en-GB" dirty="0"/>
+              <a:t>realize the simple and functional user experience.</a:t>
+            </a:r>
+          </a:p>
+          <a:p>
+            <a:r>
+              <a:rPr lang="en-GB" sz="2400" b="1" dirty="0">
+                <a:ln w="12700" cmpd="sng">
+                  <a:solidFill>
+                    <a:schemeClr val="bg2">
+                      <a:lumMod val="50000"/>
+                    </a:schemeClr>
+                  </a:solidFill>
+                </a:ln>
+                <a:solidFill>
+                  <a:schemeClr val="tx2">
+                    <a:lumMod val="60000"/>
+                    <a:lumOff val="40000"/>
+                  </a:schemeClr>
+                </a:solidFill>
+              </a:rPr>
+              <a:t>Main Feature</a:t>
+            </a:r>
+            <a:r>
+              <a:rPr lang="en-GB" dirty="0">
+                <a:ln w="12700">
+                  <a:solidFill>
+                    <a:schemeClr val="bg2">
+                      <a:lumMod val="50000"/>
+                    </a:schemeClr>
+                  </a:solidFill>
+                </a:ln>
+              </a:rPr>
+              <a:t>: </a:t>
+            </a:r>
+            <a:r>
+              <a:rPr lang="en-GB" dirty="0"/>
+              <a:t>collaboration -&gt; which is possible even though the two players use two completely different technologies. -&gt; Thanks to the therapist</a:t>
+            </a:r>
+          </a:p>
+        </p:txBody>
+      </p:sp>
+    </p:spTree>
+    <p:extLst>
+      <p:ext uri="{BB962C8B-B14F-4D97-AF65-F5344CB8AC3E}">
+        <p14:creationId xmlns:p14="http://schemas.microsoft.com/office/powerpoint/2010/main" val="739306234"/>
+      </p:ext>
+    </p:extLst>
+  </p:cSld>
+  <p:clrMapOvr>
+    <a:masterClrMapping/>
+  </p:clrMapOvr>
+</p:sld>
+</file>
+
+<file path=ppt/slides/slide7.xml><?xml version="1.0" encoding="utf-8"?>
+<p:sld xmlns:a="http://schemas.openxmlformats.org/drawingml/2006/main" xmlns:r="http://schemas.openxmlformats.org/officeDocument/2006/relationships" xmlns:p="http://schemas.openxmlformats.org/presentationml/2006/main">
+  <p:cSld>
+    <p:spTree>
+      <p:nvGrpSpPr>
+        <p:cNvPr id="1" name=""/>
+        <p:cNvGrpSpPr/>
+        <p:nvPr/>
+      </p:nvGrpSpPr>
+      <p:grpSpPr>
+        <a:xfrm>
+          <a:off x="0" y="0"/>
+          <a:ext cx="0" cy="0"/>
+          <a:chOff x="0" y="0"/>
+          <a:chExt cx="0" cy="0"/>
+        </a:xfrm>
+      </p:grpSpPr>
+      <p:sp>
+        <p:nvSpPr>
+          <p:cNvPr id="12" name="CasellaDiTesto 11">
+            <a:extLst>
+              <a:ext uri="{FF2B5EF4-FFF2-40B4-BE49-F238E27FC236}">
+                <a16:creationId xmlns:a16="http://schemas.microsoft.com/office/drawing/2014/main" id="{622BB364-1D7D-4753-A0F0-EF795DF7D655}"/>
+              </a:ext>
+            </a:extLst>
+          </p:cNvPr>
+          <p:cNvSpPr txBox="1"/>
+          <p:nvPr/>
+        </p:nvSpPr>
+        <p:spPr>
+          <a:xfrm>
+            <a:off x="0" y="549510"/>
+            <a:ext cx="12192000" cy="553998"/>
+          </a:xfrm>
+          <a:prstGeom prst="rect">
+            <a:avLst/>
+          </a:prstGeom>
+          <a:noFill/>
+        </p:spPr>
+        <p:txBody>
+          <a:bodyPr wrap="square" rtlCol="0">
+            <a:spAutoFit/>
+          </a:bodyPr>
+          <a:lstStyle/>
+          <a:p>
+            <a:pPr algn="ctr"/>
+            <a:r>
+              <a:rPr lang="it-IT" sz="3000" b="1" dirty="0">
+                <a:ln w="19050" cmpd="sng">
+                  <a:solidFill>
+                    <a:schemeClr val="bg2">
+                      <a:lumMod val="50000"/>
+                    </a:schemeClr>
+                  </a:solidFill>
+                </a:ln>
+                <a:solidFill>
+                  <a:schemeClr val="tx2">
+                    <a:lumMod val="60000"/>
+                    <a:lumOff val="40000"/>
+                  </a:schemeClr>
+                </a:solidFill>
+              </a:rPr>
+              <a:t>SCENARIO</a:t>
+            </a:r>
+            <a:endParaRPr lang="en-US" sz="3000" b="1" dirty="0">
+              <a:ln w="19050" cmpd="sng">
+                <a:solidFill>
+                  <a:schemeClr val="bg2">
+                    <a:lumMod val="50000"/>
+                  </a:schemeClr>
+                </a:solidFill>
+              </a:ln>
+              <a:solidFill>
+                <a:schemeClr val="tx2">
+                  <a:lumMod val="60000"/>
+                  <a:lumOff val="40000"/>
+                </a:schemeClr>
+              </a:solidFill>
+            </a:endParaRPr>
+          </a:p>
+        </p:txBody>
+      </p:sp>
+      <p:sp>
+        <p:nvSpPr>
           <p:cNvPr id="8" name="Rettangolo 7">
             <a:extLst>
               <a:ext uri="{FF2B5EF4-FFF2-40B4-BE49-F238E27FC236}">
@@ -13162,7 +16044,7 @@
         </p:nvSpPr>
         <p:spPr>
           <a:xfrm>
-            <a:off x="6348042" y="1455335"/>
+            <a:off x="6348042" y="1321111"/>
             <a:ext cx="5416063" cy="646331"/>
           </a:xfrm>
           <a:prstGeom prst="rect">
@@ -13204,7 +16086,7 @@
         </p:nvSpPr>
         <p:spPr>
           <a:xfrm>
-            <a:off x="976122" y="1455335"/>
+            <a:off x="976122" y="1321111"/>
             <a:ext cx="4908521" cy="646331"/>
           </a:xfrm>
           <a:prstGeom prst="rect">
@@ -13254,7 +16136,7 @@
         </p:nvSpPr>
         <p:spPr>
           <a:xfrm>
-            <a:off x="835274" y="4138109"/>
+            <a:off x="835274" y="4003885"/>
             <a:ext cx="5190216" cy="646331"/>
           </a:xfrm>
           <a:prstGeom prst="rect">
@@ -13292,7 +16174,7 @@
         </p:nvSpPr>
         <p:spPr>
           <a:xfrm>
-            <a:off x="6415448" y="4138110"/>
+            <a:off x="6415448" y="4003886"/>
             <a:ext cx="5281250" cy="646331"/>
           </a:xfrm>
           <a:prstGeom prst="rect">
@@ -13338,7 +16220,7 @@
         </p:blipFill>
         <p:spPr>
           <a:xfrm>
-            <a:off x="1440201" y="2226068"/>
+            <a:off x="1440201" y="2091844"/>
             <a:ext cx="3981044" cy="1593989"/>
           </a:xfrm>
           <a:prstGeom prst="rect">
@@ -13368,7 +16250,7 @@
         </p:blipFill>
         <p:spPr>
           <a:xfrm>
-            <a:off x="7065551" y="2226068"/>
+            <a:off x="7065551" y="2091844"/>
             <a:ext cx="3981049" cy="1593990"/>
           </a:xfrm>
           <a:prstGeom prst="rect">
@@ -13398,7 +16280,7 @@
         </p:blipFill>
         <p:spPr>
           <a:xfrm>
-            <a:off x="1439521" y="4934097"/>
+            <a:off x="1439521" y="4799873"/>
             <a:ext cx="3981724" cy="1594261"/>
           </a:xfrm>
           <a:prstGeom prst="rect">
@@ -13428,7 +16310,7 @@
         </p:blipFill>
         <p:spPr>
           <a:xfrm>
-            <a:off x="7065550" y="4934097"/>
+            <a:off x="7065550" y="4799873"/>
             <a:ext cx="3981049" cy="1593990"/>
           </a:xfrm>
           <a:prstGeom prst="rect">
@@ -13449,7 +16331,7 @@
 </p:sld>
 </file>
 
-<file path=ppt/slides/slide4.xml><?xml version="1.0" encoding="utf-8"?>
+<file path=ppt/slides/slide8.xml><?xml version="1.0" encoding="utf-8"?>
 <p:sld xmlns:a="http://schemas.openxmlformats.org/drawingml/2006/main" xmlns:r="http://schemas.openxmlformats.org/officeDocument/2006/relationships" xmlns:p="http://schemas.openxmlformats.org/presentationml/2006/main">
   <p:cSld>
     <p:spTree>
@@ -14390,6 +17272,358 @@
 </p:sld>
 </file>
 
+<file path=ppt/slides/slide9.xml><?xml version="1.0" encoding="utf-8"?>
+<p:sld xmlns:a="http://schemas.openxmlformats.org/drawingml/2006/main" xmlns:r="http://schemas.openxmlformats.org/officeDocument/2006/relationships" xmlns:p="http://schemas.openxmlformats.org/presentationml/2006/main">
+  <p:cSld>
+    <p:spTree>
+      <p:nvGrpSpPr>
+        <p:cNvPr id="1" name=""/>
+        <p:cNvGrpSpPr/>
+        <p:nvPr/>
+      </p:nvGrpSpPr>
+      <p:grpSpPr>
+        <a:xfrm>
+          <a:off x="0" y="0"/>
+          <a:ext cx="0" cy="0"/>
+          <a:chOff x="0" y="0"/>
+          <a:chExt cx="0" cy="0"/>
+        </a:xfrm>
+      </p:grpSpPr>
+      <p:sp>
+        <p:nvSpPr>
+          <p:cNvPr id="12" name="CasellaDiTesto 11">
+            <a:extLst>
+              <a:ext uri="{FF2B5EF4-FFF2-40B4-BE49-F238E27FC236}">
+                <a16:creationId xmlns:a16="http://schemas.microsoft.com/office/drawing/2014/main" id="{622BB364-1D7D-4753-A0F0-EF795DF7D655}"/>
+              </a:ext>
+            </a:extLst>
+          </p:cNvPr>
+          <p:cNvSpPr txBox="1"/>
+          <p:nvPr/>
+        </p:nvSpPr>
+        <p:spPr>
+          <a:xfrm>
+            <a:off x="0" y="549510"/>
+            <a:ext cx="12192000" cy="553998"/>
+          </a:xfrm>
+          <a:prstGeom prst="rect">
+            <a:avLst/>
+          </a:prstGeom>
+          <a:noFill/>
+        </p:spPr>
+        <p:txBody>
+          <a:bodyPr wrap="square" rtlCol="0">
+            <a:spAutoFit/>
+          </a:bodyPr>
+          <a:lstStyle/>
+          <a:p>
+            <a:pPr algn="ctr"/>
+            <a:r>
+              <a:rPr lang="it-IT" sz="3000" b="1" dirty="0">
+                <a:ln w="19050" cmpd="sng">
+                  <a:solidFill>
+                    <a:schemeClr val="bg2">
+                      <a:lumMod val="50000"/>
+                    </a:schemeClr>
+                  </a:solidFill>
+                </a:ln>
+                <a:solidFill>
+                  <a:schemeClr val="tx2">
+                    <a:lumMod val="60000"/>
+                    <a:lumOff val="40000"/>
+                  </a:schemeClr>
+                </a:solidFill>
+              </a:rPr>
+              <a:t>SCENARIO CIBO</a:t>
+            </a:r>
+          </a:p>
+        </p:txBody>
+      </p:sp>
+      <p:sp>
+        <p:nvSpPr>
+          <p:cNvPr id="8" name="Rettangolo 7">
+            <a:extLst>
+              <a:ext uri="{FF2B5EF4-FFF2-40B4-BE49-F238E27FC236}">
+                <a16:creationId xmlns:a16="http://schemas.microsoft.com/office/drawing/2014/main" id="{F46A6C6C-271E-4E5B-AF7D-B1842D00FA8A}"/>
+              </a:ext>
+            </a:extLst>
+          </p:cNvPr>
+          <p:cNvSpPr/>
+          <p:nvPr/>
+        </p:nvSpPr>
+        <p:spPr>
+          <a:xfrm>
+            <a:off x="6348041" y="1321111"/>
+            <a:ext cx="5416063" cy="646331"/>
+          </a:xfrm>
+          <a:prstGeom prst="rect">
+            <a:avLst/>
+          </a:prstGeom>
+        </p:spPr>
+        <p:txBody>
+          <a:bodyPr wrap="square">
+            <a:spAutoFit/>
+          </a:bodyPr>
+          <a:lstStyle/>
+          <a:p>
+            <a:pPr marL="285750" indent="-285750">
+              <a:buFontTx/>
+              <a:buChar char="-"/>
+            </a:pPr>
+            <a:r>
+              <a:rPr lang="en-GB" dirty="0"/>
+              <a:t>After he finds what he thinks is right, he communicates it.</a:t>
+            </a:r>
+          </a:p>
+        </p:txBody>
+      </p:sp>
+      <p:sp>
+        <p:nvSpPr>
+          <p:cNvPr id="9" name="Rettangolo 8">
+            <a:extLst>
+              <a:ext uri="{FF2B5EF4-FFF2-40B4-BE49-F238E27FC236}">
+                <a16:creationId xmlns:a16="http://schemas.microsoft.com/office/drawing/2014/main" id="{F6CA8480-8619-4401-A4F5-5448D3738C9A}"/>
+              </a:ext>
+            </a:extLst>
+          </p:cNvPr>
+          <p:cNvSpPr/>
+          <p:nvPr/>
+        </p:nvSpPr>
+        <p:spPr>
+          <a:xfrm>
+            <a:off x="976122" y="1321111"/>
+            <a:ext cx="4908521" cy="646331"/>
+          </a:xfrm>
+          <a:prstGeom prst="rect">
+            <a:avLst/>
+          </a:prstGeom>
+        </p:spPr>
+        <p:txBody>
+          <a:bodyPr wrap="square">
+            <a:spAutoFit/>
+          </a:bodyPr>
+          <a:lstStyle/>
+          <a:p>
+            <a:pPr marL="285750" indent="-285750">
+              <a:buFontTx/>
+              <a:buChar char="-"/>
+            </a:pPr>
+            <a:r>
+              <a:rPr lang="en-GB" dirty="0"/>
+              <a:t>The child in the VR world will have to look for the right food</a:t>
+            </a:r>
+          </a:p>
+        </p:txBody>
+      </p:sp>
+      <p:sp>
+        <p:nvSpPr>
+          <p:cNvPr id="10" name="Rettangolo 9">
+            <a:extLst>
+              <a:ext uri="{FF2B5EF4-FFF2-40B4-BE49-F238E27FC236}">
+                <a16:creationId xmlns:a16="http://schemas.microsoft.com/office/drawing/2014/main" id="{B3D00CC8-C474-4558-A0FC-1D954F7252AC}"/>
+              </a:ext>
+            </a:extLst>
+          </p:cNvPr>
+          <p:cNvSpPr/>
+          <p:nvPr/>
+        </p:nvSpPr>
+        <p:spPr>
+          <a:xfrm>
+            <a:off x="835274" y="4003885"/>
+            <a:ext cx="5190216" cy="646331"/>
+          </a:xfrm>
+          <a:prstGeom prst="rect">
+            <a:avLst/>
+          </a:prstGeom>
+        </p:spPr>
+        <p:txBody>
+          <a:bodyPr wrap="square">
+            <a:spAutoFit/>
+          </a:bodyPr>
+          <a:lstStyle/>
+          <a:p>
+            <a:pPr marL="285750" indent="-285750">
+              <a:buFontTx/>
+              <a:buChar char="-"/>
+            </a:pPr>
+            <a:r>
+              <a:rPr lang="en-GB" dirty="0"/>
+              <a:t>After the therapist confirms the choice, the food flies in front of the dolphin.</a:t>
+            </a:r>
+          </a:p>
+        </p:txBody>
+      </p:sp>
+      <p:sp>
+        <p:nvSpPr>
+          <p:cNvPr id="11" name="Rettangolo 10">
+            <a:extLst>
+              <a:ext uri="{FF2B5EF4-FFF2-40B4-BE49-F238E27FC236}">
+                <a16:creationId xmlns:a16="http://schemas.microsoft.com/office/drawing/2014/main" id="{3E3A6505-3475-45F0-B46B-A40D996CD933}"/>
+              </a:ext>
+            </a:extLst>
+          </p:cNvPr>
+          <p:cNvSpPr/>
+          <p:nvPr/>
+        </p:nvSpPr>
+        <p:spPr>
+          <a:xfrm>
+            <a:off x="6415448" y="4003886"/>
+            <a:ext cx="5281250" cy="646331"/>
+          </a:xfrm>
+          <a:prstGeom prst="rect">
+            <a:avLst/>
+          </a:prstGeom>
+        </p:spPr>
+        <p:txBody>
+          <a:bodyPr wrap="square">
+            <a:spAutoFit/>
+          </a:bodyPr>
+          <a:lstStyle/>
+          <a:p>
+            <a:pPr marL="285750" indent="-285750">
+              <a:buFontTx/>
+              <a:buChar char="-"/>
+            </a:pPr>
+            <a:r>
+              <a:rPr lang="en-GB" dirty="0"/>
+              <a:t>The other child chooses which food he thinks the dolphin can eat.</a:t>
+            </a:r>
+          </a:p>
+        </p:txBody>
+      </p:sp>
+      <p:pic>
+        <p:nvPicPr>
+          <p:cNvPr id="4" name="Immagine 3"/>
+          <p:cNvPicPr>
+            <a:picLocks noChangeAspect="1"/>
+          </p:cNvPicPr>
+          <p:nvPr/>
+        </p:nvPicPr>
+        <p:blipFill>
+          <a:blip r:embed="rId2">
+            <a:extLst>
+              <a:ext uri="{28A0092B-C50C-407E-A947-70E740481C1C}">
+                <a14:useLocalDpi xmlns:a14="http://schemas.microsoft.com/office/drawing/2010/main" val="0"/>
+              </a:ext>
+            </a:extLst>
+          </a:blip>
+          <a:stretch>
+            <a:fillRect/>
+          </a:stretch>
+        </p:blipFill>
+        <p:spPr>
+          <a:xfrm>
+            <a:off x="1440201" y="2091844"/>
+            <a:ext cx="3981044" cy="1593989"/>
+          </a:xfrm>
+          <a:prstGeom prst="rect">
+            <a:avLst/>
+          </a:prstGeom>
+        </p:spPr>
+      </p:pic>
+      <p:pic>
+        <p:nvPicPr>
+          <p:cNvPr id="6" name="Immagine 5"/>
+          <p:cNvPicPr>
+            <a:picLocks noChangeAspect="1"/>
+          </p:cNvPicPr>
+          <p:nvPr/>
+        </p:nvPicPr>
+        <p:blipFill>
+          <a:blip r:embed="rId3">
+            <a:extLst>
+              <a:ext uri="{28A0092B-C50C-407E-A947-70E740481C1C}">
+                <a14:useLocalDpi xmlns:a14="http://schemas.microsoft.com/office/drawing/2010/main" val="0"/>
+              </a:ext>
+            </a:extLst>
+          </a:blip>
+          <a:stretch>
+            <a:fillRect/>
+          </a:stretch>
+        </p:blipFill>
+        <p:spPr>
+          <a:xfrm>
+            <a:off x="7065551" y="2091844"/>
+            <a:ext cx="3981049" cy="1593990"/>
+          </a:xfrm>
+          <a:prstGeom prst="rect">
+            <a:avLst/>
+          </a:prstGeom>
+        </p:spPr>
+      </p:pic>
+      <p:pic>
+        <p:nvPicPr>
+          <p:cNvPr id="13" name="Immagine 12"/>
+          <p:cNvPicPr>
+            <a:picLocks noChangeAspect="1"/>
+          </p:cNvPicPr>
+          <p:nvPr/>
+        </p:nvPicPr>
+        <p:blipFill>
+          <a:blip r:embed="rId4">
+            <a:extLst>
+              <a:ext uri="{28A0092B-C50C-407E-A947-70E740481C1C}">
+                <a14:useLocalDpi xmlns:a14="http://schemas.microsoft.com/office/drawing/2010/main" val="0"/>
+              </a:ext>
+            </a:extLst>
+          </a:blip>
+          <a:stretch>
+            <a:fillRect/>
+          </a:stretch>
+        </p:blipFill>
+        <p:spPr>
+          <a:xfrm>
+            <a:off x="1439521" y="4799873"/>
+            <a:ext cx="3981724" cy="1594261"/>
+          </a:xfrm>
+          <a:prstGeom prst="rect">
+            <a:avLst/>
+          </a:prstGeom>
+        </p:spPr>
+      </p:pic>
+      <p:pic>
+        <p:nvPicPr>
+          <p:cNvPr id="14" name="Immagine 13"/>
+          <p:cNvPicPr>
+            <a:picLocks noChangeAspect="1"/>
+          </p:cNvPicPr>
+          <p:nvPr/>
+        </p:nvPicPr>
+        <p:blipFill>
+          <a:blip r:embed="rId5">
+            <a:extLst>
+              <a:ext uri="{28A0092B-C50C-407E-A947-70E740481C1C}">
+                <a14:useLocalDpi xmlns:a14="http://schemas.microsoft.com/office/drawing/2010/main" val="0"/>
+              </a:ext>
+            </a:extLst>
+          </a:blip>
+          <a:stretch>
+            <a:fillRect/>
+          </a:stretch>
+        </p:blipFill>
+        <p:spPr>
+          <a:xfrm>
+            <a:off x="7065550" y="4799873"/>
+            <a:ext cx="3981049" cy="1593990"/>
+          </a:xfrm>
+          <a:prstGeom prst="rect">
+            <a:avLst/>
+          </a:prstGeom>
+        </p:spPr>
+      </p:pic>
+    </p:spTree>
+    <p:extLst>
+      <p:ext uri="{BB962C8B-B14F-4D97-AF65-F5344CB8AC3E}">
+        <p14:creationId xmlns:p14="http://schemas.microsoft.com/office/powerpoint/2010/main" val="3507914009"/>
+      </p:ext>
+    </p:extLst>
+  </p:cSld>
+  <p:clrMapOvr>
+    <a:masterClrMapping/>
+  </p:clrMapOvr>
+</p:sld>
+</file>
+
 <file path=ppt/theme/theme1.xml><?xml version="1.0" encoding="utf-8"?>
 <a:theme xmlns:a="http://schemas.openxmlformats.org/drawingml/2006/main" name="Circuito">
   <a:themeElements>

--- a/13_TANGIBLEVR_2018_19_PITCH.pptx
+++ b/13_TANGIBLEVR_2018_19_PITCH.pptx
@@ -172,7 +172,7 @@
           <a:noFill/>
           <a:extLst>
             <a:ext uri="{909E8E84-426E-40dd-AFC4-6F175D3DCCD1}">
-              <a14:hiddenFill xmlns:a14="http://schemas.microsoft.com/office/drawing/2010/main" xmlns="">
+              <a14:hiddenFill xmlns="" xmlns:a14="http://schemas.microsoft.com/office/drawing/2010/main">
                 <a:solidFill>
                   <a:srgbClr val="FFFFFF"/>
                 </a:solidFill>
@@ -232,7 +232,7 @@
             </a:ln>
             <a:extLst>
               <a:ext uri="{91240B29-F687-4f45-9708-019B960494DF}">
-                <a14:hiddenLine xmlns:a14="http://schemas.microsoft.com/office/drawing/2010/main" xmlns="" w="9525">
+                <a14:hiddenLine xmlns="" xmlns:a14="http://schemas.microsoft.com/office/drawing/2010/main" w="9525">
                   <a:solidFill>
                     <a:srgbClr val="000000"/>
                   </a:solidFill>
@@ -322,7 +322,7 @@
             </a:ln>
             <a:extLst>
               <a:ext uri="{91240B29-F687-4f45-9708-019B960494DF}">
-                <a14:hiddenLine xmlns:a14="http://schemas.microsoft.com/office/drawing/2010/main" xmlns="" w="9525">
+                <a14:hiddenLine xmlns="" xmlns:a14="http://schemas.microsoft.com/office/drawing/2010/main" w="9525">
                   <a:solidFill>
                     <a:srgbClr val="000000"/>
                   </a:solidFill>
@@ -412,7 +412,7 @@
             </a:ln>
             <a:extLst>
               <a:ext uri="{91240B29-F687-4f45-9708-019B960494DF}">
-                <a14:hiddenLine xmlns:a14="http://schemas.microsoft.com/office/drawing/2010/main" xmlns="" w="9525">
+                <a14:hiddenLine xmlns="" xmlns:a14="http://schemas.microsoft.com/office/drawing/2010/main" w="9525">
                   <a:solidFill>
                     <a:srgbClr val="000000"/>
                   </a:solidFill>
@@ -446,7 +446,7 @@
             </a:ln>
             <a:extLst>
               <a:ext uri="{91240B29-F687-4f45-9708-019B960494DF}">
-                <a14:hiddenLine xmlns:a14="http://schemas.microsoft.com/office/drawing/2010/main" xmlns="" w="9525">
+                <a14:hiddenLine xmlns="" xmlns:a14="http://schemas.microsoft.com/office/drawing/2010/main" w="9525">
                   <a:solidFill>
                     <a:srgbClr val="000000"/>
                   </a:solidFill>
@@ -536,7 +536,7 @@
             </a:ln>
             <a:extLst>
               <a:ext uri="{91240B29-F687-4f45-9708-019B960494DF}">
-                <a14:hiddenLine xmlns:a14="http://schemas.microsoft.com/office/drawing/2010/main" xmlns="" w="9525">
+                <a14:hiddenLine xmlns="" xmlns:a14="http://schemas.microsoft.com/office/drawing/2010/main" w="9525">
                   <a:solidFill>
                     <a:srgbClr val="000000"/>
                   </a:solidFill>
@@ -598,7 +598,7 @@
             </a:ln>
             <a:extLst>
               <a:ext uri="{91240B29-F687-4f45-9708-019B960494DF}">
-                <a14:hiddenLine xmlns:a14="http://schemas.microsoft.com/office/drawing/2010/main" xmlns="" w="9525">
+                <a14:hiddenLine xmlns="" xmlns:a14="http://schemas.microsoft.com/office/drawing/2010/main" w="9525">
                   <a:solidFill>
                     <a:srgbClr val="000000"/>
                   </a:solidFill>
@@ -660,7 +660,7 @@
             </a:ln>
             <a:extLst>
               <a:ext uri="{91240B29-F687-4f45-9708-019B960494DF}">
-                <a14:hiddenLine xmlns:a14="http://schemas.microsoft.com/office/drawing/2010/main" xmlns="" w="9525">
+                <a14:hiddenLine xmlns="" xmlns:a14="http://schemas.microsoft.com/office/drawing/2010/main" w="9525">
                   <a:solidFill>
                     <a:srgbClr val="000000"/>
                   </a:solidFill>
@@ -750,7 +750,7 @@
             </a:ln>
             <a:extLst>
               <a:ext uri="{91240B29-F687-4f45-9708-019B960494DF}">
-                <a14:hiddenLine xmlns:a14="http://schemas.microsoft.com/office/drawing/2010/main" xmlns="" w="9525">
+                <a14:hiddenLine xmlns="" xmlns:a14="http://schemas.microsoft.com/office/drawing/2010/main" w="9525">
                   <a:solidFill>
                     <a:srgbClr val="000000"/>
                   </a:solidFill>
@@ -812,7 +812,7 @@
             </a:ln>
             <a:extLst>
               <a:ext uri="{91240B29-F687-4f45-9708-019B960494DF}">
-                <a14:hiddenLine xmlns:a14="http://schemas.microsoft.com/office/drawing/2010/main" xmlns="" w="9525">
+                <a14:hiddenLine xmlns="" xmlns:a14="http://schemas.microsoft.com/office/drawing/2010/main" w="9525">
                   <a:solidFill>
                     <a:srgbClr val="000000"/>
                   </a:solidFill>
@@ -874,7 +874,7 @@
             </a:ln>
             <a:extLst>
               <a:ext uri="{91240B29-F687-4f45-9708-019B960494DF}">
-                <a14:hiddenLine xmlns:a14="http://schemas.microsoft.com/office/drawing/2010/main" xmlns="" w="9525">
+                <a14:hiddenLine xmlns="" xmlns:a14="http://schemas.microsoft.com/office/drawing/2010/main" w="9525">
                   <a:solidFill>
                     <a:srgbClr val="000000"/>
                   </a:solidFill>
@@ -964,7 +964,7 @@
             </a:ln>
             <a:extLst>
               <a:ext uri="{91240B29-F687-4f45-9708-019B960494DF}">
-                <a14:hiddenLine xmlns:a14="http://schemas.microsoft.com/office/drawing/2010/main" xmlns="" w="9525">
+                <a14:hiddenLine xmlns="" xmlns:a14="http://schemas.microsoft.com/office/drawing/2010/main" w="9525">
                   <a:solidFill>
                     <a:srgbClr val="000000"/>
                   </a:solidFill>
@@ -1054,7 +1054,7 @@
             </a:ln>
             <a:extLst>
               <a:ext uri="{91240B29-F687-4f45-9708-019B960494DF}">
-                <a14:hiddenLine xmlns:a14="http://schemas.microsoft.com/office/drawing/2010/main" xmlns="" w="9525">
+                <a14:hiddenLine xmlns="" xmlns:a14="http://schemas.microsoft.com/office/drawing/2010/main" w="9525">
                   <a:solidFill>
                     <a:srgbClr val="000000"/>
                   </a:solidFill>
@@ -1116,7 +1116,7 @@
             </a:ln>
             <a:extLst>
               <a:ext uri="{91240B29-F687-4f45-9708-019B960494DF}">
-                <a14:hiddenLine xmlns:a14="http://schemas.microsoft.com/office/drawing/2010/main" xmlns="" w="9525">
+                <a14:hiddenLine xmlns="" xmlns:a14="http://schemas.microsoft.com/office/drawing/2010/main" w="9525">
                   <a:solidFill>
                     <a:srgbClr val="000000"/>
                   </a:solidFill>
@@ -1226,7 +1226,7 @@
             </a:ln>
             <a:extLst>
               <a:ext uri="{91240B29-F687-4f45-9708-019B960494DF}">
-                <a14:hiddenLine xmlns:a14="http://schemas.microsoft.com/office/drawing/2010/main" xmlns="" w="9525">
+                <a14:hiddenLine xmlns="" xmlns:a14="http://schemas.microsoft.com/office/drawing/2010/main" w="9525">
                   <a:solidFill>
                     <a:srgbClr val="000000"/>
                   </a:solidFill>
@@ -1288,7 +1288,7 @@
             </a:ln>
             <a:extLst>
               <a:ext uri="{91240B29-F687-4f45-9708-019B960494DF}">
-                <a14:hiddenLine xmlns:a14="http://schemas.microsoft.com/office/drawing/2010/main" xmlns="" w="9525">
+                <a14:hiddenLine xmlns="" xmlns:a14="http://schemas.microsoft.com/office/drawing/2010/main" w="9525">
                   <a:solidFill>
                     <a:srgbClr val="000000"/>
                   </a:solidFill>
@@ -1378,7 +1378,7 @@
             </a:ln>
             <a:extLst>
               <a:ext uri="{91240B29-F687-4f45-9708-019B960494DF}">
-                <a14:hiddenLine xmlns:a14="http://schemas.microsoft.com/office/drawing/2010/main" xmlns="" w="9525">
+                <a14:hiddenLine xmlns="" xmlns:a14="http://schemas.microsoft.com/office/drawing/2010/main" w="9525">
                   <a:solidFill>
                     <a:srgbClr val="000000"/>
                   </a:solidFill>
@@ -1468,7 +1468,7 @@
             </a:ln>
             <a:extLst>
               <a:ext uri="{91240B29-F687-4f45-9708-019B960494DF}">
-                <a14:hiddenLine xmlns:a14="http://schemas.microsoft.com/office/drawing/2010/main" xmlns="" w="9525">
+                <a14:hiddenLine xmlns="" xmlns:a14="http://schemas.microsoft.com/office/drawing/2010/main" w="9525">
                   <a:solidFill>
                     <a:srgbClr val="000000"/>
                   </a:solidFill>
@@ -1530,7 +1530,7 @@
             </a:ln>
             <a:extLst>
               <a:ext uri="{91240B29-F687-4f45-9708-019B960494DF}">
-                <a14:hiddenLine xmlns:a14="http://schemas.microsoft.com/office/drawing/2010/main" xmlns="" w="9525">
+                <a14:hiddenLine xmlns="" xmlns:a14="http://schemas.microsoft.com/office/drawing/2010/main" w="9525">
                   <a:solidFill>
                     <a:srgbClr val="000000"/>
                   </a:solidFill>
@@ -1620,7 +1620,7 @@
             </a:ln>
             <a:extLst>
               <a:ext uri="{91240B29-F687-4f45-9708-019B960494DF}">
-                <a14:hiddenLine xmlns:a14="http://schemas.microsoft.com/office/drawing/2010/main" xmlns="" w="9525">
+                <a14:hiddenLine xmlns="" xmlns:a14="http://schemas.microsoft.com/office/drawing/2010/main" w="9525">
                   <a:solidFill>
                     <a:srgbClr val="000000"/>
                   </a:solidFill>
@@ -1710,7 +1710,7 @@
             </a:ln>
             <a:extLst>
               <a:ext uri="{91240B29-F687-4f45-9708-019B960494DF}">
-                <a14:hiddenLine xmlns:a14="http://schemas.microsoft.com/office/drawing/2010/main" xmlns="" w="9525">
+                <a14:hiddenLine xmlns="" xmlns:a14="http://schemas.microsoft.com/office/drawing/2010/main" w="9525">
                   <a:solidFill>
                     <a:srgbClr val="000000"/>
                   </a:solidFill>
@@ -1766,7 +1766,7 @@
             </a:ln>
             <a:extLst>
               <a:ext uri="{91240B29-F687-4f45-9708-019B960494DF}">
-                <a14:hiddenLine xmlns:a14="http://schemas.microsoft.com/office/drawing/2010/main" xmlns="" w="9525">
+                <a14:hiddenLine xmlns="" xmlns:a14="http://schemas.microsoft.com/office/drawing/2010/main" w="9525">
                   <a:solidFill>
                     <a:srgbClr val="000000"/>
                   </a:solidFill>
@@ -1856,7 +1856,7 @@
             </a:ln>
             <a:extLst>
               <a:ext uri="{91240B29-F687-4f45-9708-019B960494DF}">
-                <a14:hiddenLine xmlns:a14="http://schemas.microsoft.com/office/drawing/2010/main" xmlns="" w="9525">
+                <a14:hiddenLine xmlns="" xmlns:a14="http://schemas.microsoft.com/office/drawing/2010/main" w="9525">
                   <a:solidFill>
                     <a:srgbClr val="000000"/>
                   </a:solidFill>
@@ -1912,7 +1912,7 @@
             </a:ln>
             <a:extLst>
               <a:ext uri="{91240B29-F687-4f45-9708-019B960494DF}">
-                <a14:hiddenLine xmlns:a14="http://schemas.microsoft.com/office/drawing/2010/main" xmlns="" w="9525">
+                <a14:hiddenLine xmlns="" xmlns:a14="http://schemas.microsoft.com/office/drawing/2010/main" w="9525">
                   <a:solidFill>
                     <a:srgbClr val="000000"/>
                   </a:solidFill>
@@ -2002,7 +2002,7 @@
             </a:ln>
             <a:extLst>
               <a:ext uri="{91240B29-F687-4f45-9708-019B960494DF}">
-                <a14:hiddenLine xmlns:a14="http://schemas.microsoft.com/office/drawing/2010/main" xmlns="" w="9525">
+                <a14:hiddenLine xmlns="" xmlns:a14="http://schemas.microsoft.com/office/drawing/2010/main" w="9525">
                   <a:solidFill>
                     <a:srgbClr val="000000"/>
                   </a:solidFill>
@@ -2070,7 +2070,7 @@
             </a:ln>
             <a:extLst>
               <a:ext uri="{91240B29-F687-4f45-9708-019B960494DF}">
-                <a14:hiddenLine xmlns:a14="http://schemas.microsoft.com/office/drawing/2010/main" xmlns="" w="9525">
+                <a14:hiddenLine xmlns="" xmlns:a14="http://schemas.microsoft.com/office/drawing/2010/main" w="9525">
                   <a:solidFill>
                     <a:srgbClr val="000000"/>
                   </a:solidFill>
@@ -2160,7 +2160,7 @@
             </a:ln>
             <a:extLst>
               <a:ext uri="{91240B29-F687-4f45-9708-019B960494DF}">
-                <a14:hiddenLine xmlns:a14="http://schemas.microsoft.com/office/drawing/2010/main" xmlns="" w="9525">
+                <a14:hiddenLine xmlns="" xmlns:a14="http://schemas.microsoft.com/office/drawing/2010/main" w="9525">
                   <a:solidFill>
                     <a:srgbClr val="000000"/>
                   </a:solidFill>
@@ -2228,7 +2228,7 @@
             </a:ln>
             <a:extLst>
               <a:ext uri="{91240B29-F687-4f45-9708-019B960494DF}">
-                <a14:hiddenLine xmlns:a14="http://schemas.microsoft.com/office/drawing/2010/main" xmlns="" w="9525">
+                <a14:hiddenLine xmlns="" xmlns:a14="http://schemas.microsoft.com/office/drawing/2010/main" w="9525">
                   <a:solidFill>
                     <a:srgbClr val="000000"/>
                   </a:solidFill>
@@ -2318,7 +2318,7 @@
             </a:ln>
             <a:extLst>
               <a:ext uri="{91240B29-F687-4f45-9708-019B960494DF}">
-                <a14:hiddenLine xmlns:a14="http://schemas.microsoft.com/office/drawing/2010/main" xmlns="" w="9525">
+                <a14:hiddenLine xmlns="" xmlns:a14="http://schemas.microsoft.com/office/drawing/2010/main" w="9525">
                   <a:solidFill>
                     <a:srgbClr val="000000"/>
                   </a:solidFill>
@@ -2352,7 +2352,7 @@
             </a:ln>
             <a:extLst>
               <a:ext uri="{91240B29-F687-4f45-9708-019B960494DF}">
-                <a14:hiddenLine xmlns:a14="http://schemas.microsoft.com/office/drawing/2010/main" xmlns="" w="9525">
+                <a14:hiddenLine xmlns="" xmlns:a14="http://schemas.microsoft.com/office/drawing/2010/main" w="9525">
                   <a:solidFill>
                     <a:srgbClr val="000000"/>
                   </a:solidFill>
@@ -2442,7 +2442,7 @@
             </a:ln>
             <a:extLst>
               <a:ext uri="{91240B29-F687-4f45-9708-019B960494DF}">
-                <a14:hiddenLine xmlns:a14="http://schemas.microsoft.com/office/drawing/2010/main" xmlns="" w="9525">
+                <a14:hiddenLine xmlns="" xmlns:a14="http://schemas.microsoft.com/office/drawing/2010/main" w="9525">
                   <a:solidFill>
                     <a:srgbClr val="000000"/>
                   </a:solidFill>
@@ -2504,7 +2504,7 @@
             </a:ln>
             <a:extLst>
               <a:ext uri="{91240B29-F687-4f45-9708-019B960494DF}">
-                <a14:hiddenLine xmlns:a14="http://schemas.microsoft.com/office/drawing/2010/main" xmlns="" w="9525">
+                <a14:hiddenLine xmlns="" xmlns:a14="http://schemas.microsoft.com/office/drawing/2010/main" w="9525">
                   <a:solidFill>
                     <a:srgbClr val="000000"/>
                   </a:solidFill>
@@ -2566,7 +2566,7 @@
             </a:ln>
             <a:extLst>
               <a:ext uri="{91240B29-F687-4f45-9708-019B960494DF}">
-                <a14:hiddenLine xmlns:a14="http://schemas.microsoft.com/office/drawing/2010/main" xmlns="" w="9525">
+                <a14:hiddenLine xmlns="" xmlns:a14="http://schemas.microsoft.com/office/drawing/2010/main" w="9525">
                   <a:solidFill>
                     <a:srgbClr val="000000"/>
                   </a:solidFill>
@@ -2656,7 +2656,7 @@
             </a:ln>
             <a:extLst>
               <a:ext uri="{91240B29-F687-4f45-9708-019B960494DF}">
-                <a14:hiddenLine xmlns:a14="http://schemas.microsoft.com/office/drawing/2010/main" xmlns="" w="9525">
+                <a14:hiddenLine xmlns="" xmlns:a14="http://schemas.microsoft.com/office/drawing/2010/main" w="9525">
                   <a:solidFill>
                     <a:srgbClr val="000000"/>
                   </a:solidFill>
@@ -2724,7 +2724,7 @@
             </a:ln>
             <a:extLst>
               <a:ext uri="{91240B29-F687-4f45-9708-019B960494DF}">
-                <a14:hiddenLine xmlns:a14="http://schemas.microsoft.com/office/drawing/2010/main" xmlns="" w="9525">
+                <a14:hiddenLine xmlns="" xmlns:a14="http://schemas.microsoft.com/office/drawing/2010/main" w="9525">
                   <a:solidFill>
                     <a:srgbClr val="000000"/>
                   </a:solidFill>
@@ -2786,7 +2786,7 @@
             </a:ln>
             <a:extLst>
               <a:ext uri="{91240B29-F687-4f45-9708-019B960494DF}">
-                <a14:hiddenLine xmlns:a14="http://schemas.microsoft.com/office/drawing/2010/main" xmlns="" w="9525">
+                <a14:hiddenLine xmlns="" xmlns:a14="http://schemas.microsoft.com/office/drawing/2010/main" w="9525">
                   <a:solidFill>
                     <a:srgbClr val="000000"/>
                   </a:solidFill>
@@ -2876,7 +2876,7 @@
             </a:ln>
             <a:extLst>
               <a:ext uri="{91240B29-F687-4f45-9708-019B960494DF}">
-                <a14:hiddenLine xmlns:a14="http://schemas.microsoft.com/office/drawing/2010/main" xmlns="" w="9525">
+                <a14:hiddenLine xmlns="" xmlns:a14="http://schemas.microsoft.com/office/drawing/2010/main" w="9525">
                   <a:solidFill>
                     <a:srgbClr val="000000"/>
                   </a:solidFill>
@@ -2938,7 +2938,7 @@
             </a:ln>
             <a:extLst>
               <a:ext uri="{91240B29-F687-4f45-9708-019B960494DF}">
-                <a14:hiddenLine xmlns:a14="http://schemas.microsoft.com/office/drawing/2010/main" xmlns="" w="9525">
+                <a14:hiddenLine xmlns="" xmlns:a14="http://schemas.microsoft.com/office/drawing/2010/main" w="9525">
                   <a:solidFill>
                     <a:srgbClr val="000000"/>
                   </a:solidFill>
@@ -3028,7 +3028,7 @@
             </a:ln>
             <a:extLst>
               <a:ext uri="{91240B29-F687-4f45-9708-019B960494DF}">
-                <a14:hiddenLine xmlns:a14="http://schemas.microsoft.com/office/drawing/2010/main" xmlns="" w="9525">
+                <a14:hiddenLine xmlns="" xmlns:a14="http://schemas.microsoft.com/office/drawing/2010/main" w="9525">
                   <a:solidFill>
                     <a:srgbClr val="000000"/>
                   </a:solidFill>
@@ -3090,7 +3090,7 @@
             </a:ln>
             <a:extLst>
               <a:ext uri="{91240B29-F687-4f45-9708-019B960494DF}">
-                <a14:hiddenLine xmlns:a14="http://schemas.microsoft.com/office/drawing/2010/main" xmlns="" w="9525">
+                <a14:hiddenLine xmlns="" xmlns:a14="http://schemas.microsoft.com/office/drawing/2010/main" w="9525">
                   <a:solidFill>
                     <a:srgbClr val="000000"/>
                   </a:solidFill>
@@ -3180,7 +3180,7 @@
             </a:ln>
             <a:extLst>
               <a:ext uri="{91240B29-F687-4f45-9708-019B960494DF}">
-                <a14:hiddenLine xmlns:a14="http://schemas.microsoft.com/office/drawing/2010/main" xmlns="" w="9525">
+                <a14:hiddenLine xmlns="" xmlns:a14="http://schemas.microsoft.com/office/drawing/2010/main" w="9525">
                   <a:solidFill>
                     <a:srgbClr val="000000"/>
                   </a:solidFill>
@@ -3214,7 +3214,7 @@
             </a:ln>
             <a:extLst>
               <a:ext uri="{91240B29-F687-4f45-9708-019B960494DF}">
-                <a14:hiddenLine xmlns:a14="http://schemas.microsoft.com/office/drawing/2010/main" xmlns="" w="9525">
+                <a14:hiddenLine xmlns="" xmlns:a14="http://schemas.microsoft.com/office/drawing/2010/main" w="9525">
                   <a:solidFill>
                     <a:srgbClr val="000000"/>
                   </a:solidFill>
@@ -3279,7 +3279,7 @@
             </a:ln>
             <a:extLst>
               <a:ext uri="{91240B29-F687-4f45-9708-019B960494DF}">
-                <a14:hiddenLine xmlns:a14="http://schemas.microsoft.com/office/drawing/2010/main" xmlns="" w="9525">
+                <a14:hiddenLine xmlns="" xmlns:a14="http://schemas.microsoft.com/office/drawing/2010/main" w="9525">
                   <a:solidFill>
                     <a:srgbClr val="000000"/>
                   </a:solidFill>
@@ -3369,7 +3369,7 @@
             </a:ln>
             <a:extLst>
               <a:ext uri="{91240B29-F687-4f45-9708-019B960494DF}">
-                <a14:hiddenLine xmlns:a14="http://schemas.microsoft.com/office/drawing/2010/main" xmlns="" w="9525">
+                <a14:hiddenLine xmlns="" xmlns:a14="http://schemas.microsoft.com/office/drawing/2010/main" w="9525">
                   <a:solidFill>
                     <a:srgbClr val="000000"/>
                   </a:solidFill>
@@ -3431,7 +3431,7 @@
             </a:ln>
             <a:extLst>
               <a:ext uri="{91240B29-F687-4f45-9708-019B960494DF}">
-                <a14:hiddenLine xmlns:a14="http://schemas.microsoft.com/office/drawing/2010/main" xmlns="" w="9525">
+                <a14:hiddenLine xmlns="" xmlns:a14="http://schemas.microsoft.com/office/drawing/2010/main" w="9525">
                   <a:solidFill>
                     <a:srgbClr val="000000"/>
                   </a:solidFill>
@@ -3521,7 +3521,7 @@
             </a:ln>
             <a:extLst>
               <a:ext uri="{91240B29-F687-4f45-9708-019B960494DF}">
-                <a14:hiddenLine xmlns:a14="http://schemas.microsoft.com/office/drawing/2010/main" xmlns="" w="9525">
+                <a14:hiddenLine xmlns="" xmlns:a14="http://schemas.microsoft.com/office/drawing/2010/main" w="9525">
                   <a:solidFill>
                     <a:srgbClr val="000000"/>
                   </a:solidFill>
@@ -3611,7 +3611,7 @@
             </a:ln>
             <a:extLst>
               <a:ext uri="{91240B29-F687-4f45-9708-019B960494DF}">
-                <a14:hiddenLine xmlns:a14="http://schemas.microsoft.com/office/drawing/2010/main" xmlns="" w="9525">
+                <a14:hiddenLine xmlns="" xmlns:a14="http://schemas.microsoft.com/office/drawing/2010/main" w="9525">
                   <a:solidFill>
                     <a:srgbClr val="000000"/>
                   </a:solidFill>
@@ -3676,7 +3676,7 @@
             </a:ln>
             <a:extLst>
               <a:ext uri="{91240B29-F687-4f45-9708-019B960494DF}">
-                <a14:hiddenLine xmlns:a14="http://schemas.microsoft.com/office/drawing/2010/main" xmlns="" w="9525">
+                <a14:hiddenLine xmlns="" xmlns:a14="http://schemas.microsoft.com/office/drawing/2010/main" w="9525">
                   <a:solidFill>
                     <a:srgbClr val="000000"/>
                   </a:solidFill>
@@ -3738,7 +3738,7 @@
             </a:ln>
             <a:extLst>
               <a:ext uri="{91240B29-F687-4f45-9708-019B960494DF}">
-                <a14:hiddenLine xmlns:a14="http://schemas.microsoft.com/office/drawing/2010/main" xmlns="" w="9525">
+                <a14:hiddenLine xmlns="" xmlns:a14="http://schemas.microsoft.com/office/drawing/2010/main" w="9525">
                   <a:solidFill>
                     <a:srgbClr val="000000"/>
                   </a:solidFill>
@@ -3828,7 +3828,7 @@
             </a:ln>
             <a:extLst>
               <a:ext uri="{91240B29-F687-4f45-9708-019B960494DF}">
-                <a14:hiddenLine xmlns:a14="http://schemas.microsoft.com/office/drawing/2010/main" xmlns="" w="9525">
+                <a14:hiddenLine xmlns="" xmlns:a14="http://schemas.microsoft.com/office/drawing/2010/main" w="9525">
                   <a:solidFill>
                     <a:srgbClr val="000000"/>
                   </a:solidFill>
@@ -3918,7 +3918,7 @@
             </a:ln>
             <a:extLst>
               <a:ext uri="{91240B29-F687-4f45-9708-019B960494DF}">
-                <a14:hiddenLine xmlns:a14="http://schemas.microsoft.com/office/drawing/2010/main" xmlns="" w="9525">
+                <a14:hiddenLine xmlns="" xmlns:a14="http://schemas.microsoft.com/office/drawing/2010/main" w="9525">
                   <a:solidFill>
                     <a:srgbClr val="000000"/>
                   </a:solidFill>
@@ -3980,7 +3980,7 @@
             </a:ln>
             <a:extLst>
               <a:ext uri="{91240B29-F687-4f45-9708-019B960494DF}">
-                <a14:hiddenLine xmlns:a14="http://schemas.microsoft.com/office/drawing/2010/main" xmlns="" w="9525">
+                <a14:hiddenLine xmlns="" xmlns:a14="http://schemas.microsoft.com/office/drawing/2010/main" w="9525">
                   <a:solidFill>
                     <a:srgbClr val="000000"/>
                   </a:solidFill>
@@ -4100,7 +4100,7 @@
             </a:ln>
             <a:extLst>
               <a:ext uri="{91240B29-F687-4f45-9708-019B960494DF}">
-                <a14:hiddenLine xmlns:a14="http://schemas.microsoft.com/office/drawing/2010/main" xmlns="" w="9525">
+                <a14:hiddenLine xmlns="" xmlns:a14="http://schemas.microsoft.com/office/drawing/2010/main" w="9525">
                   <a:solidFill>
                     <a:srgbClr val="000000"/>
                   </a:solidFill>
@@ -4168,7 +4168,7 @@
             </a:ln>
             <a:extLst>
               <a:ext uri="{91240B29-F687-4f45-9708-019B960494DF}">
-                <a14:hiddenLine xmlns:a14="http://schemas.microsoft.com/office/drawing/2010/main" xmlns="" w="9525">
+                <a14:hiddenLine xmlns="" xmlns:a14="http://schemas.microsoft.com/office/drawing/2010/main" w="9525">
                   <a:solidFill>
                     <a:srgbClr val="000000"/>
                   </a:solidFill>
@@ -4258,7 +4258,7 @@
             </a:ln>
             <a:extLst>
               <a:ext uri="{91240B29-F687-4f45-9708-019B960494DF}">
-                <a14:hiddenLine xmlns:a14="http://schemas.microsoft.com/office/drawing/2010/main" xmlns="" w="9525">
+                <a14:hiddenLine xmlns="" xmlns:a14="http://schemas.microsoft.com/office/drawing/2010/main" w="9525">
                   <a:solidFill>
                     <a:srgbClr val="000000"/>
                   </a:solidFill>
@@ -9093,7 +9093,7 @@
           <a:noFill/>
           <a:extLst>
             <a:ext uri="{909E8E84-426E-40dd-AFC4-6F175D3DCCD1}">
-              <a14:hiddenFill xmlns:a14="http://schemas.microsoft.com/office/drawing/2010/main" xmlns="">
+              <a14:hiddenFill xmlns="" xmlns:a14="http://schemas.microsoft.com/office/drawing/2010/main">
                 <a:solidFill>
                   <a:srgbClr val="FFFFFF"/>
                 </a:solidFill>
@@ -9167,7 +9167,7 @@
               </a:ln>
               <a:extLst>
                 <a:ext uri="{91240B29-F687-4f45-9708-019B960494DF}">
-                  <a14:hiddenLine xmlns:a14="http://schemas.microsoft.com/office/drawing/2010/main" xmlns="" w="9525">
+                  <a14:hiddenLine xmlns="" xmlns:a14="http://schemas.microsoft.com/office/drawing/2010/main" w="9525">
                     <a:solidFill>
                       <a:srgbClr val="000000"/>
                     </a:solidFill>
@@ -9257,7 +9257,7 @@
               </a:ln>
               <a:extLst>
                 <a:ext uri="{91240B29-F687-4f45-9708-019B960494DF}">
-                  <a14:hiddenLine xmlns:a14="http://schemas.microsoft.com/office/drawing/2010/main" xmlns="" w="9525">
+                  <a14:hiddenLine xmlns="" xmlns:a14="http://schemas.microsoft.com/office/drawing/2010/main" w="9525">
                     <a:solidFill>
                       <a:srgbClr val="000000"/>
                     </a:solidFill>
@@ -9347,7 +9347,7 @@
               </a:ln>
               <a:extLst>
                 <a:ext uri="{91240B29-F687-4f45-9708-019B960494DF}">
-                  <a14:hiddenLine xmlns:a14="http://schemas.microsoft.com/office/drawing/2010/main" xmlns="" w="9525">
+                  <a14:hiddenLine xmlns="" xmlns:a14="http://schemas.microsoft.com/office/drawing/2010/main" w="9525">
                     <a:solidFill>
                       <a:srgbClr val="000000"/>
                     </a:solidFill>
@@ -9409,7 +9409,7 @@
               </a:ln>
               <a:extLst>
                 <a:ext uri="{91240B29-F687-4f45-9708-019B960494DF}">
-                  <a14:hiddenLine xmlns:a14="http://schemas.microsoft.com/office/drawing/2010/main" xmlns="" w="9525">
+                  <a14:hiddenLine xmlns="" xmlns:a14="http://schemas.microsoft.com/office/drawing/2010/main" w="9525">
                     <a:solidFill>
                       <a:srgbClr val="000000"/>
                     </a:solidFill>
@@ -9499,7 +9499,7 @@
               </a:ln>
               <a:extLst>
                 <a:ext uri="{91240B29-F687-4f45-9708-019B960494DF}">
-                  <a14:hiddenLine xmlns:a14="http://schemas.microsoft.com/office/drawing/2010/main" xmlns="" w="9525">
+                  <a14:hiddenLine xmlns="" xmlns:a14="http://schemas.microsoft.com/office/drawing/2010/main" w="9525">
                     <a:solidFill>
                       <a:srgbClr val="000000"/>
                     </a:solidFill>
@@ -9561,7 +9561,7 @@
               </a:ln>
               <a:extLst>
                 <a:ext uri="{91240B29-F687-4f45-9708-019B960494DF}">
-                  <a14:hiddenLine xmlns:a14="http://schemas.microsoft.com/office/drawing/2010/main" xmlns="" w="9525">
+                  <a14:hiddenLine xmlns="" xmlns:a14="http://schemas.microsoft.com/office/drawing/2010/main" w="9525">
                     <a:solidFill>
                       <a:srgbClr val="000000"/>
                     </a:solidFill>
@@ -9623,7 +9623,7 @@
               </a:ln>
               <a:extLst>
                 <a:ext uri="{91240B29-F687-4f45-9708-019B960494DF}">
-                  <a14:hiddenLine xmlns:a14="http://schemas.microsoft.com/office/drawing/2010/main" xmlns="" w="9525">
+                  <a14:hiddenLine xmlns="" xmlns:a14="http://schemas.microsoft.com/office/drawing/2010/main" w="9525">
                     <a:solidFill>
                       <a:srgbClr val="000000"/>
                     </a:solidFill>
@@ -9713,7 +9713,7 @@
               </a:ln>
               <a:extLst>
                 <a:ext uri="{91240B29-F687-4f45-9708-019B960494DF}">
-                  <a14:hiddenLine xmlns:a14="http://schemas.microsoft.com/office/drawing/2010/main" xmlns="" w="9525">
+                  <a14:hiddenLine xmlns="" xmlns:a14="http://schemas.microsoft.com/office/drawing/2010/main" w="9525">
                     <a:solidFill>
                       <a:srgbClr val="000000"/>
                     </a:solidFill>
@@ -9803,7 +9803,7 @@
               </a:ln>
               <a:extLst>
                 <a:ext uri="{91240B29-F687-4f45-9708-019B960494DF}">
-                  <a14:hiddenLine xmlns:a14="http://schemas.microsoft.com/office/drawing/2010/main" xmlns="" w="9525">
+                  <a14:hiddenLine xmlns="" xmlns:a14="http://schemas.microsoft.com/office/drawing/2010/main" w="9525">
                     <a:solidFill>
                       <a:srgbClr val="000000"/>
                     </a:solidFill>
@@ -9865,7 +9865,7 @@
               </a:ln>
               <a:extLst>
                 <a:ext uri="{91240B29-F687-4f45-9708-019B960494DF}">
-                  <a14:hiddenLine xmlns:a14="http://schemas.microsoft.com/office/drawing/2010/main" xmlns="" w="9525">
+                  <a14:hiddenLine xmlns="" xmlns:a14="http://schemas.microsoft.com/office/drawing/2010/main" w="9525">
                     <a:solidFill>
                       <a:srgbClr val="000000"/>
                     </a:solidFill>
@@ -9975,7 +9975,7 @@
               </a:ln>
               <a:extLst>
                 <a:ext uri="{91240B29-F687-4f45-9708-019B960494DF}">
-                  <a14:hiddenLine xmlns:a14="http://schemas.microsoft.com/office/drawing/2010/main" xmlns="" w="9525">
+                  <a14:hiddenLine xmlns="" xmlns:a14="http://schemas.microsoft.com/office/drawing/2010/main" w="9525">
                     <a:solidFill>
                       <a:srgbClr val="000000"/>
                     </a:solidFill>
@@ -10059,7 +10059,7 @@
               </a:ln>
               <a:extLst>
                 <a:ext uri="{91240B29-F687-4f45-9708-019B960494DF}">
-                  <a14:hiddenLine xmlns:a14="http://schemas.microsoft.com/office/drawing/2010/main" xmlns="" w="9525">
+                  <a14:hiddenLine xmlns="" xmlns:a14="http://schemas.microsoft.com/office/drawing/2010/main" w="9525">
                     <a:solidFill>
                       <a:srgbClr val="000000"/>
                     </a:solidFill>
@@ -10121,7 +10121,7 @@
               </a:ln>
               <a:extLst>
                 <a:ext uri="{91240B29-F687-4f45-9708-019B960494DF}">
-                  <a14:hiddenLine xmlns:a14="http://schemas.microsoft.com/office/drawing/2010/main" xmlns="" w="9525">
+                  <a14:hiddenLine xmlns="" xmlns:a14="http://schemas.microsoft.com/office/drawing/2010/main" w="9525">
                     <a:solidFill>
                       <a:srgbClr val="000000"/>
                     </a:solidFill>
@@ -10183,7 +10183,7 @@
               </a:ln>
               <a:extLst>
                 <a:ext uri="{91240B29-F687-4f45-9708-019B960494DF}">
-                  <a14:hiddenLine xmlns:a14="http://schemas.microsoft.com/office/drawing/2010/main" xmlns="" w="9525">
+                  <a14:hiddenLine xmlns="" xmlns:a14="http://schemas.microsoft.com/office/drawing/2010/main" w="9525">
                     <a:solidFill>
                       <a:srgbClr val="000000"/>
                     </a:solidFill>
@@ -10273,7 +10273,7 @@
               </a:ln>
               <a:extLst>
                 <a:ext uri="{91240B29-F687-4f45-9708-019B960494DF}">
-                  <a14:hiddenLine xmlns:a14="http://schemas.microsoft.com/office/drawing/2010/main" xmlns="" w="9525">
+                  <a14:hiddenLine xmlns="" xmlns:a14="http://schemas.microsoft.com/office/drawing/2010/main" w="9525">
                     <a:solidFill>
                       <a:srgbClr val="000000"/>
                     </a:solidFill>
@@ -10307,7 +10307,7 @@
               </a:ln>
               <a:extLst>
                 <a:ext uri="{91240B29-F687-4f45-9708-019B960494DF}">
-                  <a14:hiddenLine xmlns:a14="http://schemas.microsoft.com/office/drawing/2010/main" xmlns="" w="9525">
+                  <a14:hiddenLine xmlns="" xmlns:a14="http://schemas.microsoft.com/office/drawing/2010/main" w="9525">
                     <a:solidFill>
                       <a:srgbClr val="000000"/>
                     </a:solidFill>
@@ -10372,7 +10372,7 @@
               </a:ln>
               <a:extLst>
                 <a:ext uri="{91240B29-F687-4f45-9708-019B960494DF}">
-                  <a14:hiddenLine xmlns:a14="http://schemas.microsoft.com/office/drawing/2010/main" xmlns="" w="9525">
+                  <a14:hiddenLine xmlns="" xmlns:a14="http://schemas.microsoft.com/office/drawing/2010/main" w="9525">
                     <a:solidFill>
                       <a:srgbClr val="000000"/>
                     </a:solidFill>
@@ -10462,7 +10462,7 @@
               </a:ln>
               <a:extLst>
                 <a:ext uri="{91240B29-F687-4f45-9708-019B960494DF}">
-                  <a14:hiddenLine xmlns:a14="http://schemas.microsoft.com/office/drawing/2010/main" xmlns="" w="9525">
+                  <a14:hiddenLine xmlns="" xmlns:a14="http://schemas.microsoft.com/office/drawing/2010/main" w="9525">
                     <a:solidFill>
                       <a:srgbClr val="000000"/>
                     </a:solidFill>
@@ -10524,7 +10524,7 @@
               </a:ln>
               <a:extLst>
                 <a:ext uri="{91240B29-F687-4f45-9708-019B960494DF}">
-                  <a14:hiddenLine xmlns:a14="http://schemas.microsoft.com/office/drawing/2010/main" xmlns="" w="9525">
+                  <a14:hiddenLine xmlns="" xmlns:a14="http://schemas.microsoft.com/office/drawing/2010/main" w="9525">
                     <a:solidFill>
                       <a:srgbClr val="000000"/>
                     </a:solidFill>
@@ -10614,7 +10614,7 @@
               </a:ln>
               <a:extLst>
                 <a:ext uri="{91240B29-F687-4f45-9708-019B960494DF}">
-                  <a14:hiddenLine xmlns:a14="http://schemas.microsoft.com/office/drawing/2010/main" xmlns="" w="9525">
+                  <a14:hiddenLine xmlns="" xmlns:a14="http://schemas.microsoft.com/office/drawing/2010/main" w="9525">
                     <a:solidFill>
                       <a:srgbClr val="000000"/>
                     </a:solidFill>
@@ -10679,7 +10679,7 @@
               </a:ln>
               <a:extLst>
                 <a:ext uri="{91240B29-F687-4f45-9708-019B960494DF}">
-                  <a14:hiddenLine xmlns:a14="http://schemas.microsoft.com/office/drawing/2010/main" xmlns="" w="9525">
+                  <a14:hiddenLine xmlns="" xmlns:a14="http://schemas.microsoft.com/office/drawing/2010/main" w="9525">
                     <a:solidFill>
                       <a:srgbClr val="000000"/>
                     </a:solidFill>
@@ -10741,7 +10741,7 @@
               </a:ln>
               <a:extLst>
                 <a:ext uri="{91240B29-F687-4f45-9708-019B960494DF}">
-                  <a14:hiddenLine xmlns:a14="http://schemas.microsoft.com/office/drawing/2010/main" xmlns="" w="9525">
+                  <a14:hiddenLine xmlns="" xmlns:a14="http://schemas.microsoft.com/office/drawing/2010/main" w="9525">
                     <a:solidFill>
                       <a:srgbClr val="000000"/>
                     </a:solidFill>
@@ -10831,7 +10831,7 @@
               </a:ln>
               <a:extLst>
                 <a:ext uri="{91240B29-F687-4f45-9708-019B960494DF}">
-                  <a14:hiddenLine xmlns:a14="http://schemas.microsoft.com/office/drawing/2010/main" xmlns="" w="9525">
+                  <a14:hiddenLine xmlns="" xmlns:a14="http://schemas.microsoft.com/office/drawing/2010/main" w="9525">
                     <a:solidFill>
                       <a:srgbClr val="000000"/>
                     </a:solidFill>
@@ -10921,7 +10921,7 @@
               </a:ln>
               <a:extLst>
                 <a:ext uri="{91240B29-F687-4f45-9708-019B960494DF}">
-                  <a14:hiddenLine xmlns:a14="http://schemas.microsoft.com/office/drawing/2010/main" xmlns="" w="9525">
+                  <a14:hiddenLine xmlns="" xmlns:a14="http://schemas.microsoft.com/office/drawing/2010/main" w="9525">
                     <a:solidFill>
                       <a:srgbClr val="000000"/>
                     </a:solidFill>
@@ -10986,7 +10986,7 @@
               </a:ln>
               <a:extLst>
                 <a:ext uri="{91240B29-F687-4f45-9708-019B960494DF}">
-                  <a14:hiddenLine xmlns:a14="http://schemas.microsoft.com/office/drawing/2010/main" xmlns="" w="9525">
+                  <a14:hiddenLine xmlns="" xmlns:a14="http://schemas.microsoft.com/office/drawing/2010/main" w="9525">
                     <a:solidFill>
                       <a:srgbClr val="000000"/>
                     </a:solidFill>
@@ -11106,7 +11106,7 @@
               </a:ln>
               <a:extLst>
                 <a:ext uri="{91240B29-F687-4f45-9708-019B960494DF}">
-                  <a14:hiddenLine xmlns:a14="http://schemas.microsoft.com/office/drawing/2010/main" xmlns="" w="9525">
+                  <a14:hiddenLine xmlns="" xmlns:a14="http://schemas.microsoft.com/office/drawing/2010/main" w="9525">
                     <a:solidFill>
                       <a:srgbClr val="000000"/>
                     </a:solidFill>
@@ -11204,7 +11204,7 @@
               </a:ln>
               <a:extLst>
                 <a:ext uri="{91240B29-F687-4f45-9708-019B960494DF}">
-                  <a14:hiddenLine xmlns:a14="http://schemas.microsoft.com/office/drawing/2010/main" xmlns="" w="9525">
+                  <a14:hiddenLine xmlns="" xmlns:a14="http://schemas.microsoft.com/office/drawing/2010/main" w="9525">
                     <a:solidFill>
                       <a:srgbClr val="000000"/>
                     </a:solidFill>
@@ -11319,7 +11319,7 @@
               </a:ln>
               <a:extLst>
                 <a:ext uri="{91240B29-F687-4f45-9708-019B960494DF}">
-                  <a14:hiddenLine xmlns:a14="http://schemas.microsoft.com/office/drawing/2010/main" xmlns="" w="9525">
+                  <a14:hiddenLine xmlns="" xmlns:a14="http://schemas.microsoft.com/office/drawing/2010/main" w="9525">
                     <a:solidFill>
                       <a:srgbClr val="000000"/>
                     </a:solidFill>
@@ -11409,7 +11409,7 @@
               </a:ln>
               <a:extLst>
                 <a:ext uri="{91240B29-F687-4f45-9708-019B960494DF}">
-                  <a14:hiddenLine xmlns:a14="http://schemas.microsoft.com/office/drawing/2010/main" xmlns="" w="9525">
+                  <a14:hiddenLine xmlns="" xmlns:a14="http://schemas.microsoft.com/office/drawing/2010/main" w="9525">
                     <a:solidFill>
                       <a:srgbClr val="000000"/>
                     </a:solidFill>
@@ -11474,7 +11474,7 @@
               </a:ln>
               <a:extLst>
                 <a:ext uri="{91240B29-F687-4f45-9708-019B960494DF}">
-                  <a14:hiddenLine xmlns:a14="http://schemas.microsoft.com/office/drawing/2010/main" xmlns="" w="9525">
+                  <a14:hiddenLine xmlns="" xmlns:a14="http://schemas.microsoft.com/office/drawing/2010/main" w="9525">
                     <a:solidFill>
                       <a:srgbClr val="000000"/>
                     </a:solidFill>
@@ -11564,7 +11564,7 @@
               </a:ln>
               <a:extLst>
                 <a:ext uri="{91240B29-F687-4f45-9708-019B960494DF}">
-                  <a14:hiddenLine xmlns:a14="http://schemas.microsoft.com/office/drawing/2010/main" xmlns="" w="9525">
+                  <a14:hiddenLine xmlns="" xmlns:a14="http://schemas.microsoft.com/office/drawing/2010/main" w="9525">
                     <a:solidFill>
                       <a:srgbClr val="000000"/>
                     </a:solidFill>
@@ -11632,7 +11632,7 @@
               </a:ln>
               <a:extLst>
                 <a:ext uri="{91240B29-F687-4f45-9708-019B960494DF}">
-                  <a14:hiddenLine xmlns:a14="http://schemas.microsoft.com/office/drawing/2010/main" xmlns="" w="9525">
+                  <a14:hiddenLine xmlns="" xmlns:a14="http://schemas.microsoft.com/office/drawing/2010/main" w="9525">
                     <a:solidFill>
                       <a:srgbClr val="000000"/>
                     </a:solidFill>
@@ -11722,7 +11722,7 @@
               </a:ln>
               <a:extLst>
                 <a:ext uri="{91240B29-F687-4f45-9708-019B960494DF}">
-                  <a14:hiddenLine xmlns:a14="http://schemas.microsoft.com/office/drawing/2010/main" xmlns="" w="9525">
+                  <a14:hiddenLine xmlns="" xmlns:a14="http://schemas.microsoft.com/office/drawing/2010/main" w="9525">
                     <a:solidFill>
                       <a:srgbClr val="000000"/>
                     </a:solidFill>
@@ -11790,7 +11790,7 @@
               </a:ln>
               <a:extLst>
                 <a:ext uri="{91240B29-F687-4f45-9708-019B960494DF}">
-                  <a14:hiddenLine xmlns:a14="http://schemas.microsoft.com/office/drawing/2010/main" xmlns="" w="9525">
+                  <a14:hiddenLine xmlns="" xmlns:a14="http://schemas.microsoft.com/office/drawing/2010/main" w="9525">
                     <a:solidFill>
                       <a:srgbClr val="000000"/>
                     </a:solidFill>
@@ -11880,7 +11880,7 @@
               </a:ln>
               <a:extLst>
                 <a:ext uri="{91240B29-F687-4f45-9708-019B960494DF}">
-                  <a14:hiddenLine xmlns:a14="http://schemas.microsoft.com/office/drawing/2010/main" xmlns="" w="9525">
+                  <a14:hiddenLine xmlns="" xmlns:a14="http://schemas.microsoft.com/office/drawing/2010/main" w="9525">
                     <a:solidFill>
                       <a:srgbClr val="000000"/>
                     </a:solidFill>
@@ -11914,7 +11914,7 @@
               </a:ln>
               <a:extLst>
                 <a:ext uri="{91240B29-F687-4f45-9708-019B960494DF}">
-                  <a14:hiddenLine xmlns:a14="http://schemas.microsoft.com/office/drawing/2010/main" xmlns="" w="9525">
+                  <a14:hiddenLine xmlns="" xmlns:a14="http://schemas.microsoft.com/office/drawing/2010/main" w="9525">
                     <a:solidFill>
                       <a:srgbClr val="000000"/>
                     </a:solidFill>
@@ -12476,7 +12476,7 @@
       </p:grpSpPr>
       <p:sp>
         <p:nvSpPr>
-          <p:cNvPr id="4" name="Rettangolo 3">
+          <p:cNvPr id="4" name="Rettangolo con angoli arrotondati 3">
             <a:extLst>
               <a:ext uri="{FF2B5EF4-FFF2-40B4-BE49-F238E27FC236}">
                 <a16:creationId xmlns:a16="http://schemas.microsoft.com/office/drawing/2014/main" id="{3F895C43-B560-485B-8FFD-4BCC50B81416}"/>
@@ -12488,10 +12488,10 @@
         </p:nvSpPr>
         <p:spPr>
           <a:xfrm>
-            <a:off x="3047996" y="1714175"/>
-            <a:ext cx="6090663" cy="369332"/>
+            <a:off x="3053333" y="1738263"/>
+            <a:ext cx="6090663" cy="408623"/>
           </a:xfrm>
-          <a:prstGeom prst="rect">
+          <a:prstGeom prst="roundRect">
             <a:avLst/>
           </a:prstGeom>
           <a:solidFill>
@@ -12533,16 +12533,16 @@
       </p:sp>
       <p:sp>
         <p:nvSpPr>
-          <p:cNvPr id="3" name="Rettangolo 2"/>
+          <p:cNvPr id="3" name="Rettangolo con angoli arrotondati 2"/>
           <p:cNvSpPr/>
           <p:nvPr/>
         </p:nvSpPr>
         <p:spPr>
           <a:xfrm>
-            <a:off x="3390630" y="513846"/>
-            <a:ext cx="5405391" cy="1200329"/>
+            <a:off x="3338353" y="409369"/>
+            <a:ext cx="5509944" cy="1328023"/>
           </a:xfrm>
-          <a:prstGeom prst="rect">
+          <a:prstGeom prst="roundRect">
             <a:avLst/>
           </a:prstGeom>
           <a:solidFill>
@@ -12636,7 +12636,7 @@
         <p:spPr>
           <a:xfrm>
             <a:off x="3047996" y="4484164"/>
-            <a:ext cx="6096000" cy="830997"/>
+            <a:ext cx="6096000" cy="1061829"/>
           </a:xfrm>
           <a:prstGeom prst="rect">
             <a:avLst/>
@@ -12648,7 +12648,11 @@
           </a:bodyPr>
           <a:lstStyle/>
           <a:p>
-            <a:pPr algn="ctr"/>
+            <a:pPr algn="ctr">
+              <a:spcBef>
+                <a:spcPts val="1800"/>
+              </a:spcBef>
+            </a:pPr>
             <a:r>
               <a:rPr lang="it-IT" sz="2400" dirty="0"/>
               <a:t>Giuseppe Mauri </a:t>
@@ -12665,7 +12669,11 @@
             </a:r>
           </a:p>
           <a:p>
-            <a:pPr algn="ctr"/>
+            <a:pPr algn="ctr">
+              <a:spcBef>
+                <a:spcPts val="1800"/>
+              </a:spcBef>
+            </a:pPr>
             <a:r>
               <a:rPr lang="it-IT" sz="2400" dirty="0"/>
               <a:t>Giulia Meneghin  </a:t>
@@ -12962,7 +12970,7 @@
         <p:spPr>
           <a:xfrm>
             <a:off x="0" y="542728"/>
-            <a:ext cx="12192000" cy="584775"/>
+            <a:ext cx="12192000" cy="523220"/>
           </a:xfrm>
           <a:prstGeom prst="rect">
             <a:avLst/>
@@ -12977,7 +12985,7 @@
           <a:p>
             <a:pPr algn="ctr"/>
             <a:r>
-              <a:rPr lang="it-IT" sz="3200" b="1" dirty="0">
+              <a:rPr lang="it-IT" sz="2800" b="1" dirty="0">
                 <a:ln w="19050" cmpd="sng">
                   <a:solidFill>
                     <a:schemeClr val="bg2">
@@ -12992,9 +13000,9 @@
                   </a:schemeClr>
                 </a:solidFill>
               </a:rPr>
-              <a:t>WE MANAGE DIFFERENT OUTCOME PARTE 2</a:t>
-            </a:r>
-            <a:endParaRPr lang="en-US" sz="3200" b="1" dirty="0">
+              <a:t>OUTCOME PHASE 2</a:t>
+            </a:r>
+            <a:endParaRPr lang="en-US" sz="2800" b="1" dirty="0">
               <a:ln w="19050" cmpd="sng">
                 <a:solidFill>
                   <a:schemeClr val="bg2">
@@ -13949,10 +13957,10 @@
       </p:grpSpPr>
       <p:sp>
         <p:nvSpPr>
-          <p:cNvPr id="4" name="CasellaDiTesto 3">
+          <p:cNvPr id="3" name="CasellaDiTesto 2">
             <a:extLst>
               <a:ext uri="{FF2B5EF4-FFF2-40B4-BE49-F238E27FC236}">
-                <a16:creationId xmlns:a16="http://schemas.microsoft.com/office/drawing/2014/main" id="{81F79775-7CA2-4D31-82A1-4EFC38767F00}"/>
+                <a16:creationId xmlns:a16="http://schemas.microsoft.com/office/drawing/2014/main" id="{B0BDFFF3-D9AA-4E70-9067-4A17D461F0E8}"/>
               </a:ext>
             </a:extLst>
           </p:cNvPr>
@@ -13961,8 +13969,8 @@
         </p:nvSpPr>
         <p:spPr>
           <a:xfrm>
-            <a:off x="3009900" y="1340737"/>
-            <a:ext cx="6981825" cy="1477328"/>
+            <a:off x="0" y="542728"/>
+            <a:ext cx="12192000" cy="523220"/>
           </a:xfrm>
           <a:prstGeom prst="rect">
             <a:avLst/>
@@ -13975,31 +13983,314 @@
           </a:bodyPr>
           <a:lstStyle/>
           <a:p>
-            <a:r>
-              <a:rPr lang="it-IT" dirty="0"/>
-              <a:t>Value </a:t>
-            </a:r>
-            <a:r>
-              <a:rPr lang="it-IT" dirty="0" err="1"/>
-              <a:t>proposition</a:t>
-            </a:r>
-            <a:endParaRPr lang="it-IT" dirty="0"/>
-          </a:p>
-          <a:p>
+            <a:pPr algn="ctr"/>
+            <a:r>
+              <a:rPr lang="it-IT" sz="2800" b="1" dirty="0">
+                <a:ln w="19050" cmpd="sng">
+                  <a:solidFill>
+                    <a:schemeClr val="bg2">
+                      <a:lumMod val="50000"/>
+                    </a:schemeClr>
+                  </a:solidFill>
+                </a:ln>
+                <a:solidFill>
+                  <a:schemeClr val="tx2">
+                    <a:lumMod val="60000"/>
+                    <a:lumOff val="40000"/>
+                  </a:schemeClr>
+                </a:solidFill>
+              </a:rPr>
+              <a:t>CONCLUSION</a:t>
+            </a:r>
+            <a:endParaRPr lang="en-US" sz="2800" b="1" dirty="0">
+              <a:ln w="19050" cmpd="sng">
+                <a:solidFill>
+                  <a:schemeClr val="bg2">
+                    <a:lumMod val="50000"/>
+                  </a:schemeClr>
+                </a:solidFill>
+              </a:ln>
+              <a:solidFill>
+                <a:schemeClr val="tx2">
+                  <a:lumMod val="60000"/>
+                  <a:lumOff val="40000"/>
+                </a:schemeClr>
+              </a:solidFill>
+            </a:endParaRPr>
+          </a:p>
+        </p:txBody>
+      </p:sp>
+      <p:sp>
+        <p:nvSpPr>
+          <p:cNvPr id="2" name="Rettangolo 1">
+            <a:extLst>
+              <a:ext uri="{FF2B5EF4-FFF2-40B4-BE49-F238E27FC236}">
+                <a16:creationId xmlns:a16="http://schemas.microsoft.com/office/drawing/2014/main" id="{F96E7718-4870-43E9-9C7E-404602D83076}"/>
+              </a:ext>
+            </a:extLst>
+          </p:cNvPr>
+          <p:cNvSpPr/>
+          <p:nvPr/>
+        </p:nvSpPr>
+        <p:spPr>
+          <a:xfrm>
+            <a:off x="1605112" y="1291039"/>
+            <a:ext cx="5834482" cy="1384995"/>
+          </a:xfrm>
+          <a:prstGeom prst="rect">
+            <a:avLst/>
+          </a:prstGeom>
+        </p:spPr>
+        <p:txBody>
+          <a:bodyPr wrap="none">
+            <a:spAutoFit/>
+          </a:bodyPr>
+          <a:lstStyle/>
+          <a:p>
+            <a:pPr marL="285750" indent="-285750">
+              <a:spcBef>
+                <a:spcPts val="1800"/>
+              </a:spcBef>
+              <a:buFont typeface="Arial" panose="020B0604020202020204" pitchFamily="34" charset="0"/>
+              <a:buChar char="•"/>
+            </a:pPr>
             <a:r>
               <a:rPr lang="en-GB" dirty="0"/>
-              <a:t>TamaDolphin has a lot of potential as a project thanks to its strength that is verbal Communication</a:t>
-            </a:r>
-          </a:p>
-          <a:p>
-            <a:endParaRPr lang="it-IT" dirty="0"/>
-          </a:p>
-          <a:p>
-            <a:r>
-              <a:rPr lang="it-IT" dirty="0"/>
-              <a:t>Cosa possiamo fare ancora</a:t>
-            </a:r>
-            <a:endParaRPr lang="en-GB" dirty="0"/>
+              <a:t>Excellent solution to the problem of verbal communication. </a:t>
+            </a:r>
+          </a:p>
+          <a:p>
+            <a:pPr marL="285750" indent="-285750">
+              <a:spcBef>
+                <a:spcPts val="1800"/>
+              </a:spcBef>
+              <a:buFont typeface="Arial" panose="020B0604020202020204" pitchFamily="34" charset="0"/>
+              <a:buChar char="•"/>
+            </a:pPr>
+            <a:r>
+              <a:rPr lang="en-GB" dirty="0"/>
+              <a:t>Interactive and fun game.</a:t>
+            </a:r>
+          </a:p>
+          <a:p>
+            <a:pPr marL="285750" indent="-285750">
+              <a:spcBef>
+                <a:spcPts val="1800"/>
+              </a:spcBef>
+              <a:buFont typeface="Arial" panose="020B0604020202020204" pitchFamily="34" charset="0"/>
+              <a:buChar char="•"/>
+            </a:pPr>
+            <a:r>
+              <a:rPr lang="en-GB" dirty="0"/>
+              <a:t>Great potential.</a:t>
+            </a:r>
+            <a:endParaRPr lang="en-US" dirty="0"/>
+          </a:p>
+        </p:txBody>
+      </p:sp>
+      <p:cxnSp>
+        <p:nvCxnSpPr>
+          <p:cNvPr id="7" name="Connettore 2 6">
+            <a:extLst>
+              <a:ext uri="{FF2B5EF4-FFF2-40B4-BE49-F238E27FC236}">
+                <a16:creationId xmlns:a16="http://schemas.microsoft.com/office/drawing/2014/main" id="{48C60FF4-A46B-453F-9C76-F55664DE5500}"/>
+              </a:ext>
+            </a:extLst>
+          </p:cNvPr>
+          <p:cNvCxnSpPr/>
+          <p:nvPr/>
+        </p:nvCxnSpPr>
+        <p:spPr>
+          <a:xfrm>
+            <a:off x="3625656" y="2483033"/>
+            <a:ext cx="1031846" cy="0"/>
+          </a:xfrm>
+          <a:prstGeom prst="straightConnector1">
+            <a:avLst/>
+          </a:prstGeom>
+          <a:ln>
+            <a:tailEnd type="triangle"/>
+          </a:ln>
+        </p:spPr>
+        <p:style>
+          <a:lnRef idx="1">
+            <a:schemeClr val="accent1"/>
+          </a:lnRef>
+          <a:fillRef idx="0">
+            <a:schemeClr val="accent1"/>
+          </a:fillRef>
+          <a:effectRef idx="0">
+            <a:schemeClr val="accent1"/>
+          </a:effectRef>
+          <a:fontRef idx="minor">
+            <a:schemeClr val="tx1"/>
+          </a:fontRef>
+        </p:style>
+      </p:cxnSp>
+      <p:sp>
+        <p:nvSpPr>
+          <p:cNvPr id="8" name="CasellaDiTesto 7">
+            <a:extLst>
+              <a:ext uri="{FF2B5EF4-FFF2-40B4-BE49-F238E27FC236}">
+                <a16:creationId xmlns:a16="http://schemas.microsoft.com/office/drawing/2014/main" id="{975F89E4-4565-48FD-A94F-1860D4A99C95}"/>
+              </a:ext>
+            </a:extLst>
+          </p:cNvPr>
+          <p:cNvSpPr txBox="1"/>
+          <p:nvPr/>
+        </p:nvSpPr>
+        <p:spPr>
+          <a:xfrm>
+            <a:off x="4724614" y="2296709"/>
+            <a:ext cx="5268286" cy="369332"/>
+          </a:xfrm>
+          <a:prstGeom prst="rect">
+            <a:avLst/>
+          </a:prstGeom>
+          <a:noFill/>
+        </p:spPr>
+        <p:txBody>
+          <a:bodyPr wrap="square" rtlCol="0">
+            <a:spAutoFit/>
+          </a:bodyPr>
+          <a:lstStyle/>
+          <a:p>
+            <a:r>
+              <a:rPr lang="en-US" dirty="0"/>
+              <a:t>Infinite possibilities with the communication phases.</a:t>
+            </a:r>
+          </a:p>
+        </p:txBody>
+      </p:sp>
+      <p:sp>
+        <p:nvSpPr>
+          <p:cNvPr id="9" name="CasellaDiTesto 8">
+            <a:extLst>
+              <a:ext uri="{FF2B5EF4-FFF2-40B4-BE49-F238E27FC236}">
+                <a16:creationId xmlns:a16="http://schemas.microsoft.com/office/drawing/2014/main" id="{D5AE8DD2-7B73-42B5-8555-EEA34043B41F}"/>
+              </a:ext>
+            </a:extLst>
+          </p:cNvPr>
+          <p:cNvSpPr txBox="1"/>
+          <p:nvPr/>
+        </p:nvSpPr>
+        <p:spPr>
+          <a:xfrm>
+            <a:off x="0" y="3635192"/>
+            <a:ext cx="12192000" cy="523220"/>
+          </a:xfrm>
+          <a:prstGeom prst="rect">
+            <a:avLst/>
+          </a:prstGeom>
+          <a:noFill/>
+        </p:spPr>
+        <p:txBody>
+          <a:bodyPr wrap="square" rtlCol="0">
+            <a:spAutoFit/>
+          </a:bodyPr>
+          <a:lstStyle/>
+          <a:p>
+            <a:pPr algn="ctr"/>
+            <a:r>
+              <a:rPr lang="it-IT" sz="2800" b="1" dirty="0">
+                <a:ln w="19050" cmpd="sng">
+                  <a:solidFill>
+                    <a:schemeClr val="bg2">
+                      <a:lumMod val="50000"/>
+                    </a:schemeClr>
+                  </a:solidFill>
+                </a:ln>
+                <a:solidFill>
+                  <a:schemeClr val="tx2">
+                    <a:lumMod val="60000"/>
+                    <a:lumOff val="40000"/>
+                  </a:schemeClr>
+                </a:solidFill>
+              </a:rPr>
+              <a:t>FUTURE IMPROVEMENT</a:t>
+            </a:r>
+            <a:endParaRPr lang="en-US" sz="2800" b="1" dirty="0">
+              <a:ln w="19050" cmpd="sng">
+                <a:solidFill>
+                  <a:schemeClr val="bg2">
+                    <a:lumMod val="50000"/>
+                  </a:schemeClr>
+                </a:solidFill>
+              </a:ln>
+              <a:solidFill>
+                <a:schemeClr val="tx2">
+                  <a:lumMod val="60000"/>
+                  <a:lumOff val="40000"/>
+                </a:schemeClr>
+              </a:solidFill>
+            </a:endParaRPr>
+          </a:p>
+        </p:txBody>
+      </p:sp>
+      <p:sp>
+        <p:nvSpPr>
+          <p:cNvPr id="10" name="Rettangolo 9">
+            <a:extLst>
+              <a:ext uri="{FF2B5EF4-FFF2-40B4-BE49-F238E27FC236}">
+                <a16:creationId xmlns:a16="http://schemas.microsoft.com/office/drawing/2014/main" id="{A99FE220-E831-46C2-8DC3-F0D11B59490F}"/>
+              </a:ext>
+            </a:extLst>
+          </p:cNvPr>
+          <p:cNvSpPr/>
+          <p:nvPr/>
+        </p:nvSpPr>
+        <p:spPr>
+          <a:xfrm>
+            <a:off x="1605112" y="4379488"/>
+            <a:ext cx="6523819" cy="1384995"/>
+          </a:xfrm>
+          <a:prstGeom prst="rect">
+            <a:avLst/>
+          </a:prstGeom>
+        </p:spPr>
+        <p:txBody>
+          <a:bodyPr wrap="square">
+            <a:spAutoFit/>
+          </a:bodyPr>
+          <a:lstStyle/>
+          <a:p>
+            <a:pPr marL="285750" indent="-285750">
+              <a:spcBef>
+                <a:spcPts val="1800"/>
+              </a:spcBef>
+              <a:buFont typeface="Arial" panose="020B0604020202020204" pitchFamily="34" charset="0"/>
+              <a:buChar char="•"/>
+            </a:pPr>
+            <a:r>
+              <a:rPr lang="en-GB" dirty="0"/>
+              <a:t>Introduction of new round.</a:t>
+            </a:r>
+          </a:p>
+          <a:p>
+            <a:pPr marL="285750" indent="-285750">
+              <a:spcBef>
+                <a:spcPts val="1800"/>
+              </a:spcBef>
+              <a:buFont typeface="Arial" panose="020B0604020202020204" pitchFamily="34" charset="0"/>
+              <a:buChar char="•"/>
+            </a:pPr>
+            <a:r>
+              <a:rPr lang="en-GB" dirty="0"/>
+              <a:t>Rounds also starts with the need on the physical dolphin.</a:t>
+            </a:r>
+          </a:p>
+          <a:p>
+            <a:pPr marL="285750" indent="-285750">
+              <a:spcBef>
+                <a:spcPts val="1800"/>
+              </a:spcBef>
+              <a:buFont typeface="Arial" panose="020B0604020202020204" pitchFamily="34" charset="0"/>
+              <a:buChar char="•"/>
+            </a:pPr>
+            <a:r>
+              <a:rPr lang="en-GB" dirty="0"/>
+              <a:t>New game typology (Labyrinth).</a:t>
+            </a:r>
           </a:p>
         </p:txBody>
       </p:sp>
@@ -14047,8 +14338,8 @@
         </p:nvSpPr>
         <p:spPr>
           <a:xfrm>
-            <a:off x="2289028" y="953088"/>
-            <a:ext cx="8941464" cy="1877437"/>
+            <a:off x="2305804" y="1053755"/>
+            <a:ext cx="8941464" cy="2185214"/>
           </a:xfrm>
           <a:prstGeom prst="rect">
             <a:avLst/>
@@ -14063,7 +14354,7 @@
           <a:p>
             <a:pPr algn="just"/>
             <a:r>
-              <a:rPr lang="it-IT" sz="2600" b="1" dirty="0">
+              <a:rPr lang="it-IT" sz="2400" b="1" dirty="0">
                 <a:ln w="19050" cmpd="sng">
                   <a:solidFill>
                     <a:schemeClr val="bg2">
@@ -14081,7 +14372,7 @@
               <a:t>WHAT IS </a:t>
             </a:r>
             <a:r>
-              <a:rPr lang="en-US" sz="2600" b="1" dirty="0">
+              <a:rPr lang="en-US" sz="2400" b="1" dirty="0">
                 <a:ln w="19050" cmpd="sng">
                   <a:solidFill>
                     <a:schemeClr val="bg2">
@@ -14099,7 +14390,7 @@
               <a:t>TAMADOLPHIN?</a:t>
             </a:r>
             <a:r>
-              <a:rPr lang="it-IT" sz="2600" b="1" dirty="0">
+              <a:rPr lang="it-IT" sz="2400" b="1" dirty="0">
                 <a:ln w="19050" cmpd="sng">
                   <a:solidFill>
                     <a:schemeClr val="bg2">
@@ -14116,7 +14407,10 @@
               </a:rPr>
               <a:t>:</a:t>
             </a:r>
-            <a:endParaRPr lang="en-GB" sz="2600" b="1" dirty="0">
+          </a:p>
+          <a:p>
+            <a:pPr algn="just"/>
+            <a:endParaRPr lang="en-GB" sz="1200" b="1" dirty="0">
               <a:ln w="19050" cmpd="sng">
                 <a:solidFill>
                   <a:schemeClr val="bg2">
@@ -14134,25 +14428,31 @@
           </a:p>
           <a:p>
             <a:pPr marL="285750" indent="-285750" algn="just">
+              <a:spcBef>
+                <a:spcPts val="1200"/>
+              </a:spcBef>
               <a:buFontTx/>
               <a:buChar char="-"/>
             </a:pPr>
             <a:r>
-              <a:rPr lang="en-GB" sz="2200" dirty="0"/>
+              <a:rPr lang="en-GB" sz="2000" dirty="0"/>
               <a:t>An interactive game realized for NDD children that aims to stimulate the communication.</a:t>
             </a:r>
           </a:p>
           <a:p>
             <a:pPr marL="285750" indent="-285750" algn="just">
+              <a:spcBef>
+                <a:spcPts val="1200"/>
+              </a:spcBef>
               <a:buFontTx/>
               <a:buChar char="-"/>
             </a:pPr>
             <a:r>
-              <a:rPr lang="it-IT" sz="2200" dirty="0"/>
+              <a:rPr lang="it-IT" sz="2000" dirty="0"/>
               <a:t>A</a:t>
             </a:r>
             <a:r>
-              <a:rPr lang="en-GB" sz="2200" dirty="0"/>
+              <a:rPr lang="en-GB" sz="2000" dirty="0"/>
               <a:t> new way to educate the children with innovative technologies (Virtual Reality and Smart Objects).</a:t>
             </a:r>
           </a:p>
@@ -14172,8 +14472,8 @@
         </p:nvSpPr>
         <p:spPr>
           <a:xfrm>
-            <a:off x="2205137" y="3429000"/>
-            <a:ext cx="8941465" cy="1538883"/>
+            <a:off x="2305803" y="3826140"/>
+            <a:ext cx="8941465" cy="1877437"/>
           </a:xfrm>
           <a:prstGeom prst="rect">
             <a:avLst/>
@@ -14188,7 +14488,7 @@
           <a:p>
             <a:pPr algn="just"/>
             <a:r>
-              <a:rPr lang="it-IT" sz="2600" b="1" dirty="0">
+              <a:rPr lang="it-IT" sz="2400" b="1" dirty="0">
                 <a:ln w="19050" cmpd="sng">
                   <a:solidFill>
                     <a:schemeClr val="bg2">
@@ -14207,49 +14507,73 @@
             </a:r>
           </a:p>
           <a:p>
+            <a:pPr algn="just"/>
+            <a:endParaRPr lang="it-IT" sz="1200" b="1" dirty="0">
+              <a:ln w="19050" cmpd="sng">
+                <a:solidFill>
+                  <a:schemeClr val="bg2">
+                    <a:lumMod val="50000"/>
+                  </a:schemeClr>
+                </a:solidFill>
+              </a:ln>
+              <a:solidFill>
+                <a:schemeClr val="tx2">
+                  <a:lumMod val="60000"/>
+                  <a:lumOff val="40000"/>
+                </a:schemeClr>
+              </a:solidFill>
+            </a:endParaRPr>
+          </a:p>
+          <a:p>
             <a:pPr marL="285750" indent="-285750" algn="just">
+              <a:spcBef>
+                <a:spcPts val="1200"/>
+              </a:spcBef>
               <a:buFontTx/>
               <a:buChar char="-"/>
             </a:pPr>
             <a:r>
-              <a:rPr lang="it-IT" sz="2200" dirty="0" err="1"/>
+              <a:rPr lang="it-IT" sz="2000" dirty="0" err="1"/>
               <a:t>There</a:t>
             </a:r>
             <a:r>
-              <a:rPr lang="it-IT" sz="2200" dirty="0"/>
+              <a:rPr lang="it-IT" sz="2000" dirty="0"/>
               <a:t> is need to help the NDD </a:t>
             </a:r>
             <a:r>
-              <a:rPr lang="it-IT" sz="2200" dirty="0" err="1"/>
+              <a:rPr lang="it-IT" sz="2000" dirty="0" err="1"/>
               <a:t>children</a:t>
             </a:r>
             <a:r>
-              <a:rPr lang="it-IT" sz="2200" dirty="0"/>
+              <a:rPr lang="it-IT" sz="2000" dirty="0"/>
               <a:t> relate to</a:t>
             </a:r>
             <a:r>
-              <a:rPr lang="en-US" sz="2200" dirty="0"/>
+              <a:rPr lang="en-US" sz="2000" dirty="0"/>
               <a:t> the society.</a:t>
             </a:r>
           </a:p>
           <a:p>
             <a:pPr marL="285750" indent="-285750" algn="just">
+              <a:spcBef>
+                <a:spcPts val="1200"/>
+              </a:spcBef>
               <a:buFontTx/>
               <a:buChar char="-"/>
             </a:pPr>
             <a:r>
-              <a:rPr lang="it-IT" sz="2200" dirty="0"/>
+              <a:rPr lang="it-IT" sz="2000" dirty="0"/>
               <a:t>The </a:t>
             </a:r>
             <a:r>
-              <a:rPr lang="en-GB" sz="2200" dirty="0"/>
+              <a:rPr lang="en-GB" sz="2000" dirty="0"/>
               <a:t>context lacks of custom-designed solutions, </a:t>
             </a:r>
             <a:r>
-              <a:rPr lang="en-US" sz="2200" dirty="0"/>
+              <a:rPr lang="en-US" sz="2000" dirty="0"/>
               <a:t>and our project helps these children to discuss and solve common problems.</a:t>
             </a:r>
-            <a:endParaRPr lang="it-IT" sz="2200" dirty="0"/>
+            <a:endParaRPr lang="it-IT" sz="2000" dirty="0"/>
           </a:p>
         </p:txBody>
       </p:sp>
@@ -14706,14 +15030,14 @@
       </p:grpSpPr>
       <p:sp>
         <p:nvSpPr>
-          <p:cNvPr id="4" name="Rettangolo 3"/>
+          <p:cNvPr id="5" name="Rettangolo 4"/>
           <p:cNvSpPr/>
           <p:nvPr/>
         </p:nvSpPr>
         <p:spPr>
           <a:xfrm>
-            <a:off x="394854" y="1067030"/>
-            <a:ext cx="11402292" cy="923330"/>
+            <a:off x="0" y="262213"/>
+            <a:ext cx="12192000" cy="523220"/>
           </a:xfrm>
           <a:prstGeom prst="rect">
             <a:avLst/>
@@ -14725,329 +15049,9 @@
           </a:bodyPr>
           <a:lstStyle/>
           <a:p>
-            <a:pPr marL="285750" indent="-285750">
-              <a:buFont typeface="Arial" panose="020B0604020202020204" pitchFamily="34" charset="0"/>
-              <a:buChar char="•"/>
-            </a:pPr>
-            <a:r>
-              <a:rPr lang="en-US" dirty="0"/>
-              <a:t>There are no similar projects that use the two technologies on two different users.</a:t>
-            </a:r>
-          </a:p>
-          <a:p>
-            <a:pPr marL="285750" indent="-285750">
-              <a:buFont typeface="Arial" panose="020B0604020202020204" pitchFamily="34" charset="0"/>
-              <a:buChar char="•"/>
-            </a:pPr>
-            <a:endParaRPr lang="en-US" dirty="0"/>
-          </a:p>
-          <a:p>
-            <a:pPr marL="285750" indent="-285750">
-              <a:buFont typeface="Arial" panose="020B0604020202020204" pitchFamily="34" charset="0"/>
-              <a:buChar char="•"/>
-            </a:pPr>
-            <a:endParaRPr lang="en-US" dirty="0"/>
-          </a:p>
-        </p:txBody>
-      </p:sp>
-      <p:graphicFrame>
-        <p:nvGraphicFramePr>
-          <p:cNvPr id="2" name="Tabella 1"/>
-          <p:cNvGraphicFramePr>
-            <a:graphicFrameLocks noGrp="1"/>
-          </p:cNvGraphicFramePr>
-          <p:nvPr>
-            <p:extLst>
-              <p:ext uri="{D42A27DB-BD31-4B8C-83A1-F6EECF244321}">
-                <p14:modId xmlns:p14="http://schemas.microsoft.com/office/powerpoint/2010/main" val="763156831"/>
-              </p:ext>
-            </p:extLst>
-          </p:nvPr>
-        </p:nvGraphicFramePr>
-        <p:xfrm>
-          <a:off x="3616948" y="1528695"/>
-          <a:ext cx="8180198" cy="2473960"/>
-        </p:xfrm>
-        <a:graphic>
-          <a:graphicData uri="http://schemas.openxmlformats.org/drawingml/2006/table">
-            <a:tbl>
-              <a:tblPr firstRow="1" bandRow="1">
-                <a:tableStyleId>{5C22544A-7EE6-4342-B048-85BDC9FD1C3A}</a:tableStyleId>
-              </a:tblPr>
-              <a:tblGrid>
-                <a:gridCol w="4116198">
-                  <a:extLst>
-                    <a:ext uri="{9D8B030D-6E8A-4147-A177-3AD203B41FA5}">
-                      <a16:colId xmlns:a16="http://schemas.microsoft.com/office/drawing/2014/main" val="3500070022"/>
-                    </a:ext>
-                  </a:extLst>
-                </a:gridCol>
-                <a:gridCol w="4064000">
-                  <a:extLst>
-                    <a:ext uri="{9D8B030D-6E8A-4147-A177-3AD203B41FA5}">
-                      <a16:colId xmlns:a16="http://schemas.microsoft.com/office/drawing/2014/main" val="1314870326"/>
-                    </a:ext>
-                  </a:extLst>
-                </a:gridCol>
-              </a:tblGrid>
-              <a:tr h="370840">
-                <a:tc>
-                  <a:txBody>
-                    <a:bodyPr/>
-                    <a:lstStyle/>
-                    <a:p>
-                      <a:r>
-                        <a:rPr lang="it-IT" dirty="0"/>
-                        <a:t>OTHER </a:t>
-                      </a:r>
-                      <a:r>
-                        <a:rPr lang="it-IT" b="1" dirty="0"/>
-                        <a:t>PROJECTS</a:t>
-                      </a:r>
-                    </a:p>
-                  </a:txBody>
-                  <a:tcPr/>
-                </a:tc>
-                <a:tc>
-                  <a:txBody>
-                    <a:bodyPr/>
-                    <a:lstStyle/>
-                    <a:p>
-                      <a:r>
-                        <a:rPr lang="it-IT" dirty="0"/>
-                        <a:t>OUR PROJECT</a:t>
-                      </a:r>
-                    </a:p>
-                  </a:txBody>
-                  <a:tcPr/>
-                </a:tc>
-                <a:extLst>
-                  <a:ext uri="{0D108BD9-81ED-4DB2-BD59-A6C34878D82A}">
-                    <a16:rowId xmlns:a16="http://schemas.microsoft.com/office/drawing/2014/main" val="2926626845"/>
-                  </a:ext>
-                </a:extLst>
-              </a:tr>
-              <a:tr h="370840">
-                <a:tc>
-                  <a:txBody>
-                    <a:bodyPr/>
-                    <a:lstStyle/>
-                    <a:p>
-                      <a:r>
-                        <a:rPr lang="en-US" dirty="0"/>
-                        <a:t>VR is used to free up anxiety and isolate</a:t>
-                      </a:r>
-                      <a:endParaRPr lang="it-IT" dirty="0"/>
-                    </a:p>
-                  </a:txBody>
-                  <a:tcPr/>
-                </a:tc>
-                <a:tc>
-                  <a:txBody>
-                    <a:bodyPr/>
-                    <a:lstStyle/>
-                    <a:p>
-                      <a:pPr marL="0" marR="0" lvl="0" indent="0" algn="l" defTabSz="914400" rtl="0" eaLnBrk="1" fontAlgn="auto" latinLnBrk="0" hangingPunct="1">
-                        <a:lnSpc>
-                          <a:spcPct val="100000"/>
-                        </a:lnSpc>
-                        <a:spcBef>
-                          <a:spcPts val="0"/>
-                        </a:spcBef>
-                        <a:spcAft>
-                          <a:spcPts val="0"/>
-                        </a:spcAft>
-                        <a:buClrTx/>
-                        <a:buSzTx/>
-                        <a:buFontTx/>
-                        <a:buNone/>
-                        <a:tabLst/>
-                        <a:defRPr/>
-                      </a:pPr>
-                      <a:r>
-                        <a:rPr lang="en-US" dirty="0"/>
-                        <a:t>We use it to focus </a:t>
-                      </a:r>
-                      <a:r>
-                        <a:rPr lang="en-US" b="1" dirty="0"/>
-                        <a:t>attention</a:t>
-                      </a:r>
-                      <a:r>
-                        <a:rPr lang="en-US" dirty="0"/>
-                        <a:t> on a single object and create an ideal environment </a:t>
-                      </a:r>
-                      <a:r>
-                        <a:rPr lang="en-US" b="1" dirty="0"/>
-                        <a:t>to wait </a:t>
-                      </a:r>
-                      <a:r>
-                        <a:rPr lang="en-US" dirty="0"/>
-                        <a:t>without too much distraction</a:t>
-                      </a:r>
-                      <a:r>
-                        <a:rPr lang="it-IT" dirty="0"/>
-                        <a:t>.</a:t>
-                      </a:r>
-                    </a:p>
-                    <a:p>
-                      <a:endParaRPr lang="it-IT" dirty="0"/>
-                    </a:p>
-                  </a:txBody>
-                  <a:tcPr/>
-                </a:tc>
-                <a:extLst>
-                  <a:ext uri="{0D108BD9-81ED-4DB2-BD59-A6C34878D82A}">
-                    <a16:rowId xmlns:a16="http://schemas.microsoft.com/office/drawing/2014/main" val="3385213894"/>
-                  </a:ext>
-                </a:extLst>
-              </a:tr>
-              <a:tr h="370840">
-                <a:tc>
-                  <a:txBody>
-                    <a:bodyPr/>
-                    <a:lstStyle/>
-                    <a:p>
-                      <a:pPr marL="0" marR="0" lvl="0" indent="0" algn="l" defTabSz="914400" rtl="0" eaLnBrk="1" fontAlgn="auto" latinLnBrk="0" hangingPunct="1">
-                        <a:lnSpc>
-                          <a:spcPct val="100000"/>
-                        </a:lnSpc>
-                        <a:spcBef>
-                          <a:spcPts val="0"/>
-                        </a:spcBef>
-                        <a:spcAft>
-                          <a:spcPts val="0"/>
-                        </a:spcAft>
-                        <a:buClrTx/>
-                        <a:buSzTx/>
-                        <a:buFontTx/>
-                        <a:buNone/>
-                        <a:tabLst/>
-                        <a:defRPr/>
-                      </a:pPr>
-                      <a:r>
-                        <a:rPr lang="it-IT" dirty="0"/>
-                        <a:t>T</a:t>
-                      </a:r>
-                      <a:r>
-                        <a:rPr lang="en-US" dirty="0"/>
-                        <a:t>he smart object is used for therapy and relaxation methods</a:t>
-                      </a:r>
-                      <a:endParaRPr lang="it-IT" dirty="0"/>
-                    </a:p>
-                    <a:p>
-                      <a:endParaRPr lang="it-IT" dirty="0"/>
-                    </a:p>
-                  </a:txBody>
-                  <a:tcPr/>
-                </a:tc>
-                <a:tc>
-                  <a:txBody>
-                    <a:bodyPr/>
-                    <a:lstStyle/>
-                    <a:p>
-                      <a:r>
-                        <a:rPr lang="en-US" dirty="0"/>
-                        <a:t>We use it as a means to </a:t>
-                      </a:r>
-                      <a:r>
-                        <a:rPr lang="en-US" b="1" dirty="0"/>
-                        <a:t>solve tasks </a:t>
-                      </a:r>
-                      <a:r>
-                        <a:rPr lang="en-US" dirty="0"/>
-                        <a:t>and </a:t>
-                      </a:r>
-                      <a:r>
-                        <a:rPr lang="en-US" b="1" dirty="0"/>
-                        <a:t>simulate the needs</a:t>
-                      </a:r>
-                      <a:r>
-                        <a:rPr lang="en-US" dirty="0"/>
-                        <a:t> of the object.</a:t>
-                      </a:r>
-                      <a:endParaRPr lang="it-IT" dirty="0"/>
-                    </a:p>
-                  </a:txBody>
-                  <a:tcPr/>
-                </a:tc>
-                <a:extLst>
-                  <a:ext uri="{0D108BD9-81ED-4DB2-BD59-A6C34878D82A}">
-                    <a16:rowId xmlns:a16="http://schemas.microsoft.com/office/drawing/2014/main" val="1804923165"/>
-                  </a:ext>
-                </a:extLst>
-              </a:tr>
-            </a:tbl>
-          </a:graphicData>
-        </a:graphic>
-      </p:graphicFrame>
-      <p:sp>
-        <p:nvSpPr>
-          <p:cNvPr id="3" name="Rettangolo 2"/>
-          <p:cNvSpPr/>
-          <p:nvPr/>
-        </p:nvSpPr>
-        <p:spPr>
-          <a:xfrm>
-            <a:off x="394854" y="5598654"/>
-            <a:ext cx="11402292" cy="646331"/>
-          </a:xfrm>
-          <a:prstGeom prst="rect">
-            <a:avLst/>
-          </a:prstGeom>
-        </p:spPr>
-        <p:txBody>
-          <a:bodyPr wrap="square">
-            <a:spAutoFit/>
-          </a:bodyPr>
-          <a:lstStyle/>
-          <a:p>
-            <a:r>
-              <a:rPr lang="en-US" dirty="0"/>
-              <a:t>-&gt; Our project deals with a research topic that is not much developed: the </a:t>
-            </a:r>
-            <a:r>
-              <a:rPr lang="en-US" b="1" dirty="0"/>
-              <a:t>collaboration between disabled </a:t>
-            </a:r>
-            <a:r>
-              <a:rPr lang="en-US" dirty="0"/>
-              <a:t>children and </a:t>
-            </a:r>
-            <a:r>
-              <a:rPr lang="en-US" b="1" dirty="0"/>
-              <a:t>communication between two different technologies</a:t>
-            </a:r>
-            <a:r>
-              <a:rPr lang="en-US" dirty="0"/>
-              <a:t>.</a:t>
-            </a:r>
-          </a:p>
-        </p:txBody>
-      </p:sp>
-      <p:sp>
-        <p:nvSpPr>
-          <p:cNvPr id="5" name="Rettangolo 4"/>
-          <p:cNvSpPr/>
-          <p:nvPr/>
-        </p:nvSpPr>
-        <p:spPr>
-          <a:xfrm>
-            <a:off x="0" y="226920"/>
-            <a:ext cx="12192000" cy="492443"/>
-          </a:xfrm>
-          <a:prstGeom prst="rect">
-            <a:avLst/>
-          </a:prstGeom>
-        </p:spPr>
-        <p:txBody>
-          <a:bodyPr wrap="square">
-            <a:spAutoFit/>
-          </a:bodyPr>
-          <a:lstStyle/>
-          <a:p>
             <a:pPr algn="ctr"/>
             <a:r>
-              <a:rPr lang="en-US" sz="2600" b="1" dirty="0">
+              <a:rPr lang="en-US" sz="2800" b="1" dirty="0">
                 <a:ln w="19050" cmpd="sng">
                   <a:solidFill>
                     <a:schemeClr val="bg2">
@@ -15069,10 +15073,568 @@
       </p:sp>
       <p:sp>
         <p:nvSpPr>
-          <p:cNvPr id="7" name="Rettangolo 6">
+          <p:cNvPr id="6" name="CasellaDiTesto 5">
             <a:extLst>
               <a:ext uri="{FF2B5EF4-FFF2-40B4-BE49-F238E27FC236}">
-                <a16:creationId xmlns:a16="http://schemas.microsoft.com/office/drawing/2014/main" id="{25587D03-D72B-4A0D-9531-EF2FA8795541}"/>
+                <a16:creationId xmlns:a16="http://schemas.microsoft.com/office/drawing/2014/main" id="{DD6925F9-F344-4D08-8188-4362ABEC3C9E}"/>
+              </a:ext>
+            </a:extLst>
+          </p:cNvPr>
+          <p:cNvSpPr txBox="1"/>
+          <p:nvPr/>
+        </p:nvSpPr>
+        <p:spPr>
+          <a:xfrm>
+            <a:off x="1898711" y="1448591"/>
+            <a:ext cx="3225948" cy="400110"/>
+          </a:xfrm>
+          <a:prstGeom prst="rect">
+            <a:avLst/>
+          </a:prstGeom>
+          <a:noFill/>
+        </p:spPr>
+        <p:txBody>
+          <a:bodyPr wrap="none" rtlCol="0">
+            <a:spAutoFit/>
+          </a:bodyPr>
+          <a:lstStyle/>
+          <a:p>
+            <a:r>
+              <a:rPr lang="en-GB" sz="2000" dirty="0"/>
+              <a:t>Therapeutic</a:t>
+            </a:r>
+            <a:r>
+              <a:rPr lang="it-IT" sz="2000" dirty="0"/>
+              <a:t> activities for NDD</a:t>
+            </a:r>
+            <a:endParaRPr lang="en-GB" sz="2000" dirty="0"/>
+          </a:p>
+        </p:txBody>
+      </p:sp>
+      <p:cxnSp>
+        <p:nvCxnSpPr>
+          <p:cNvPr id="9" name="Connettore 2 8">
+            <a:extLst>
+              <a:ext uri="{FF2B5EF4-FFF2-40B4-BE49-F238E27FC236}">
+                <a16:creationId xmlns:a16="http://schemas.microsoft.com/office/drawing/2014/main" id="{897BB8D7-46BF-48E7-A67E-E8B6C76C0866}"/>
+              </a:ext>
+            </a:extLst>
+          </p:cNvPr>
+          <p:cNvCxnSpPr>
+            <a:cxnSpLocks/>
+            <a:stCxn id="6" idx="3"/>
+          </p:cNvCxnSpPr>
+          <p:nvPr/>
+        </p:nvCxnSpPr>
+        <p:spPr>
+          <a:xfrm flipV="1">
+            <a:off x="5124659" y="1210619"/>
+            <a:ext cx="967709" cy="438027"/>
+          </a:xfrm>
+          <a:prstGeom prst="straightConnector1">
+            <a:avLst/>
+          </a:prstGeom>
+          <a:ln>
+            <a:tailEnd type="triangle"/>
+          </a:ln>
+        </p:spPr>
+        <p:style>
+          <a:lnRef idx="1">
+            <a:schemeClr val="accent1"/>
+          </a:lnRef>
+          <a:fillRef idx="0">
+            <a:schemeClr val="accent1"/>
+          </a:fillRef>
+          <a:effectRef idx="0">
+            <a:schemeClr val="accent1"/>
+          </a:effectRef>
+          <a:fontRef idx="minor">
+            <a:schemeClr val="tx1"/>
+          </a:fontRef>
+        </p:style>
+      </p:cxnSp>
+      <p:cxnSp>
+        <p:nvCxnSpPr>
+          <p:cNvPr id="11" name="Connettore 2 10">
+            <a:extLst>
+              <a:ext uri="{FF2B5EF4-FFF2-40B4-BE49-F238E27FC236}">
+                <a16:creationId xmlns:a16="http://schemas.microsoft.com/office/drawing/2014/main" id="{4E2E0577-37FC-4C5D-90FE-F25A0CD9C258}"/>
+              </a:ext>
+            </a:extLst>
+          </p:cNvPr>
+          <p:cNvCxnSpPr>
+            <a:cxnSpLocks/>
+            <a:stCxn id="6" idx="3"/>
+          </p:cNvCxnSpPr>
+          <p:nvPr/>
+        </p:nvCxnSpPr>
+        <p:spPr>
+          <a:xfrm flipV="1">
+            <a:off x="5124659" y="1637328"/>
+            <a:ext cx="967709" cy="11318"/>
+          </a:xfrm>
+          <a:prstGeom prst="straightConnector1">
+            <a:avLst/>
+          </a:prstGeom>
+          <a:ln>
+            <a:tailEnd type="triangle"/>
+          </a:ln>
+        </p:spPr>
+        <p:style>
+          <a:lnRef idx="1">
+            <a:schemeClr val="accent1"/>
+          </a:lnRef>
+          <a:fillRef idx="0">
+            <a:schemeClr val="accent1"/>
+          </a:fillRef>
+          <a:effectRef idx="0">
+            <a:schemeClr val="accent1"/>
+          </a:effectRef>
+          <a:fontRef idx="minor">
+            <a:schemeClr val="tx1"/>
+          </a:fontRef>
+        </p:style>
+      </p:cxnSp>
+      <p:cxnSp>
+        <p:nvCxnSpPr>
+          <p:cNvPr id="13" name="Connettore 2 12">
+            <a:extLst>
+              <a:ext uri="{FF2B5EF4-FFF2-40B4-BE49-F238E27FC236}">
+                <a16:creationId xmlns:a16="http://schemas.microsoft.com/office/drawing/2014/main" id="{9147C1FA-54EA-47E8-8F72-9C3DF75C498F}"/>
+              </a:ext>
+            </a:extLst>
+          </p:cNvPr>
+          <p:cNvCxnSpPr>
+            <a:cxnSpLocks/>
+            <a:stCxn id="6" idx="3"/>
+          </p:cNvCxnSpPr>
+          <p:nvPr/>
+        </p:nvCxnSpPr>
+        <p:spPr>
+          <a:xfrm>
+            <a:off x="5124659" y="1648646"/>
+            <a:ext cx="967709" cy="407250"/>
+          </a:xfrm>
+          <a:prstGeom prst="straightConnector1">
+            <a:avLst/>
+          </a:prstGeom>
+          <a:ln>
+            <a:tailEnd type="triangle"/>
+          </a:ln>
+        </p:spPr>
+        <p:style>
+          <a:lnRef idx="1">
+            <a:schemeClr val="accent1"/>
+          </a:lnRef>
+          <a:fillRef idx="0">
+            <a:schemeClr val="accent1"/>
+          </a:fillRef>
+          <a:effectRef idx="0">
+            <a:schemeClr val="accent1"/>
+          </a:effectRef>
+          <a:fontRef idx="minor">
+            <a:schemeClr val="tx1"/>
+          </a:fontRef>
+        </p:style>
+      </p:cxnSp>
+      <p:sp>
+        <p:nvSpPr>
+          <p:cNvPr id="14" name="CasellaDiTesto 13">
+            <a:extLst>
+              <a:ext uri="{FF2B5EF4-FFF2-40B4-BE49-F238E27FC236}">
+                <a16:creationId xmlns:a16="http://schemas.microsoft.com/office/drawing/2014/main" id="{5E65E97B-858B-4441-B358-323049380E4B}"/>
+              </a:ext>
+            </a:extLst>
+          </p:cNvPr>
+          <p:cNvSpPr txBox="1"/>
+          <p:nvPr/>
+        </p:nvSpPr>
+        <p:spPr>
+          <a:xfrm>
+            <a:off x="6222303" y="1003469"/>
+            <a:ext cx="1731074" cy="400110"/>
+          </a:xfrm>
+          <a:prstGeom prst="rect">
+            <a:avLst/>
+          </a:prstGeom>
+          <a:noFill/>
+        </p:spPr>
+        <p:txBody>
+          <a:bodyPr wrap="square" rtlCol="0">
+            <a:spAutoFit/>
+          </a:bodyPr>
+          <a:lstStyle/>
+          <a:p>
+            <a:r>
+              <a:rPr lang="en-US" sz="2000" dirty="0"/>
+              <a:t>Communication</a:t>
+            </a:r>
+          </a:p>
+        </p:txBody>
+      </p:sp>
+      <p:sp>
+        <p:nvSpPr>
+          <p:cNvPr id="17" name="CasellaDiTesto 16">
+            <a:extLst>
+              <a:ext uri="{FF2B5EF4-FFF2-40B4-BE49-F238E27FC236}">
+                <a16:creationId xmlns:a16="http://schemas.microsoft.com/office/drawing/2014/main" id="{2A16F6F8-7193-4AD6-A96D-6EA41EC0B49D}"/>
+              </a:ext>
+            </a:extLst>
+          </p:cNvPr>
+          <p:cNvSpPr txBox="1"/>
+          <p:nvPr/>
+        </p:nvSpPr>
+        <p:spPr>
+          <a:xfrm>
+            <a:off x="6222303" y="1417921"/>
+            <a:ext cx="1912691" cy="400110"/>
+          </a:xfrm>
+          <a:prstGeom prst="rect">
+            <a:avLst/>
+          </a:prstGeom>
+          <a:noFill/>
+        </p:spPr>
+        <p:txBody>
+          <a:bodyPr wrap="square" rtlCol="0">
+            <a:spAutoFit/>
+          </a:bodyPr>
+          <a:lstStyle/>
+          <a:p>
+            <a:r>
+              <a:rPr lang="en-US" sz="2000" dirty="0"/>
+              <a:t>Emotional control</a:t>
+            </a:r>
+          </a:p>
+        </p:txBody>
+      </p:sp>
+      <p:sp>
+        <p:nvSpPr>
+          <p:cNvPr id="18" name="CasellaDiTesto 17">
+            <a:extLst>
+              <a:ext uri="{FF2B5EF4-FFF2-40B4-BE49-F238E27FC236}">
+                <a16:creationId xmlns:a16="http://schemas.microsoft.com/office/drawing/2014/main" id="{B96F7024-C0B1-4434-8554-BFCD52CBAEB0}"/>
+              </a:ext>
+            </a:extLst>
+          </p:cNvPr>
+          <p:cNvSpPr txBox="1"/>
+          <p:nvPr/>
+        </p:nvSpPr>
+        <p:spPr>
+          <a:xfrm>
+            <a:off x="6247541" y="1830340"/>
+            <a:ext cx="1680597" cy="400110"/>
+          </a:xfrm>
+          <a:prstGeom prst="rect">
+            <a:avLst/>
+          </a:prstGeom>
+          <a:noFill/>
+        </p:spPr>
+        <p:txBody>
+          <a:bodyPr wrap="square" rtlCol="0">
+            <a:spAutoFit/>
+          </a:bodyPr>
+          <a:lstStyle/>
+          <a:p>
+            <a:r>
+              <a:rPr lang="en-US" sz="2000" dirty="0"/>
+              <a:t>Enjoying</a:t>
+            </a:r>
+          </a:p>
+        </p:txBody>
+      </p:sp>
+      <p:sp>
+        <p:nvSpPr>
+          <p:cNvPr id="23" name="CasellaDiTesto 22">
+            <a:extLst>
+              <a:ext uri="{FF2B5EF4-FFF2-40B4-BE49-F238E27FC236}">
+                <a16:creationId xmlns:a16="http://schemas.microsoft.com/office/drawing/2014/main" id="{10EA9637-0366-452F-BEF7-9992ACFCF144}"/>
+              </a:ext>
+            </a:extLst>
+          </p:cNvPr>
+          <p:cNvSpPr txBox="1"/>
+          <p:nvPr/>
+        </p:nvSpPr>
+        <p:spPr>
+          <a:xfrm>
+            <a:off x="1898711" y="2781372"/>
+            <a:ext cx="3419205" cy="400110"/>
+          </a:xfrm>
+          <a:prstGeom prst="rect">
+            <a:avLst/>
+          </a:prstGeom>
+          <a:noFill/>
+        </p:spPr>
+        <p:txBody>
+          <a:bodyPr wrap="square" rtlCol="0">
+            <a:spAutoFit/>
+          </a:bodyPr>
+          <a:lstStyle/>
+          <a:p>
+            <a:r>
+              <a:rPr lang="it-IT" sz="2000" dirty="0"/>
+              <a:t>Use of innovative </a:t>
+            </a:r>
+            <a:r>
+              <a:rPr lang="en-US" sz="2000" dirty="0"/>
+              <a:t>technologies</a:t>
+            </a:r>
+          </a:p>
+        </p:txBody>
+      </p:sp>
+      <p:cxnSp>
+        <p:nvCxnSpPr>
+          <p:cNvPr id="24" name="Connettore 2 23">
+            <a:extLst>
+              <a:ext uri="{FF2B5EF4-FFF2-40B4-BE49-F238E27FC236}">
+                <a16:creationId xmlns:a16="http://schemas.microsoft.com/office/drawing/2014/main" id="{4D767B54-9A9C-43CF-841C-93E8CAD981D1}"/>
+              </a:ext>
+            </a:extLst>
+          </p:cNvPr>
+          <p:cNvCxnSpPr>
+            <a:cxnSpLocks/>
+          </p:cNvCxnSpPr>
+          <p:nvPr/>
+        </p:nvCxnSpPr>
+        <p:spPr>
+          <a:xfrm>
+            <a:off x="5384675" y="3021238"/>
+            <a:ext cx="1191360" cy="0"/>
+          </a:xfrm>
+          <a:prstGeom prst="straightConnector1">
+            <a:avLst/>
+          </a:prstGeom>
+          <a:ln>
+            <a:tailEnd type="triangle"/>
+          </a:ln>
+        </p:spPr>
+        <p:style>
+          <a:lnRef idx="1">
+            <a:schemeClr val="accent1"/>
+          </a:lnRef>
+          <a:fillRef idx="0">
+            <a:schemeClr val="accent1"/>
+          </a:fillRef>
+          <a:effectRef idx="0">
+            <a:schemeClr val="accent1"/>
+          </a:effectRef>
+          <a:fontRef idx="minor">
+            <a:schemeClr val="tx1"/>
+          </a:fontRef>
+        </p:style>
+      </p:cxnSp>
+      <p:sp>
+        <p:nvSpPr>
+          <p:cNvPr id="25" name="CasellaDiTesto 24">
+            <a:extLst>
+              <a:ext uri="{FF2B5EF4-FFF2-40B4-BE49-F238E27FC236}">
+                <a16:creationId xmlns:a16="http://schemas.microsoft.com/office/drawing/2014/main" id="{0694A881-0434-4C0A-8025-CF760AD480CE}"/>
+              </a:ext>
+            </a:extLst>
+          </p:cNvPr>
+          <p:cNvSpPr txBox="1"/>
+          <p:nvPr/>
+        </p:nvSpPr>
+        <p:spPr>
+          <a:xfrm>
+            <a:off x="6642794" y="2589111"/>
+            <a:ext cx="3503561" cy="861774"/>
+          </a:xfrm>
+          <a:prstGeom prst="rect">
+            <a:avLst/>
+          </a:prstGeom>
+          <a:noFill/>
+        </p:spPr>
+        <p:txBody>
+          <a:bodyPr wrap="square" rtlCol="0">
+            <a:spAutoFit/>
+          </a:bodyPr>
+          <a:lstStyle/>
+          <a:p>
+            <a:pPr marL="342900" indent="-342900">
+              <a:spcBef>
+                <a:spcPts val="1200"/>
+              </a:spcBef>
+              <a:buFont typeface="Arial" panose="020B0604020202020204" pitchFamily="34" charset="0"/>
+              <a:buChar char="•"/>
+            </a:pPr>
+            <a:r>
+              <a:rPr lang="en-US" sz="2000" dirty="0"/>
+              <a:t>Improvement in social skills</a:t>
+            </a:r>
+          </a:p>
+          <a:p>
+            <a:pPr marL="342900" indent="-342900">
+              <a:spcBef>
+                <a:spcPts val="1200"/>
+              </a:spcBef>
+              <a:buFont typeface="Arial" panose="020B0604020202020204" pitchFamily="34" charset="0"/>
+              <a:buChar char="•"/>
+            </a:pPr>
+            <a:r>
+              <a:rPr lang="en-US" sz="2000" dirty="0"/>
+              <a:t>Reduction of external stimuli</a:t>
+            </a:r>
+          </a:p>
+        </p:txBody>
+      </p:sp>
+      <p:cxnSp>
+        <p:nvCxnSpPr>
+          <p:cNvPr id="26" name="Connettore 2 25">
+            <a:extLst>
+              <a:ext uri="{FF2B5EF4-FFF2-40B4-BE49-F238E27FC236}">
+                <a16:creationId xmlns:a16="http://schemas.microsoft.com/office/drawing/2014/main" id="{629A31DA-93CE-4109-9B71-41EF543D0436}"/>
+              </a:ext>
+            </a:extLst>
+          </p:cNvPr>
+          <p:cNvCxnSpPr>
+            <a:cxnSpLocks/>
+          </p:cNvCxnSpPr>
+          <p:nvPr/>
+        </p:nvCxnSpPr>
+        <p:spPr>
+          <a:xfrm>
+            <a:off x="3475408" y="3193769"/>
+            <a:ext cx="0" cy="514231"/>
+          </a:xfrm>
+          <a:prstGeom prst="straightConnector1">
+            <a:avLst/>
+          </a:prstGeom>
+          <a:ln>
+            <a:tailEnd type="triangle"/>
+          </a:ln>
+        </p:spPr>
+        <p:style>
+          <a:lnRef idx="1">
+            <a:schemeClr val="accent1"/>
+          </a:lnRef>
+          <a:fillRef idx="0">
+            <a:schemeClr val="accent1"/>
+          </a:fillRef>
+          <a:effectRef idx="0">
+            <a:schemeClr val="accent1"/>
+          </a:effectRef>
+          <a:fontRef idx="minor">
+            <a:schemeClr val="tx1"/>
+          </a:fontRef>
+        </p:style>
+      </p:cxnSp>
+      <p:sp>
+        <p:nvSpPr>
+          <p:cNvPr id="29" name="CasellaDiTesto 28">
+            <a:extLst>
+              <a:ext uri="{FF2B5EF4-FFF2-40B4-BE49-F238E27FC236}">
+                <a16:creationId xmlns:a16="http://schemas.microsoft.com/office/drawing/2014/main" id="{B613E41F-246C-4536-9B13-4DAA687EEC1D}"/>
+              </a:ext>
+            </a:extLst>
+          </p:cNvPr>
+          <p:cNvSpPr txBox="1"/>
+          <p:nvPr/>
+        </p:nvSpPr>
+        <p:spPr>
+          <a:xfrm>
+            <a:off x="2389602" y="3733797"/>
+            <a:ext cx="2171611" cy="400110"/>
+          </a:xfrm>
+          <a:prstGeom prst="rect">
+            <a:avLst/>
+          </a:prstGeom>
+          <a:noFill/>
+        </p:spPr>
+        <p:txBody>
+          <a:bodyPr wrap="square" rtlCol="0">
+            <a:spAutoFit/>
+          </a:bodyPr>
+          <a:lstStyle/>
+          <a:p>
+            <a:r>
+              <a:rPr lang="en-US" sz="2000" dirty="0"/>
+              <a:t>New research topic</a:t>
+            </a:r>
+          </a:p>
+        </p:txBody>
+      </p:sp>
+      <p:sp>
+        <p:nvSpPr>
+          <p:cNvPr id="31" name="CasellaDiTesto 30">
+            <a:extLst>
+              <a:ext uri="{FF2B5EF4-FFF2-40B4-BE49-F238E27FC236}">
+                <a16:creationId xmlns:a16="http://schemas.microsoft.com/office/drawing/2014/main" id="{2486C5EA-FFFE-4059-8089-1B0B65964951}"/>
+              </a:ext>
+            </a:extLst>
+          </p:cNvPr>
+          <p:cNvSpPr txBox="1"/>
+          <p:nvPr/>
+        </p:nvSpPr>
+        <p:spPr>
+          <a:xfrm>
+            <a:off x="1862381" y="4881756"/>
+            <a:ext cx="2859080" cy="400110"/>
+          </a:xfrm>
+          <a:prstGeom prst="rect">
+            <a:avLst/>
+          </a:prstGeom>
+          <a:noFill/>
+        </p:spPr>
+        <p:txBody>
+          <a:bodyPr wrap="square" rtlCol="0">
+            <a:spAutoFit/>
+          </a:bodyPr>
+          <a:lstStyle/>
+          <a:p>
+            <a:r>
+              <a:rPr lang="en-US" sz="2000" dirty="0"/>
+              <a:t>Our project research area</a:t>
+            </a:r>
+          </a:p>
+        </p:txBody>
+      </p:sp>
+      <p:cxnSp>
+        <p:nvCxnSpPr>
+          <p:cNvPr id="32" name="Connettore 2 31">
+            <a:extLst>
+              <a:ext uri="{FF2B5EF4-FFF2-40B4-BE49-F238E27FC236}">
+                <a16:creationId xmlns:a16="http://schemas.microsoft.com/office/drawing/2014/main" id="{918DF389-CAB4-4BC8-B301-F0F5B5C839D4}"/>
+              </a:ext>
+            </a:extLst>
+          </p:cNvPr>
+          <p:cNvCxnSpPr>
+            <a:cxnSpLocks/>
+          </p:cNvCxnSpPr>
+          <p:nvPr/>
+        </p:nvCxnSpPr>
+        <p:spPr>
+          <a:xfrm>
+            <a:off x="4762161" y="5086332"/>
+            <a:ext cx="831068" cy="0"/>
+          </a:xfrm>
+          <a:prstGeom prst="straightConnector1">
+            <a:avLst/>
+          </a:prstGeom>
+          <a:ln>
+            <a:tailEnd type="triangle"/>
+          </a:ln>
+        </p:spPr>
+        <p:style>
+          <a:lnRef idx="1">
+            <a:schemeClr val="accent1"/>
+          </a:lnRef>
+          <a:fillRef idx="0">
+            <a:schemeClr val="accent1"/>
+          </a:fillRef>
+          <a:effectRef idx="0">
+            <a:schemeClr val="accent1"/>
+          </a:effectRef>
+          <a:fontRef idx="minor">
+            <a:schemeClr val="tx1"/>
+          </a:fontRef>
+        </p:style>
+      </p:cxnSp>
+      <p:sp>
+        <p:nvSpPr>
+          <p:cNvPr id="33" name="Rettangolo 32">
+            <a:extLst>
+              <a:ext uri="{FF2B5EF4-FFF2-40B4-BE49-F238E27FC236}">
+                <a16:creationId xmlns:a16="http://schemas.microsoft.com/office/drawing/2014/main" id="{7127B02E-DFD4-48F4-B517-03FE2F7CA42E}"/>
               </a:ext>
             </a:extLst>
           </p:cNvPr>
@@ -15081,8 +15643,8 @@
         </p:nvSpPr>
         <p:spPr>
           <a:xfrm>
-            <a:off x="1317072" y="1450848"/>
-            <a:ext cx="8951053" cy="3416320"/>
+            <a:off x="5674629" y="4650924"/>
+            <a:ext cx="4761573" cy="861774"/>
           </a:xfrm>
           <a:prstGeom prst="rect">
             <a:avLst/>
@@ -15094,25 +15656,111 @@
           </a:bodyPr>
           <a:lstStyle/>
           <a:p>
-            <a:r>
-              <a:rPr lang="en-GB" dirty="0"/>
-              <a:t>Many therapeutic activities are aimed at improving certain aspects of verbal communication in autistic children.</a:t>
-            </a:r>
-          </a:p>
-          <a:p>
-            <a:r>
-              <a:rPr lang="en-GB" dirty="0"/>
-              <a:t>Using innovative technologies with autistic children and young people allows to present the didactic and educational material choosing a mainly visual-spatial language that we know to be their strong point.</a:t>
-            </a:r>
-          </a:p>
-          <a:p>
-            <a:r>
-              <a:rPr lang="en-GB" dirty="0"/>
-              <a:t>Some recent scientific studies have shown improvements in social skills by some adolescents with autism after the use of advanced technologies. Our project is a combination of two different technologies: virtual reality and smart object. Each child will have to use one of the two technologies. Our project deals with a research topic that is not much developed: the collaboration between disabled children and communication between two different technologies. There are no similar projects to ours, which use the two technologies simultaneously on two different users.</a:t>
-            </a:r>
+            <a:pPr marL="285750" indent="-285750">
+              <a:spcBef>
+                <a:spcPts val="1200"/>
+              </a:spcBef>
+              <a:buFont typeface="Arial" panose="020B0604020202020204" pitchFamily="34" charset="0"/>
+              <a:buChar char="•"/>
+            </a:pPr>
+            <a:r>
+              <a:rPr lang="en-GB" sz="2000" dirty="0"/>
+              <a:t>Communication between two technologies</a:t>
+            </a:r>
+            <a:endParaRPr lang="en-US" sz="2000" dirty="0"/>
+          </a:p>
+          <a:p>
+            <a:pPr marL="285750" indent="-285750">
+              <a:spcBef>
+                <a:spcPts val="1200"/>
+              </a:spcBef>
+              <a:buFont typeface="Arial" panose="020B0604020202020204" pitchFamily="34" charset="0"/>
+              <a:buChar char="•"/>
+            </a:pPr>
+            <a:r>
+              <a:rPr lang="en-GB" sz="2000" dirty="0"/>
+              <a:t>Collaboration between disabled children</a:t>
+            </a:r>
+            <a:endParaRPr lang="en-US" sz="2000" dirty="0"/>
           </a:p>
         </p:txBody>
       </p:sp>
+      <p:sp>
+        <p:nvSpPr>
+          <p:cNvPr id="35" name="Rettangolo 34">
+            <a:extLst>
+              <a:ext uri="{FF2B5EF4-FFF2-40B4-BE49-F238E27FC236}">
+                <a16:creationId xmlns:a16="http://schemas.microsoft.com/office/drawing/2014/main" id="{9E35D684-7575-4474-8FDC-2B10D3C50918}"/>
+              </a:ext>
+            </a:extLst>
+          </p:cNvPr>
+          <p:cNvSpPr/>
+          <p:nvPr/>
+        </p:nvSpPr>
+        <p:spPr>
+          <a:xfrm>
+            <a:off x="6325510" y="5969894"/>
+            <a:ext cx="3342366" cy="707886"/>
+          </a:xfrm>
+          <a:prstGeom prst="rect">
+            <a:avLst/>
+          </a:prstGeom>
+        </p:spPr>
+        <p:txBody>
+          <a:bodyPr wrap="square">
+            <a:spAutoFit/>
+          </a:bodyPr>
+          <a:lstStyle/>
+          <a:p>
+            <a:pPr algn="ctr"/>
+            <a:r>
+              <a:rPr lang="en-US" sz="2000" dirty="0"/>
+              <a:t>First experiment with VR and Smart object </a:t>
+            </a:r>
+          </a:p>
+        </p:txBody>
+      </p:sp>
+      <p:cxnSp>
+        <p:nvCxnSpPr>
+          <p:cNvPr id="36" name="Connettore 2 35">
+            <a:extLst>
+              <a:ext uri="{FF2B5EF4-FFF2-40B4-BE49-F238E27FC236}">
+                <a16:creationId xmlns:a16="http://schemas.microsoft.com/office/drawing/2014/main" id="{07800BF6-01FD-4C30-8A4B-4D90894F0CFD}"/>
+              </a:ext>
+            </a:extLst>
+          </p:cNvPr>
+          <p:cNvCxnSpPr>
+            <a:cxnSpLocks/>
+          </p:cNvCxnSpPr>
+          <p:nvPr/>
+        </p:nvCxnSpPr>
+        <p:spPr>
+          <a:xfrm>
+            <a:off x="7987750" y="5512698"/>
+            <a:ext cx="0" cy="506369"/>
+          </a:xfrm>
+          <a:prstGeom prst="straightConnector1">
+            <a:avLst/>
+          </a:prstGeom>
+          <a:ln>
+            <a:tailEnd type="triangle"/>
+          </a:ln>
+        </p:spPr>
+        <p:style>
+          <a:lnRef idx="1">
+            <a:schemeClr val="accent1"/>
+          </a:lnRef>
+          <a:fillRef idx="0">
+            <a:schemeClr val="accent1"/>
+          </a:fillRef>
+          <a:effectRef idx="0">
+            <a:schemeClr val="accent1"/>
+          </a:effectRef>
+          <a:fontRef idx="minor">
+            <a:schemeClr val="tx1"/>
+          </a:fontRef>
+        </p:style>
+      </p:cxnSp>
     </p:spTree>
     <p:extLst>
       <p:ext uri="{BB962C8B-B14F-4D97-AF65-F5344CB8AC3E}">
@@ -15157,8 +15805,8 @@
         </p:nvSpPr>
         <p:spPr>
           <a:xfrm>
-            <a:off x="2529160" y="926281"/>
-            <a:ext cx="7973855" cy="3231654"/>
+            <a:off x="2646606" y="698788"/>
+            <a:ext cx="7973855" cy="2954655"/>
           </a:xfrm>
           <a:prstGeom prst="rect">
             <a:avLst/>
@@ -15173,7 +15821,7 @@
           <a:p>
             <a:pPr algn="just"/>
             <a:r>
-              <a:rPr lang="en-GB" sz="2800" b="1" dirty="0">
+              <a:rPr lang="en-GB" sz="2400" b="1" dirty="0">
                 <a:ln w="19050" cmpd="sng">
                   <a:solidFill>
                     <a:schemeClr val="bg2">
@@ -15191,7 +15839,7 @@
               <a:t> HOW DID WE ACHIEVE THE SOLUTION</a:t>
             </a:r>
             <a:r>
-              <a:rPr lang="it-IT" sz="2600" b="1" dirty="0">
+              <a:rPr lang="it-IT" sz="2400" b="1" dirty="0">
                 <a:ln w="19050" cmpd="sng">
                   <a:solidFill>
                     <a:schemeClr val="bg2">
@@ -15210,78 +15858,94 @@
             </a:r>
           </a:p>
           <a:p>
+            <a:pPr algn="just"/>
+            <a:endParaRPr lang="it-IT" sz="1200" b="1" dirty="0">
+              <a:ln w="19050" cmpd="sng">
+                <a:solidFill>
+                  <a:schemeClr val="bg2">
+                    <a:lumMod val="50000"/>
+                  </a:schemeClr>
+                </a:solidFill>
+              </a:ln>
+              <a:solidFill>
+                <a:schemeClr val="tx2">
+                  <a:lumMod val="60000"/>
+                  <a:lumOff val="40000"/>
+                </a:schemeClr>
+              </a:solidFill>
+            </a:endParaRPr>
+          </a:p>
+          <a:p>
             <a:pPr marL="285750" indent="-285750" algn="just">
+              <a:spcBef>
+                <a:spcPts val="1200"/>
+              </a:spcBef>
               <a:buFontTx/>
               <a:buChar char="-"/>
             </a:pPr>
             <a:r>
-              <a:rPr lang="it-IT" sz="2200" dirty="0"/>
+              <a:rPr lang="it-IT" sz="2000" dirty="0"/>
               <a:t>With a </a:t>
             </a:r>
             <a:r>
-              <a:rPr lang="it-IT" sz="2200" dirty="0" err="1"/>
+              <a:rPr lang="it-IT" sz="2000" dirty="0" err="1"/>
               <a:t>combination</a:t>
             </a:r>
             <a:r>
-              <a:rPr lang="it-IT" sz="2200" dirty="0"/>
+              <a:rPr lang="it-IT" sz="2000" dirty="0"/>
               <a:t> of </a:t>
             </a:r>
             <a:r>
-              <a:rPr lang="it-IT" sz="2200" dirty="0" err="1"/>
+              <a:rPr lang="it-IT" sz="2000" dirty="0" err="1"/>
               <a:t>two</a:t>
             </a:r>
             <a:r>
-              <a:rPr lang="it-IT" sz="2200" dirty="0"/>
+              <a:rPr lang="it-IT" sz="2000" dirty="0"/>
               <a:t> </a:t>
             </a:r>
             <a:r>
-              <a:rPr lang="it-IT" sz="2200" dirty="0" err="1"/>
+              <a:rPr lang="it-IT" sz="2000" dirty="0" err="1"/>
               <a:t>different</a:t>
             </a:r>
             <a:r>
-              <a:rPr lang="it-IT" sz="2200" dirty="0"/>
+              <a:rPr lang="it-IT" sz="2000" dirty="0"/>
               <a:t> </a:t>
             </a:r>
             <a:r>
-              <a:rPr lang="it-IT" sz="2200" dirty="0" err="1"/>
+              <a:rPr lang="it-IT" sz="2000" dirty="0" err="1"/>
               <a:t>technologies</a:t>
             </a:r>
             <a:r>
-              <a:rPr lang="it-IT" sz="2200" dirty="0"/>
+              <a:rPr lang="it-IT" sz="2000" dirty="0"/>
               <a:t>.</a:t>
             </a:r>
           </a:p>
           <a:p>
             <a:pPr marL="285750" indent="-285750" algn="just">
+              <a:spcBef>
+                <a:spcPts val="1200"/>
+              </a:spcBef>
               <a:buFontTx/>
               <a:buChar char="-"/>
             </a:pPr>
             <a:r>
-              <a:rPr lang="en-GB" sz="2200" dirty="0"/>
+              <a:rPr lang="en-GB" sz="2000" dirty="0"/>
               <a:t>Allowing children to use these technologies to work together to achieve the same goal in two different ways.</a:t>
             </a:r>
           </a:p>
           <a:p>
             <a:pPr marL="285750" indent="-285750" algn="just">
+              <a:spcBef>
+                <a:spcPts val="1200"/>
+              </a:spcBef>
               <a:buFontTx/>
               <a:buChar char="-"/>
             </a:pPr>
             <a:r>
-              <a:rPr lang="en-GB" sz="2200" dirty="0"/>
+              <a:rPr lang="en-GB" sz="2000" dirty="0"/>
               <a:t>Allowing the therapist to use special moments dedicated to verbal communication in which she is not just a spectator but plays a concrete and active role as a therapist.</a:t>
             </a:r>
-            <a:endParaRPr lang="it-IT" sz="2200" dirty="0"/>
-          </a:p>
-          <a:p>
-            <a:pPr algn="just"/>
-            <a:endParaRPr lang="it-IT" sz="2200" dirty="0"/>
-          </a:p>
-          <a:p>
-            <a:pPr marL="285750" indent="-285750" algn="just">
-              <a:buFontTx/>
-              <a:buChar char="-"/>
-            </a:pPr>
-            <a:endParaRPr lang="en-GB" sz="2200" dirty="0"/>
+            <a:endParaRPr lang="it-IT" sz="2000" dirty="0"/>
           </a:p>
         </p:txBody>
       </p:sp>
@@ -15300,7 +15964,7 @@
         <p:spPr>
           <a:xfrm>
             <a:off x="1688985" y="3896325"/>
-            <a:ext cx="1513574" cy="523220"/>
+            <a:ext cx="1513574" cy="461665"/>
           </a:xfrm>
           <a:prstGeom prst="rect">
             <a:avLst/>
@@ -15315,7 +15979,7 @@
           <a:p>
             <a:pPr algn="just"/>
             <a:r>
-              <a:rPr lang="en-GB" sz="2800" b="1" dirty="0">
+              <a:rPr lang="en-GB" sz="2400" b="1" dirty="0">
                 <a:ln w="19050" cmpd="sng">
                   <a:solidFill>
                     <a:schemeClr val="bg2">
@@ -15332,7 +15996,7 @@
               </a:rPr>
               <a:t> THE VR</a:t>
             </a:r>
-            <a:endParaRPr lang="it-IT" sz="2200" dirty="0"/>
+            <a:endParaRPr lang="it-IT" sz="2000" dirty="0"/>
           </a:p>
         </p:txBody>
       </p:sp>
@@ -15350,8 +16014,8 @@
         </p:nvSpPr>
         <p:spPr>
           <a:xfrm>
-            <a:off x="6896769" y="3634715"/>
-            <a:ext cx="3883083" cy="523220"/>
+            <a:off x="6930325" y="3896324"/>
+            <a:ext cx="3883083" cy="461665"/>
           </a:xfrm>
           <a:prstGeom prst="rect">
             <a:avLst/>
@@ -15366,7 +16030,7 @@
           <a:p>
             <a:pPr algn="just"/>
             <a:r>
-              <a:rPr lang="en-GB" sz="2800" b="1" dirty="0">
+              <a:rPr lang="en-GB" sz="2400" b="1" dirty="0">
                 <a:ln w="19050" cmpd="sng">
                   <a:solidFill>
                     <a:schemeClr val="bg2">
@@ -15431,7 +16095,7 @@
         <p:spPr>
           <a:xfrm>
             <a:off x="0" y="549510"/>
-            <a:ext cx="12192000" cy="553998"/>
+            <a:ext cx="12192000" cy="523220"/>
           </a:xfrm>
           <a:prstGeom prst="rect">
             <a:avLst/>
@@ -15446,7 +16110,7 @@
           <a:p>
             <a:pPr algn="ctr"/>
             <a:r>
-              <a:rPr lang="it-IT" sz="3000" b="1" dirty="0">
+              <a:rPr lang="it-IT" sz="2800" b="1" dirty="0">
                 <a:ln w="19050" cmpd="sng">
                   <a:solidFill>
                     <a:schemeClr val="bg2">
@@ -15463,7 +16127,7 @@
               </a:rPr>
               <a:t>HOW DID WE DESIGNED TAMADOLPHIN?</a:t>
             </a:r>
-            <a:endParaRPr lang="en-US" sz="3000" b="1" dirty="0">
+            <a:endParaRPr lang="en-US" sz="2800" b="1" dirty="0">
               <a:ln w="19050" cmpd="sng">
                 <a:solidFill>
                   <a:schemeClr val="bg2">
@@ -15848,8 +16512,8 @@
         </p:nvSpPr>
         <p:spPr>
           <a:xfrm>
-            <a:off x="2057400" y="1350038"/>
-            <a:ext cx="7258050" cy="1107996"/>
+            <a:off x="1940303" y="1458622"/>
+            <a:ext cx="8311393" cy="1331134"/>
           </a:xfrm>
           <a:prstGeom prst="rect">
             <a:avLst/>
@@ -15862,6 +16526,11 @@
           </a:bodyPr>
           <a:lstStyle/>
           <a:p>
+            <a:pPr>
+              <a:spcBef>
+                <a:spcPts val="1500"/>
+              </a:spcBef>
+            </a:pPr>
             <a:r>
               <a:rPr lang="en-GB" sz="2400" b="1" dirty="0">
                 <a:ln w="12700" cmpd="sng">
@@ -15890,14 +16559,31 @@
                   </a:solidFill>
                 </a:ln>
               </a:rPr>
+              <a:t> </a:t>
+            </a:r>
+            <a:r>
+              <a:rPr lang="en-GB" sz="2000" dirty="0">
+                <a:ln w="12700">
+                  <a:solidFill>
+                    <a:schemeClr val="bg2">
+                      <a:lumMod val="50000"/>
+                    </a:schemeClr>
+                  </a:solidFill>
+                </a:ln>
+              </a:rPr>
               <a:t>: </a:t>
             </a:r>
             <a:r>
-              <a:rPr lang="en-GB" dirty="0"/>
-              <a:t>realize the simple and functional user experience.</a:t>
-            </a:r>
-          </a:p>
-          <a:p>
+              <a:rPr lang="en-GB" sz="2000" dirty="0"/>
+              <a:t>Realize the simple and functional user experience.</a:t>
+            </a:r>
+          </a:p>
+          <a:p>
+            <a:pPr>
+              <a:spcBef>
+                <a:spcPts val="1500"/>
+              </a:spcBef>
+            </a:pPr>
             <a:r>
               <a:rPr lang="en-GB" sz="2400" b="1" dirty="0">
                 <a:ln w="12700" cmpd="sng">
@@ -15917,7 +16603,7 @@
               <a:t>Main Feature</a:t>
             </a:r>
             <a:r>
-              <a:rPr lang="en-GB" dirty="0">
+              <a:rPr lang="en-GB" sz="2000" dirty="0">
                 <a:ln w="12700">
                   <a:solidFill>
                     <a:schemeClr val="bg2">
@@ -15929,9 +16615,10 @@
               <a:t>: </a:t>
             </a:r>
             <a:r>
-              <a:rPr lang="en-GB" dirty="0"/>
-              <a:t>collaboration -&gt; which is possible even though the two players use two completely different technologies. -&gt; Thanks to the therapist</a:t>
-            </a:r>
+              <a:rPr lang="en-GB" sz="2000" dirty="0"/>
+              <a:t>Collaboration -&gt; Which is possible even though the two players use two completely different technologies. -&gt; Thanks to the therapist.</a:t>
+            </a:r>
+            <a:endParaRPr lang="en-GB" dirty="0"/>
           </a:p>
         </p:txBody>
       </p:sp>
@@ -15980,7 +16667,7 @@
         <p:spPr>
           <a:xfrm>
             <a:off x="0" y="549510"/>
-            <a:ext cx="12192000" cy="553998"/>
+            <a:ext cx="12192000" cy="523220"/>
           </a:xfrm>
           <a:prstGeom prst="rect">
             <a:avLst/>
@@ -15995,7 +16682,7 @@
           <a:p>
             <a:pPr algn="ctr"/>
             <a:r>
-              <a:rPr lang="it-IT" sz="3000" b="1" dirty="0">
+              <a:rPr lang="it-IT" sz="2800" b="1" dirty="0">
                 <a:ln w="19050" cmpd="sng">
                   <a:solidFill>
                     <a:schemeClr val="bg2">
@@ -16010,9 +16697,9 @@
                   </a:schemeClr>
                 </a:solidFill>
               </a:rPr>
-              <a:t>SCENARIO</a:t>
-            </a:r>
-            <a:endParaRPr lang="en-US" sz="3000" b="1" dirty="0">
+              <a:t>GAME FLOW</a:t>
+            </a:r>
+            <a:endParaRPr lang="en-US" sz="2800" b="1" dirty="0">
               <a:ln w="19050" cmpd="sng">
                 <a:solidFill>
                   <a:schemeClr val="bg2">
@@ -16363,7 +17050,7 @@
         <p:spPr>
           <a:xfrm>
             <a:off x="0" y="542728"/>
-            <a:ext cx="12192000" cy="584775"/>
+            <a:ext cx="12192000" cy="523220"/>
           </a:xfrm>
           <a:prstGeom prst="rect">
             <a:avLst/>
@@ -16378,7 +17065,7 @@
           <a:p>
             <a:pPr algn="ctr"/>
             <a:r>
-              <a:rPr lang="it-IT" sz="3200" b="1" dirty="0">
+              <a:rPr lang="it-IT" sz="2800" b="1" dirty="0">
                 <a:ln w="19050" cmpd="sng">
                   <a:solidFill>
                     <a:schemeClr val="bg2">
@@ -16395,7 +17082,7 @@
               </a:rPr>
               <a:t>WE MANAGE DIFFERENT OUTCOME</a:t>
             </a:r>
-            <a:endParaRPr lang="en-US" sz="3200" b="1" dirty="0">
+            <a:endParaRPr lang="en-US" sz="2800" b="1" dirty="0">
               <a:ln w="19050" cmpd="sng">
                 <a:solidFill>
                   <a:schemeClr val="bg2">
@@ -17304,7 +17991,7 @@
         <p:spPr>
           <a:xfrm>
             <a:off x="0" y="549510"/>
-            <a:ext cx="12192000" cy="553998"/>
+            <a:ext cx="12192000" cy="523220"/>
           </a:xfrm>
           <a:prstGeom prst="rect">
             <a:avLst/>
@@ -17319,7 +18006,7 @@
           <a:p>
             <a:pPr algn="ctr"/>
             <a:r>
-              <a:rPr lang="it-IT" sz="3000" b="1" dirty="0">
+              <a:rPr lang="it-IT" sz="2800" b="1" dirty="0">
                 <a:ln w="19050" cmpd="sng">
                   <a:solidFill>
                     <a:schemeClr val="bg2">
@@ -17334,7 +18021,7 @@
                   </a:schemeClr>
                 </a:solidFill>
               </a:rPr>
-              <a:t>SCENARIO CIBO</a:t>
+              <a:t>SCENARIO PHASE 2</a:t>
             </a:r>
           </a:p>
         </p:txBody>
@@ -17410,7 +18097,7 @@
             </a:pPr>
             <a:r>
               <a:rPr lang="en-GB" dirty="0"/>
-              <a:t>The child in the VR world will have to look for the right food</a:t>
+              <a:t>The child in the VR world will have to look for the right food.</a:t>
             </a:r>
           </a:p>
         </p:txBody>
